--- a/talks/240926-bmsaned-ai-in-health/stats-vs-ai.pptx
+++ b/talks/240926-bmsaned-ai-in-health/stats-vs-ai.pptx
@@ -4,8 +4,16 @@
   <p:sldMasterIdLst>
     <p:sldMasterId id="2147483648" r:id="rId1"/>
   </p:sldMasterIdLst>
+  <p:notesMasterIdLst>
+    <p:notesMasterId r:id="rId8"/>
+  </p:notesMasterIdLst>
   <p:sldIdLst>
-    <p:sldId id="256" r:id="rId2"/>
+    <p:sldId id="260" r:id="rId2"/>
+    <p:sldId id="261" r:id="rId3"/>
+    <p:sldId id="256" r:id="rId4"/>
+    <p:sldId id="262" r:id="rId5"/>
+    <p:sldId id="259" r:id="rId6"/>
+    <p:sldId id="263" r:id="rId7"/>
   </p:sldIdLst>
   <p:sldSz cx="12192000" cy="6858000"/>
   <p:notesSz cx="6858000" cy="9144000"/>
@@ -105,6 +113,980 @@
     </a:lvl9pPr>
   </p:defaultTextStyle>
 </p:presentation>
+</file>
+
+<file path=ppt/notesMasters/notesMaster1.xml><?xml version="1.0" encoding="utf-8"?>
+<p:notesMaster xmlns:a="http://schemas.openxmlformats.org/drawingml/2006/main" xmlns:r="http://schemas.openxmlformats.org/officeDocument/2006/relationships" xmlns:p="http://schemas.openxmlformats.org/presentationml/2006/main">
+  <p:cSld>
+    <p:bg>
+      <p:bgRef idx="1001">
+        <a:schemeClr val="bg1"/>
+      </p:bgRef>
+    </p:bg>
+    <p:spTree>
+      <p:nvGrpSpPr>
+        <p:cNvPr id="1" name=""/>
+        <p:cNvGrpSpPr/>
+        <p:nvPr/>
+      </p:nvGrpSpPr>
+      <p:grpSpPr>
+        <a:xfrm>
+          <a:off x="0" y="0"/>
+          <a:ext cx="0" cy="0"/>
+          <a:chOff x="0" y="0"/>
+          <a:chExt cx="0" cy="0"/>
+        </a:xfrm>
+      </p:grpSpPr>
+      <p:sp>
+        <p:nvSpPr>
+          <p:cNvPr id="2" name="Header Placeholder 1"/>
+          <p:cNvSpPr>
+            <a:spLocks noGrp="1"/>
+          </p:cNvSpPr>
+          <p:nvPr>
+            <p:ph type="hdr" sz="quarter"/>
+          </p:nvPr>
+        </p:nvSpPr>
+        <p:spPr>
+          <a:xfrm>
+            <a:off x="0" y="0"/>
+            <a:ext cx="2971800" cy="458788"/>
+          </a:xfrm>
+          <a:prstGeom prst="rect">
+            <a:avLst/>
+          </a:prstGeom>
+        </p:spPr>
+        <p:txBody>
+          <a:bodyPr vert="horz" lIns="91440" tIns="45720" rIns="91440" bIns="45720" rtlCol="0"/>
+          <a:lstStyle>
+            <a:lvl1pPr algn="l">
+              <a:defRPr sz="1200"/>
+            </a:lvl1pPr>
+          </a:lstStyle>
+          <a:p>
+            <a:endParaRPr lang="en-NL"/>
+          </a:p>
+        </p:txBody>
+      </p:sp>
+      <p:sp>
+        <p:nvSpPr>
+          <p:cNvPr id="3" name="Date Placeholder 2"/>
+          <p:cNvSpPr>
+            <a:spLocks noGrp="1"/>
+          </p:cNvSpPr>
+          <p:nvPr>
+            <p:ph type="dt" idx="1"/>
+          </p:nvPr>
+        </p:nvSpPr>
+        <p:spPr>
+          <a:xfrm>
+            <a:off x="3884613" y="0"/>
+            <a:ext cx="2971800" cy="458788"/>
+          </a:xfrm>
+          <a:prstGeom prst="rect">
+            <a:avLst/>
+          </a:prstGeom>
+        </p:spPr>
+        <p:txBody>
+          <a:bodyPr vert="horz" lIns="91440" tIns="45720" rIns="91440" bIns="45720" rtlCol="0"/>
+          <a:lstStyle>
+            <a:lvl1pPr algn="r">
+              <a:defRPr sz="1200"/>
+            </a:lvl1pPr>
+          </a:lstStyle>
+          <a:p>
+            <a:fld id="{D87959F3-A328-F34F-A384-339F6B363E5A}" type="datetimeFigureOut">
+              <a:rPr lang="en-NL" smtClean="0"/>
+              <a:t>25/09/2024</a:t>
+            </a:fld>
+            <a:endParaRPr lang="en-NL"/>
+          </a:p>
+        </p:txBody>
+      </p:sp>
+      <p:sp>
+        <p:nvSpPr>
+          <p:cNvPr id="4" name="Slide Image Placeholder 3"/>
+          <p:cNvSpPr>
+            <a:spLocks noGrp="1" noRot="1" noChangeAspect="1"/>
+          </p:cNvSpPr>
+          <p:nvPr>
+            <p:ph type="sldImg" idx="2"/>
+          </p:nvPr>
+        </p:nvSpPr>
+        <p:spPr>
+          <a:xfrm>
+            <a:off x="685800" y="1143000"/>
+            <a:ext cx="5486400" cy="3086100"/>
+          </a:xfrm>
+          <a:prstGeom prst="rect">
+            <a:avLst/>
+          </a:prstGeom>
+          <a:noFill/>
+          <a:ln w="12700">
+            <a:solidFill>
+              <a:prstClr val="black"/>
+            </a:solidFill>
+          </a:ln>
+        </p:spPr>
+        <p:txBody>
+          <a:bodyPr vert="horz" lIns="91440" tIns="45720" rIns="91440" bIns="45720" rtlCol="0" anchor="ctr"/>
+          <a:lstStyle/>
+          <a:p>
+            <a:endParaRPr lang="en-NL"/>
+          </a:p>
+        </p:txBody>
+      </p:sp>
+      <p:sp>
+        <p:nvSpPr>
+          <p:cNvPr id="5" name="Notes Placeholder 4"/>
+          <p:cNvSpPr>
+            <a:spLocks noGrp="1"/>
+          </p:cNvSpPr>
+          <p:nvPr>
+            <p:ph type="body" sz="quarter" idx="3"/>
+          </p:nvPr>
+        </p:nvSpPr>
+        <p:spPr>
+          <a:xfrm>
+            <a:off x="685800" y="4400550"/>
+            <a:ext cx="5486400" cy="3600450"/>
+          </a:xfrm>
+          <a:prstGeom prst="rect">
+            <a:avLst/>
+          </a:prstGeom>
+        </p:spPr>
+        <p:txBody>
+          <a:bodyPr vert="horz" lIns="91440" tIns="45720" rIns="91440" bIns="45720" rtlCol="0"/>
+          <a:lstStyle/>
+          <a:p>
+            <a:pPr lvl="0"/>
+            <a:r>
+              <a:rPr lang="en-GB"/>
+              <a:t>Click to edit Master text styles</a:t>
+            </a:r>
+          </a:p>
+          <a:p>
+            <a:pPr lvl="1"/>
+            <a:r>
+              <a:rPr lang="en-GB"/>
+              <a:t>Second level</a:t>
+            </a:r>
+          </a:p>
+          <a:p>
+            <a:pPr lvl="2"/>
+            <a:r>
+              <a:rPr lang="en-GB"/>
+              <a:t>Third level</a:t>
+            </a:r>
+          </a:p>
+          <a:p>
+            <a:pPr lvl="3"/>
+            <a:r>
+              <a:rPr lang="en-GB"/>
+              <a:t>Fourth level</a:t>
+            </a:r>
+          </a:p>
+          <a:p>
+            <a:pPr lvl="4"/>
+            <a:r>
+              <a:rPr lang="en-GB"/>
+              <a:t>Fifth level</a:t>
+            </a:r>
+            <a:endParaRPr lang="en-NL"/>
+          </a:p>
+        </p:txBody>
+      </p:sp>
+      <p:sp>
+        <p:nvSpPr>
+          <p:cNvPr id="6" name="Footer Placeholder 5"/>
+          <p:cNvSpPr>
+            <a:spLocks noGrp="1"/>
+          </p:cNvSpPr>
+          <p:nvPr>
+            <p:ph type="ftr" sz="quarter" idx="4"/>
+          </p:nvPr>
+        </p:nvSpPr>
+        <p:spPr>
+          <a:xfrm>
+            <a:off x="0" y="8685213"/>
+            <a:ext cx="2971800" cy="458787"/>
+          </a:xfrm>
+          <a:prstGeom prst="rect">
+            <a:avLst/>
+          </a:prstGeom>
+        </p:spPr>
+        <p:txBody>
+          <a:bodyPr vert="horz" lIns="91440" tIns="45720" rIns="91440" bIns="45720" rtlCol="0" anchor="b"/>
+          <a:lstStyle>
+            <a:lvl1pPr algn="l">
+              <a:defRPr sz="1200"/>
+            </a:lvl1pPr>
+          </a:lstStyle>
+          <a:p>
+            <a:endParaRPr lang="en-NL"/>
+          </a:p>
+        </p:txBody>
+      </p:sp>
+      <p:sp>
+        <p:nvSpPr>
+          <p:cNvPr id="7" name="Slide Number Placeholder 6"/>
+          <p:cNvSpPr>
+            <a:spLocks noGrp="1"/>
+          </p:cNvSpPr>
+          <p:nvPr>
+            <p:ph type="sldNum" sz="quarter" idx="5"/>
+          </p:nvPr>
+        </p:nvSpPr>
+        <p:spPr>
+          <a:xfrm>
+            <a:off x="3884613" y="8685213"/>
+            <a:ext cx="2971800" cy="458787"/>
+          </a:xfrm>
+          <a:prstGeom prst="rect">
+            <a:avLst/>
+          </a:prstGeom>
+        </p:spPr>
+        <p:txBody>
+          <a:bodyPr vert="horz" lIns="91440" tIns="45720" rIns="91440" bIns="45720" rtlCol="0" anchor="b"/>
+          <a:lstStyle>
+            <a:lvl1pPr algn="r">
+              <a:defRPr sz="1200"/>
+            </a:lvl1pPr>
+          </a:lstStyle>
+          <a:p>
+            <a:fld id="{1C56A2E2-8D9C-BC47-B9EB-E4E94C4FF530}" type="slidenum">
+              <a:rPr lang="en-NL" smtClean="0"/>
+              <a:t>‹#›</a:t>
+            </a:fld>
+            <a:endParaRPr lang="en-NL"/>
+          </a:p>
+        </p:txBody>
+      </p:sp>
+    </p:spTree>
+    <p:extLst>
+      <p:ext uri="{BB962C8B-B14F-4D97-AF65-F5344CB8AC3E}">
+        <p14:creationId xmlns:p14="http://schemas.microsoft.com/office/powerpoint/2010/main" val="20914897"/>
+      </p:ext>
+    </p:extLst>
+  </p:cSld>
+  <p:clrMap bg1="lt1" tx1="dk1" bg2="lt2" tx2="dk2" accent1="accent1" accent2="accent2" accent3="accent3" accent4="accent4" accent5="accent5" accent6="accent6" hlink="hlink" folHlink="folHlink"/>
+  <p:notesStyle>
+    <a:lvl1pPr marL="0" algn="l" defTabSz="914400" rtl="0" eaLnBrk="1" latinLnBrk="0" hangingPunct="1">
+      <a:defRPr sz="1200" kern="1200">
+        <a:solidFill>
+          <a:schemeClr val="tx1"/>
+        </a:solidFill>
+        <a:latin typeface="+mn-lt"/>
+        <a:ea typeface="+mn-ea"/>
+        <a:cs typeface="+mn-cs"/>
+      </a:defRPr>
+    </a:lvl1pPr>
+    <a:lvl2pPr marL="457200" algn="l" defTabSz="914400" rtl="0" eaLnBrk="1" latinLnBrk="0" hangingPunct="1">
+      <a:defRPr sz="1200" kern="1200">
+        <a:solidFill>
+          <a:schemeClr val="tx1"/>
+        </a:solidFill>
+        <a:latin typeface="+mn-lt"/>
+        <a:ea typeface="+mn-ea"/>
+        <a:cs typeface="+mn-cs"/>
+      </a:defRPr>
+    </a:lvl2pPr>
+    <a:lvl3pPr marL="914400" algn="l" defTabSz="914400" rtl="0" eaLnBrk="1" latinLnBrk="0" hangingPunct="1">
+      <a:defRPr sz="1200" kern="1200">
+        <a:solidFill>
+          <a:schemeClr val="tx1"/>
+        </a:solidFill>
+        <a:latin typeface="+mn-lt"/>
+        <a:ea typeface="+mn-ea"/>
+        <a:cs typeface="+mn-cs"/>
+      </a:defRPr>
+    </a:lvl3pPr>
+    <a:lvl4pPr marL="1371600" algn="l" defTabSz="914400" rtl="0" eaLnBrk="1" latinLnBrk="0" hangingPunct="1">
+      <a:defRPr sz="1200" kern="1200">
+        <a:solidFill>
+          <a:schemeClr val="tx1"/>
+        </a:solidFill>
+        <a:latin typeface="+mn-lt"/>
+        <a:ea typeface="+mn-ea"/>
+        <a:cs typeface="+mn-cs"/>
+      </a:defRPr>
+    </a:lvl4pPr>
+    <a:lvl5pPr marL="1828800" algn="l" defTabSz="914400" rtl="0" eaLnBrk="1" latinLnBrk="0" hangingPunct="1">
+      <a:defRPr sz="1200" kern="1200">
+        <a:solidFill>
+          <a:schemeClr val="tx1"/>
+        </a:solidFill>
+        <a:latin typeface="+mn-lt"/>
+        <a:ea typeface="+mn-ea"/>
+        <a:cs typeface="+mn-cs"/>
+      </a:defRPr>
+    </a:lvl5pPr>
+    <a:lvl6pPr marL="2286000" algn="l" defTabSz="914400" rtl="0" eaLnBrk="1" latinLnBrk="0" hangingPunct="1">
+      <a:defRPr sz="1200" kern="1200">
+        <a:solidFill>
+          <a:schemeClr val="tx1"/>
+        </a:solidFill>
+        <a:latin typeface="+mn-lt"/>
+        <a:ea typeface="+mn-ea"/>
+        <a:cs typeface="+mn-cs"/>
+      </a:defRPr>
+    </a:lvl6pPr>
+    <a:lvl7pPr marL="2743200" algn="l" defTabSz="914400" rtl="0" eaLnBrk="1" latinLnBrk="0" hangingPunct="1">
+      <a:defRPr sz="1200" kern="1200">
+        <a:solidFill>
+          <a:schemeClr val="tx1"/>
+        </a:solidFill>
+        <a:latin typeface="+mn-lt"/>
+        <a:ea typeface="+mn-ea"/>
+        <a:cs typeface="+mn-cs"/>
+      </a:defRPr>
+    </a:lvl7pPr>
+    <a:lvl8pPr marL="3200400" algn="l" defTabSz="914400" rtl="0" eaLnBrk="1" latinLnBrk="0" hangingPunct="1">
+      <a:defRPr sz="1200" kern="1200">
+        <a:solidFill>
+          <a:schemeClr val="tx1"/>
+        </a:solidFill>
+        <a:latin typeface="+mn-lt"/>
+        <a:ea typeface="+mn-ea"/>
+        <a:cs typeface="+mn-cs"/>
+      </a:defRPr>
+    </a:lvl8pPr>
+    <a:lvl9pPr marL="3657600" algn="l" defTabSz="914400" rtl="0" eaLnBrk="1" latinLnBrk="0" hangingPunct="1">
+      <a:defRPr sz="1200" kern="1200">
+        <a:solidFill>
+          <a:schemeClr val="tx1"/>
+        </a:solidFill>
+        <a:latin typeface="+mn-lt"/>
+        <a:ea typeface="+mn-ea"/>
+        <a:cs typeface="+mn-cs"/>
+      </a:defRPr>
+    </a:lvl9pPr>
+  </p:notesStyle>
+</p:notesMaster>
+</file>
+
+<file path=ppt/notesSlides/notesSlide1.xml><?xml version="1.0" encoding="utf-8"?>
+<p:notes xmlns:a="http://schemas.openxmlformats.org/drawingml/2006/main" xmlns:r="http://schemas.openxmlformats.org/officeDocument/2006/relationships" xmlns:p="http://schemas.openxmlformats.org/presentationml/2006/main">
+  <p:cSld>
+    <p:spTree>
+      <p:nvGrpSpPr>
+        <p:cNvPr id="1" name="">
+          <a:extLst>
+            <a:ext uri="{FF2B5EF4-FFF2-40B4-BE49-F238E27FC236}">
+              <a16:creationId xmlns:a16="http://schemas.microsoft.com/office/drawing/2014/main" id="{4812D8C4-5C67-DE6E-1988-E4F6A1B458C3}"/>
+            </a:ext>
+          </a:extLst>
+        </p:cNvPr>
+        <p:cNvGrpSpPr/>
+        <p:nvPr/>
+      </p:nvGrpSpPr>
+      <p:grpSpPr>
+        <a:xfrm>
+          <a:off x="0" y="0"/>
+          <a:ext cx="0" cy="0"/>
+          <a:chOff x="0" y="0"/>
+          <a:chExt cx="0" cy="0"/>
+        </a:xfrm>
+      </p:grpSpPr>
+      <p:sp>
+        <p:nvSpPr>
+          <p:cNvPr id="2" name="Slide Image Placeholder 1">
+            <a:extLst>
+              <a:ext uri="{FF2B5EF4-FFF2-40B4-BE49-F238E27FC236}">
+                <a16:creationId xmlns:a16="http://schemas.microsoft.com/office/drawing/2014/main" id="{65E62C6D-7718-82E1-8674-24AEF6391C73}"/>
+              </a:ext>
+            </a:extLst>
+          </p:cNvPr>
+          <p:cNvSpPr>
+            <a:spLocks noGrp="1" noRot="1" noChangeAspect="1"/>
+          </p:cNvSpPr>
+          <p:nvPr>
+            <p:ph type="sldImg"/>
+          </p:nvPr>
+        </p:nvSpPr>
+        <p:spPr/>
+      </p:sp>
+      <p:sp>
+        <p:nvSpPr>
+          <p:cNvPr id="3" name="Notes Placeholder 2">
+            <a:extLst>
+              <a:ext uri="{FF2B5EF4-FFF2-40B4-BE49-F238E27FC236}">
+                <a16:creationId xmlns:a16="http://schemas.microsoft.com/office/drawing/2014/main" id="{2836BCFE-97E1-2AB7-0646-D568692DFF2E}"/>
+              </a:ext>
+            </a:extLst>
+          </p:cNvPr>
+          <p:cNvSpPr>
+            <a:spLocks noGrp="1"/>
+          </p:cNvSpPr>
+          <p:nvPr>
+            <p:ph type="body" idx="1"/>
+          </p:nvPr>
+        </p:nvSpPr>
+        <p:spPr/>
+        <p:txBody>
+          <a:bodyPr/>
+          <a:lstStyle/>
+          <a:p>
+            <a:endParaRPr lang="en-NL" dirty="0"/>
+          </a:p>
+        </p:txBody>
+      </p:sp>
+      <p:sp>
+        <p:nvSpPr>
+          <p:cNvPr id="4" name="Slide Number Placeholder 3">
+            <a:extLst>
+              <a:ext uri="{FF2B5EF4-FFF2-40B4-BE49-F238E27FC236}">
+                <a16:creationId xmlns:a16="http://schemas.microsoft.com/office/drawing/2014/main" id="{1CFE1299-5DFD-B9D7-B74A-2497A53C2EB0}"/>
+              </a:ext>
+            </a:extLst>
+          </p:cNvPr>
+          <p:cNvSpPr>
+            <a:spLocks noGrp="1"/>
+          </p:cNvSpPr>
+          <p:nvPr>
+            <p:ph type="sldNum" sz="quarter" idx="5"/>
+          </p:nvPr>
+        </p:nvSpPr>
+        <p:spPr/>
+        <p:txBody>
+          <a:bodyPr/>
+          <a:lstStyle/>
+          <a:p>
+            <a:fld id="{1C56A2E2-8D9C-BC47-B9EB-E4E94C4FF530}" type="slidenum">
+              <a:rPr lang="en-NL" smtClean="0"/>
+              <a:t>1</a:t>
+            </a:fld>
+            <a:endParaRPr lang="en-NL"/>
+          </a:p>
+        </p:txBody>
+      </p:sp>
+    </p:spTree>
+    <p:extLst>
+      <p:ext uri="{BB962C8B-B14F-4D97-AF65-F5344CB8AC3E}">
+        <p14:creationId xmlns:p14="http://schemas.microsoft.com/office/powerpoint/2010/main" val="2238357263"/>
+      </p:ext>
+    </p:extLst>
+  </p:cSld>
+  <p:clrMapOvr>
+    <a:masterClrMapping/>
+  </p:clrMapOvr>
+</p:notes>
+</file>
+
+<file path=ppt/notesSlides/notesSlide2.xml><?xml version="1.0" encoding="utf-8"?>
+<p:notes xmlns:a="http://schemas.openxmlformats.org/drawingml/2006/main" xmlns:r="http://schemas.openxmlformats.org/officeDocument/2006/relationships" xmlns:p="http://schemas.openxmlformats.org/presentationml/2006/main">
+  <p:cSld>
+    <p:spTree>
+      <p:nvGrpSpPr>
+        <p:cNvPr id="1" name="">
+          <a:extLst>
+            <a:ext uri="{FF2B5EF4-FFF2-40B4-BE49-F238E27FC236}">
+              <a16:creationId xmlns:a16="http://schemas.microsoft.com/office/drawing/2014/main" id="{F6B5EA7A-A802-3160-153F-87A1206BEE72}"/>
+            </a:ext>
+          </a:extLst>
+        </p:cNvPr>
+        <p:cNvGrpSpPr/>
+        <p:nvPr/>
+      </p:nvGrpSpPr>
+      <p:grpSpPr>
+        <a:xfrm>
+          <a:off x="0" y="0"/>
+          <a:ext cx="0" cy="0"/>
+          <a:chOff x="0" y="0"/>
+          <a:chExt cx="0" cy="0"/>
+        </a:xfrm>
+      </p:grpSpPr>
+      <p:sp>
+        <p:nvSpPr>
+          <p:cNvPr id="2" name="Slide Image Placeholder 1">
+            <a:extLst>
+              <a:ext uri="{FF2B5EF4-FFF2-40B4-BE49-F238E27FC236}">
+                <a16:creationId xmlns:a16="http://schemas.microsoft.com/office/drawing/2014/main" id="{2810B4D8-DCA6-8222-8B29-03FAFA0CDF1D}"/>
+              </a:ext>
+            </a:extLst>
+          </p:cNvPr>
+          <p:cNvSpPr>
+            <a:spLocks noGrp="1" noRot="1" noChangeAspect="1"/>
+          </p:cNvSpPr>
+          <p:nvPr>
+            <p:ph type="sldImg"/>
+          </p:nvPr>
+        </p:nvSpPr>
+        <p:spPr/>
+      </p:sp>
+      <p:sp>
+        <p:nvSpPr>
+          <p:cNvPr id="3" name="Notes Placeholder 2">
+            <a:extLst>
+              <a:ext uri="{FF2B5EF4-FFF2-40B4-BE49-F238E27FC236}">
+                <a16:creationId xmlns:a16="http://schemas.microsoft.com/office/drawing/2014/main" id="{F0BF6547-942B-4029-71FC-E6D5FBBCA961}"/>
+              </a:ext>
+            </a:extLst>
+          </p:cNvPr>
+          <p:cNvSpPr>
+            <a:spLocks noGrp="1"/>
+          </p:cNvSpPr>
+          <p:nvPr>
+            <p:ph type="body" idx="1"/>
+          </p:nvPr>
+        </p:nvSpPr>
+        <p:spPr/>
+        <p:txBody>
+          <a:bodyPr/>
+          <a:lstStyle/>
+          <a:p>
+            <a:endParaRPr lang="en-NL" dirty="0"/>
+          </a:p>
+        </p:txBody>
+      </p:sp>
+      <p:sp>
+        <p:nvSpPr>
+          <p:cNvPr id="4" name="Slide Number Placeholder 3">
+            <a:extLst>
+              <a:ext uri="{FF2B5EF4-FFF2-40B4-BE49-F238E27FC236}">
+                <a16:creationId xmlns:a16="http://schemas.microsoft.com/office/drawing/2014/main" id="{B8E45B9C-4097-4254-6F7F-7B86A6EC15C6}"/>
+              </a:ext>
+            </a:extLst>
+          </p:cNvPr>
+          <p:cNvSpPr>
+            <a:spLocks noGrp="1"/>
+          </p:cNvSpPr>
+          <p:nvPr>
+            <p:ph type="sldNum" sz="quarter" idx="5"/>
+          </p:nvPr>
+        </p:nvSpPr>
+        <p:spPr/>
+        <p:txBody>
+          <a:bodyPr/>
+          <a:lstStyle/>
+          <a:p>
+            <a:fld id="{1C56A2E2-8D9C-BC47-B9EB-E4E94C4FF530}" type="slidenum">
+              <a:rPr lang="en-NL" smtClean="0"/>
+              <a:t>2</a:t>
+            </a:fld>
+            <a:endParaRPr lang="en-NL"/>
+          </a:p>
+        </p:txBody>
+      </p:sp>
+    </p:spTree>
+    <p:extLst>
+      <p:ext uri="{BB962C8B-B14F-4D97-AF65-F5344CB8AC3E}">
+        <p14:creationId xmlns:p14="http://schemas.microsoft.com/office/powerpoint/2010/main" val="489421169"/>
+      </p:ext>
+    </p:extLst>
+  </p:cSld>
+  <p:clrMapOvr>
+    <a:masterClrMapping/>
+  </p:clrMapOvr>
+</p:notes>
+</file>
+
+<file path=ppt/notesSlides/notesSlide3.xml><?xml version="1.0" encoding="utf-8"?>
+<p:notes xmlns:a="http://schemas.openxmlformats.org/drawingml/2006/main" xmlns:r="http://schemas.openxmlformats.org/officeDocument/2006/relationships" xmlns:p="http://schemas.openxmlformats.org/presentationml/2006/main">
+  <p:cSld>
+    <p:spTree>
+      <p:nvGrpSpPr>
+        <p:cNvPr id="1" name=""/>
+        <p:cNvGrpSpPr/>
+        <p:nvPr/>
+      </p:nvGrpSpPr>
+      <p:grpSpPr>
+        <a:xfrm>
+          <a:off x="0" y="0"/>
+          <a:ext cx="0" cy="0"/>
+          <a:chOff x="0" y="0"/>
+          <a:chExt cx="0" cy="0"/>
+        </a:xfrm>
+      </p:grpSpPr>
+      <p:sp>
+        <p:nvSpPr>
+          <p:cNvPr id="2" name="Slide Image Placeholder 1"/>
+          <p:cNvSpPr>
+            <a:spLocks noGrp="1" noRot="1" noChangeAspect="1"/>
+          </p:cNvSpPr>
+          <p:nvPr>
+            <p:ph type="sldImg"/>
+          </p:nvPr>
+        </p:nvSpPr>
+        <p:spPr/>
+      </p:sp>
+      <p:sp>
+        <p:nvSpPr>
+          <p:cNvPr id="3" name="Notes Placeholder 2"/>
+          <p:cNvSpPr>
+            <a:spLocks noGrp="1"/>
+          </p:cNvSpPr>
+          <p:nvPr>
+            <p:ph type="body" idx="1"/>
+          </p:nvPr>
+        </p:nvSpPr>
+        <p:spPr/>
+        <p:txBody>
+          <a:bodyPr/>
+          <a:lstStyle/>
+          <a:p>
+            <a:endParaRPr lang="en-NL" dirty="0"/>
+          </a:p>
+        </p:txBody>
+      </p:sp>
+      <p:sp>
+        <p:nvSpPr>
+          <p:cNvPr id="4" name="Slide Number Placeholder 3"/>
+          <p:cNvSpPr>
+            <a:spLocks noGrp="1"/>
+          </p:cNvSpPr>
+          <p:nvPr>
+            <p:ph type="sldNum" sz="quarter" idx="5"/>
+          </p:nvPr>
+        </p:nvSpPr>
+        <p:spPr/>
+        <p:txBody>
+          <a:bodyPr/>
+          <a:lstStyle/>
+          <a:p>
+            <a:fld id="{1C56A2E2-8D9C-BC47-B9EB-E4E94C4FF530}" type="slidenum">
+              <a:rPr lang="en-NL" smtClean="0"/>
+              <a:t>3</a:t>
+            </a:fld>
+            <a:endParaRPr lang="en-NL"/>
+          </a:p>
+        </p:txBody>
+      </p:sp>
+    </p:spTree>
+    <p:extLst>
+      <p:ext uri="{BB962C8B-B14F-4D97-AF65-F5344CB8AC3E}">
+        <p14:creationId xmlns:p14="http://schemas.microsoft.com/office/powerpoint/2010/main" val="1006818842"/>
+      </p:ext>
+    </p:extLst>
+  </p:cSld>
+  <p:clrMapOvr>
+    <a:masterClrMapping/>
+  </p:clrMapOvr>
+</p:notes>
+</file>
+
+<file path=ppt/notesSlides/notesSlide4.xml><?xml version="1.0" encoding="utf-8"?>
+<p:notes xmlns:a="http://schemas.openxmlformats.org/drawingml/2006/main" xmlns:r="http://schemas.openxmlformats.org/officeDocument/2006/relationships" xmlns:p="http://schemas.openxmlformats.org/presentationml/2006/main">
+  <p:cSld>
+    <p:spTree>
+      <p:nvGrpSpPr>
+        <p:cNvPr id="1" name="">
+          <a:extLst>
+            <a:ext uri="{FF2B5EF4-FFF2-40B4-BE49-F238E27FC236}">
+              <a16:creationId xmlns:a16="http://schemas.microsoft.com/office/drawing/2014/main" id="{4B1B572E-23AD-769A-68FC-3C255871A4CD}"/>
+            </a:ext>
+          </a:extLst>
+        </p:cNvPr>
+        <p:cNvGrpSpPr/>
+        <p:nvPr/>
+      </p:nvGrpSpPr>
+      <p:grpSpPr>
+        <a:xfrm>
+          <a:off x="0" y="0"/>
+          <a:ext cx="0" cy="0"/>
+          <a:chOff x="0" y="0"/>
+          <a:chExt cx="0" cy="0"/>
+        </a:xfrm>
+      </p:grpSpPr>
+      <p:sp>
+        <p:nvSpPr>
+          <p:cNvPr id="2" name="Slide Image Placeholder 1">
+            <a:extLst>
+              <a:ext uri="{FF2B5EF4-FFF2-40B4-BE49-F238E27FC236}">
+                <a16:creationId xmlns:a16="http://schemas.microsoft.com/office/drawing/2014/main" id="{BC97CE3C-D2AE-0547-3617-48E0E8DA833C}"/>
+              </a:ext>
+            </a:extLst>
+          </p:cNvPr>
+          <p:cNvSpPr>
+            <a:spLocks noGrp="1" noRot="1" noChangeAspect="1"/>
+          </p:cNvSpPr>
+          <p:nvPr>
+            <p:ph type="sldImg"/>
+          </p:nvPr>
+        </p:nvSpPr>
+        <p:spPr/>
+      </p:sp>
+      <p:sp>
+        <p:nvSpPr>
+          <p:cNvPr id="3" name="Notes Placeholder 2">
+            <a:extLst>
+              <a:ext uri="{FF2B5EF4-FFF2-40B4-BE49-F238E27FC236}">
+                <a16:creationId xmlns:a16="http://schemas.microsoft.com/office/drawing/2014/main" id="{8E18FFC4-C303-6377-FDA6-75253BBD6AC8}"/>
+              </a:ext>
+            </a:extLst>
+          </p:cNvPr>
+          <p:cNvSpPr>
+            <a:spLocks noGrp="1"/>
+          </p:cNvSpPr>
+          <p:nvPr>
+            <p:ph type="body" idx="1"/>
+          </p:nvPr>
+        </p:nvSpPr>
+        <p:spPr/>
+        <p:txBody>
+          <a:bodyPr/>
+          <a:lstStyle/>
+          <a:p>
+            <a:endParaRPr lang="en-NL" dirty="0"/>
+          </a:p>
+        </p:txBody>
+      </p:sp>
+      <p:sp>
+        <p:nvSpPr>
+          <p:cNvPr id="4" name="Slide Number Placeholder 3">
+            <a:extLst>
+              <a:ext uri="{FF2B5EF4-FFF2-40B4-BE49-F238E27FC236}">
+                <a16:creationId xmlns:a16="http://schemas.microsoft.com/office/drawing/2014/main" id="{5FCE7FDF-C393-7FE9-C7AC-C1C651C8C3D1}"/>
+              </a:ext>
+            </a:extLst>
+          </p:cNvPr>
+          <p:cNvSpPr>
+            <a:spLocks noGrp="1"/>
+          </p:cNvSpPr>
+          <p:nvPr>
+            <p:ph type="sldNum" sz="quarter" idx="5"/>
+          </p:nvPr>
+        </p:nvSpPr>
+        <p:spPr/>
+        <p:txBody>
+          <a:bodyPr/>
+          <a:lstStyle/>
+          <a:p>
+            <a:fld id="{1C56A2E2-8D9C-BC47-B9EB-E4E94C4FF530}" type="slidenum">
+              <a:rPr lang="en-NL" smtClean="0"/>
+              <a:t>4</a:t>
+            </a:fld>
+            <a:endParaRPr lang="en-NL"/>
+          </a:p>
+        </p:txBody>
+      </p:sp>
+    </p:spTree>
+    <p:extLst>
+      <p:ext uri="{BB962C8B-B14F-4D97-AF65-F5344CB8AC3E}">
+        <p14:creationId xmlns:p14="http://schemas.microsoft.com/office/powerpoint/2010/main" val="802943615"/>
+      </p:ext>
+    </p:extLst>
+  </p:cSld>
+  <p:clrMapOvr>
+    <a:masterClrMapping/>
+  </p:clrMapOvr>
+</p:notes>
+</file>
+
+<file path=ppt/notesSlides/notesSlide5.xml><?xml version="1.0" encoding="utf-8"?>
+<p:notes xmlns:a="http://schemas.openxmlformats.org/drawingml/2006/main" xmlns:r="http://schemas.openxmlformats.org/officeDocument/2006/relationships" xmlns:p="http://schemas.openxmlformats.org/presentationml/2006/main">
+  <p:cSld>
+    <p:spTree>
+      <p:nvGrpSpPr>
+        <p:cNvPr id="1" name="">
+          <a:extLst>
+            <a:ext uri="{FF2B5EF4-FFF2-40B4-BE49-F238E27FC236}">
+              <a16:creationId xmlns:a16="http://schemas.microsoft.com/office/drawing/2014/main" id="{B53BFFA1-D019-E113-0E70-585B034C26F6}"/>
+            </a:ext>
+          </a:extLst>
+        </p:cNvPr>
+        <p:cNvGrpSpPr/>
+        <p:nvPr/>
+      </p:nvGrpSpPr>
+      <p:grpSpPr>
+        <a:xfrm>
+          <a:off x="0" y="0"/>
+          <a:ext cx="0" cy="0"/>
+          <a:chOff x="0" y="0"/>
+          <a:chExt cx="0" cy="0"/>
+        </a:xfrm>
+      </p:grpSpPr>
+      <p:sp>
+        <p:nvSpPr>
+          <p:cNvPr id="2" name="Slide Image Placeholder 1">
+            <a:extLst>
+              <a:ext uri="{FF2B5EF4-FFF2-40B4-BE49-F238E27FC236}">
+                <a16:creationId xmlns:a16="http://schemas.microsoft.com/office/drawing/2014/main" id="{29C5D353-8FA2-75F2-FB8C-A1DAB8FB3486}"/>
+              </a:ext>
+            </a:extLst>
+          </p:cNvPr>
+          <p:cNvSpPr>
+            <a:spLocks noGrp="1" noRot="1" noChangeAspect="1"/>
+          </p:cNvSpPr>
+          <p:nvPr>
+            <p:ph type="sldImg"/>
+          </p:nvPr>
+        </p:nvSpPr>
+        <p:spPr/>
+      </p:sp>
+      <p:sp>
+        <p:nvSpPr>
+          <p:cNvPr id="3" name="Notes Placeholder 2">
+            <a:extLst>
+              <a:ext uri="{FF2B5EF4-FFF2-40B4-BE49-F238E27FC236}">
+                <a16:creationId xmlns:a16="http://schemas.microsoft.com/office/drawing/2014/main" id="{768306B4-2CFA-0556-E7A7-53F04439482A}"/>
+              </a:ext>
+            </a:extLst>
+          </p:cNvPr>
+          <p:cNvSpPr>
+            <a:spLocks noGrp="1"/>
+          </p:cNvSpPr>
+          <p:nvPr>
+            <p:ph type="body" idx="1"/>
+          </p:nvPr>
+        </p:nvSpPr>
+        <p:spPr/>
+        <p:txBody>
+          <a:bodyPr/>
+          <a:lstStyle/>
+          <a:p>
+            <a:endParaRPr lang="en-NL" dirty="0"/>
+          </a:p>
+        </p:txBody>
+      </p:sp>
+      <p:sp>
+        <p:nvSpPr>
+          <p:cNvPr id="4" name="Slide Number Placeholder 3">
+            <a:extLst>
+              <a:ext uri="{FF2B5EF4-FFF2-40B4-BE49-F238E27FC236}">
+                <a16:creationId xmlns:a16="http://schemas.microsoft.com/office/drawing/2014/main" id="{7B762615-9256-C8BC-4B5D-D210DA2567EC}"/>
+              </a:ext>
+            </a:extLst>
+          </p:cNvPr>
+          <p:cNvSpPr>
+            <a:spLocks noGrp="1"/>
+          </p:cNvSpPr>
+          <p:nvPr>
+            <p:ph type="sldNum" sz="quarter" idx="5"/>
+          </p:nvPr>
+        </p:nvSpPr>
+        <p:spPr/>
+        <p:txBody>
+          <a:bodyPr/>
+          <a:lstStyle/>
+          <a:p>
+            <a:fld id="{1C56A2E2-8D9C-BC47-B9EB-E4E94C4FF530}" type="slidenum">
+              <a:rPr lang="en-NL" smtClean="0"/>
+              <a:t>5</a:t>
+            </a:fld>
+            <a:endParaRPr lang="en-NL"/>
+          </a:p>
+        </p:txBody>
+      </p:sp>
+    </p:spTree>
+    <p:extLst>
+      <p:ext uri="{BB962C8B-B14F-4D97-AF65-F5344CB8AC3E}">
+        <p14:creationId xmlns:p14="http://schemas.microsoft.com/office/powerpoint/2010/main" val="2324903865"/>
+      </p:ext>
+    </p:extLst>
+  </p:cSld>
+  <p:clrMapOvr>
+    <a:masterClrMapping/>
+  </p:clrMapOvr>
+</p:notes>
+</file>
+
+<file path=ppt/notesSlides/notesSlide6.xml><?xml version="1.0" encoding="utf-8"?>
+<p:notes xmlns:a="http://schemas.openxmlformats.org/drawingml/2006/main" xmlns:r="http://schemas.openxmlformats.org/officeDocument/2006/relationships" xmlns:p="http://schemas.openxmlformats.org/presentationml/2006/main">
+  <p:cSld>
+    <p:spTree>
+      <p:nvGrpSpPr>
+        <p:cNvPr id="1" name="">
+          <a:extLst>
+            <a:ext uri="{FF2B5EF4-FFF2-40B4-BE49-F238E27FC236}">
+              <a16:creationId xmlns:a16="http://schemas.microsoft.com/office/drawing/2014/main" id="{F2DC385B-B2FC-BB3D-419F-7FC3A72F9160}"/>
+            </a:ext>
+          </a:extLst>
+        </p:cNvPr>
+        <p:cNvGrpSpPr/>
+        <p:nvPr/>
+      </p:nvGrpSpPr>
+      <p:grpSpPr>
+        <a:xfrm>
+          <a:off x="0" y="0"/>
+          <a:ext cx="0" cy="0"/>
+          <a:chOff x="0" y="0"/>
+          <a:chExt cx="0" cy="0"/>
+        </a:xfrm>
+      </p:grpSpPr>
+      <p:sp>
+        <p:nvSpPr>
+          <p:cNvPr id="2" name="Slide Image Placeholder 1">
+            <a:extLst>
+              <a:ext uri="{FF2B5EF4-FFF2-40B4-BE49-F238E27FC236}">
+                <a16:creationId xmlns:a16="http://schemas.microsoft.com/office/drawing/2014/main" id="{459D6674-B5F8-188C-21C4-F6407B0CCA59}"/>
+              </a:ext>
+            </a:extLst>
+          </p:cNvPr>
+          <p:cNvSpPr>
+            <a:spLocks noGrp="1" noRot="1" noChangeAspect="1"/>
+          </p:cNvSpPr>
+          <p:nvPr>
+            <p:ph type="sldImg"/>
+          </p:nvPr>
+        </p:nvSpPr>
+        <p:spPr/>
+      </p:sp>
+      <p:sp>
+        <p:nvSpPr>
+          <p:cNvPr id="3" name="Notes Placeholder 2">
+            <a:extLst>
+              <a:ext uri="{FF2B5EF4-FFF2-40B4-BE49-F238E27FC236}">
+                <a16:creationId xmlns:a16="http://schemas.microsoft.com/office/drawing/2014/main" id="{AAFBC6EC-0DEB-B7A7-E63B-F96705A409D3}"/>
+              </a:ext>
+            </a:extLst>
+          </p:cNvPr>
+          <p:cNvSpPr>
+            <a:spLocks noGrp="1"/>
+          </p:cNvSpPr>
+          <p:nvPr>
+            <p:ph type="body" idx="1"/>
+          </p:nvPr>
+        </p:nvSpPr>
+        <p:spPr/>
+        <p:txBody>
+          <a:bodyPr/>
+          <a:lstStyle/>
+          <a:p>
+            <a:endParaRPr lang="en-NL" dirty="0"/>
+          </a:p>
+        </p:txBody>
+      </p:sp>
+      <p:sp>
+        <p:nvSpPr>
+          <p:cNvPr id="4" name="Slide Number Placeholder 3">
+            <a:extLst>
+              <a:ext uri="{FF2B5EF4-FFF2-40B4-BE49-F238E27FC236}">
+                <a16:creationId xmlns:a16="http://schemas.microsoft.com/office/drawing/2014/main" id="{ECBEB77C-A0E5-B9E8-80CB-7416F0335169}"/>
+              </a:ext>
+            </a:extLst>
+          </p:cNvPr>
+          <p:cNvSpPr>
+            <a:spLocks noGrp="1"/>
+          </p:cNvSpPr>
+          <p:nvPr>
+            <p:ph type="sldNum" sz="quarter" idx="5"/>
+          </p:nvPr>
+        </p:nvSpPr>
+        <p:spPr/>
+        <p:txBody>
+          <a:bodyPr/>
+          <a:lstStyle/>
+          <a:p>
+            <a:fld id="{1C56A2E2-8D9C-BC47-B9EB-E4E94C4FF530}" type="slidenum">
+              <a:rPr lang="en-NL" smtClean="0"/>
+              <a:t>6</a:t>
+            </a:fld>
+            <a:endParaRPr lang="en-NL"/>
+          </a:p>
+        </p:txBody>
+      </p:sp>
+    </p:spTree>
+    <p:extLst>
+      <p:ext uri="{BB962C8B-B14F-4D97-AF65-F5344CB8AC3E}">
+        <p14:creationId xmlns:p14="http://schemas.microsoft.com/office/powerpoint/2010/main" val="2131937602"/>
+      </p:ext>
+    </p:extLst>
+  </p:cSld>
+  <p:clrMapOvr>
+    <a:masterClrMapping/>
+  </p:clrMapOvr>
+</p:notes>
 </file>
 
 <file path=ppt/slideLayouts/slideLayout1.xml><?xml version="1.0" encoding="utf-8"?>
@@ -3330,6 +4312,1188 @@
   <p:cSld>
     <p:spTree>
       <p:nvGrpSpPr>
+        <p:cNvPr id="1" name="">
+          <a:extLst>
+            <a:ext uri="{FF2B5EF4-FFF2-40B4-BE49-F238E27FC236}">
+              <a16:creationId xmlns:a16="http://schemas.microsoft.com/office/drawing/2014/main" id="{5CAF99AE-E34B-F11F-1B08-8B9E74344757}"/>
+            </a:ext>
+          </a:extLst>
+        </p:cNvPr>
+        <p:cNvGrpSpPr/>
+        <p:nvPr/>
+      </p:nvGrpSpPr>
+      <p:grpSpPr>
+        <a:xfrm>
+          <a:off x="0" y="0"/>
+          <a:ext cx="0" cy="0"/>
+          <a:chOff x="0" y="0"/>
+          <a:chExt cx="0" cy="0"/>
+        </a:xfrm>
+      </p:grpSpPr>
+      <p:graphicFrame>
+        <p:nvGraphicFramePr>
+          <p:cNvPr id="4" name="Table 3">
+            <a:extLst>
+              <a:ext uri="{FF2B5EF4-FFF2-40B4-BE49-F238E27FC236}">
+                <a16:creationId xmlns:a16="http://schemas.microsoft.com/office/drawing/2014/main" id="{1FDD23A2-C526-C441-17EE-1CE3A29E1CF4}"/>
+              </a:ext>
+            </a:extLst>
+          </p:cNvPr>
+          <p:cNvGraphicFramePr>
+            <a:graphicFrameLocks noGrp="1"/>
+          </p:cNvGraphicFramePr>
+          <p:nvPr>
+            <p:extLst>
+              <p:ext uri="{D42A27DB-BD31-4B8C-83A1-F6EECF244321}">
+                <p14:modId xmlns:p14="http://schemas.microsoft.com/office/powerpoint/2010/main" val="566752292"/>
+              </p:ext>
+            </p:extLst>
+          </p:nvPr>
+        </p:nvGraphicFramePr>
+        <p:xfrm>
+          <a:off x="470916" y="73152"/>
+          <a:ext cx="11250168" cy="6749571"/>
+        </p:xfrm>
+        <a:graphic>
+          <a:graphicData uri="http://schemas.openxmlformats.org/drawingml/2006/table">
+            <a:tbl>
+              <a:tblPr firstRow="1" bandRow="1">
+                <a:tableStyleId>{F2DE63D5-997A-4646-A377-4702673A728D}</a:tableStyleId>
+              </a:tblPr>
+              <a:tblGrid>
+                <a:gridCol w="3750056">
+                  <a:extLst>
+                    <a:ext uri="{9D8B030D-6E8A-4147-A177-3AD203B41FA5}">
+                      <a16:colId xmlns:a16="http://schemas.microsoft.com/office/drawing/2014/main" val="3371272573"/>
+                    </a:ext>
+                  </a:extLst>
+                </a:gridCol>
+                <a:gridCol w="3750056">
+                  <a:extLst>
+                    <a:ext uri="{9D8B030D-6E8A-4147-A177-3AD203B41FA5}">
+                      <a16:colId xmlns:a16="http://schemas.microsoft.com/office/drawing/2014/main" val="1162278158"/>
+                    </a:ext>
+                  </a:extLst>
+                </a:gridCol>
+                <a:gridCol w="3750056">
+                  <a:extLst>
+                    <a:ext uri="{9D8B030D-6E8A-4147-A177-3AD203B41FA5}">
+                      <a16:colId xmlns:a16="http://schemas.microsoft.com/office/drawing/2014/main" val="3169032992"/>
+                    </a:ext>
+                  </a:extLst>
+                </a:gridCol>
+              </a:tblGrid>
+              <a:tr h="580352">
+                <a:tc>
+                  <a:txBody>
+                    <a:bodyPr/>
+                    <a:lstStyle/>
+                    <a:p>
+                      <a:pPr algn="ctr"/>
+                      <a:r>
+                        <a:rPr lang="en-GB" sz="2200" dirty="0"/>
+                        <a:t>s</a:t>
+                      </a:r>
+                      <a:r>
+                        <a:rPr lang="en-NL" sz="2200" dirty="0"/>
+                        <a:t>tatistics</a:t>
+                      </a:r>
+                      <a:endParaRPr lang="en-NL" sz="2200" dirty="0">
+                        <a:latin typeface="CMU SANS SERIF" panose="02000603000000000000" pitchFamily="2" charset="0"/>
+                        <a:ea typeface="CMU SANS SERIF" panose="02000603000000000000" pitchFamily="2" charset="0"/>
+                        <a:cs typeface="CMU SANS SERIF" panose="02000603000000000000" pitchFamily="2" charset="0"/>
+                      </a:endParaRPr>
+                    </a:p>
+                  </a:txBody>
+                  <a:tcPr marL="84376" marR="84376" marT="0" marB="0" anchor="ctr"/>
+                </a:tc>
+                <a:tc>
+                  <a:txBody>
+                    <a:bodyPr/>
+                    <a:lstStyle/>
+                    <a:p>
+                      <a:pPr algn="ctr"/>
+                      <a:r>
+                        <a:rPr lang="en-GB" sz="2200" dirty="0"/>
+                        <a:t>b</a:t>
+                      </a:r>
+                      <a:r>
+                        <a:rPr lang="en-NL" sz="2200" dirty="0"/>
+                        <a:t>oth</a:t>
+                      </a:r>
+                      <a:endParaRPr lang="en-NL" sz="2200" dirty="0">
+                        <a:latin typeface="CMU SANS SERIF" panose="02000603000000000000" pitchFamily="2" charset="0"/>
+                        <a:ea typeface="CMU SANS SERIF" panose="02000603000000000000" pitchFamily="2" charset="0"/>
+                        <a:cs typeface="CMU SANS SERIF" panose="02000603000000000000" pitchFamily="2" charset="0"/>
+                      </a:endParaRPr>
+                    </a:p>
+                  </a:txBody>
+                  <a:tcPr marL="84376" marR="84376" marT="0" marB="0" anchor="ctr"/>
+                </a:tc>
+                <a:tc>
+                  <a:txBody>
+                    <a:bodyPr/>
+                    <a:lstStyle/>
+                    <a:p>
+                      <a:pPr algn="ctr"/>
+                      <a:r>
+                        <a:rPr lang="en-NL" sz="2200" dirty="0"/>
+                        <a:t>AI / Deep Learning</a:t>
+                      </a:r>
+                      <a:endParaRPr lang="en-NL" sz="2200" dirty="0">
+                        <a:latin typeface="CMU SANS SERIF" panose="02000603000000000000" pitchFamily="2" charset="0"/>
+                        <a:ea typeface="CMU SANS SERIF" panose="02000603000000000000" pitchFamily="2" charset="0"/>
+                        <a:cs typeface="CMU SANS SERIF" panose="02000603000000000000" pitchFamily="2" charset="0"/>
+                      </a:endParaRPr>
+                    </a:p>
+                  </a:txBody>
+                  <a:tcPr marL="84376" marR="84376" marT="0" marB="0" anchor="ctr"/>
+                </a:tc>
+                <a:extLst>
+                  <a:ext uri="{0D108BD9-81ED-4DB2-BD59-A6C34878D82A}">
+                    <a16:rowId xmlns:a16="http://schemas.microsoft.com/office/drawing/2014/main" val="2420362543"/>
+                  </a:ext>
+                </a:extLst>
+              </a:tr>
+              <a:tr h="580352">
+                <a:tc>
+                  <a:txBody>
+                    <a:bodyPr/>
+                    <a:lstStyle/>
+                    <a:p>
+                      <a:pPr algn="ctr"/>
+                      <a:r>
+                        <a:rPr lang="en-NL" sz="2200" dirty="0"/>
+                        <a:t>model family: restricted</a:t>
+                      </a:r>
+                      <a:endParaRPr lang="en-NL" sz="2200" dirty="0">
+                        <a:latin typeface="CMU SANS SERIF" panose="02000603000000000000" pitchFamily="2" charset="0"/>
+                        <a:ea typeface="CMU SANS SERIF" panose="02000603000000000000" pitchFamily="2" charset="0"/>
+                        <a:cs typeface="CMU SANS SERIF" panose="02000603000000000000" pitchFamily="2" charset="0"/>
+                      </a:endParaRPr>
+                    </a:p>
+                  </a:txBody>
+                  <a:tcPr marL="84376" marR="84376" marT="0" marB="0" anchor="ctr"/>
+                </a:tc>
+                <a:tc>
+                  <a:txBody>
+                    <a:bodyPr/>
+                    <a:lstStyle/>
+                    <a:p>
+                      <a:pPr algn="ctr"/>
+                      <a:endParaRPr lang="en-NL" sz="2200" dirty="0">
+                        <a:latin typeface="CMU SANS SERIF" panose="02000603000000000000" pitchFamily="2" charset="0"/>
+                        <a:ea typeface="CMU SANS SERIF" panose="02000603000000000000" pitchFamily="2" charset="0"/>
+                        <a:cs typeface="CMU SANS SERIF" panose="02000603000000000000" pitchFamily="2" charset="0"/>
+                      </a:endParaRPr>
+                    </a:p>
+                  </a:txBody>
+                  <a:tcPr marL="84376" marR="84376" marT="0" marB="0" anchor="ctr"/>
+                </a:tc>
+                <a:tc>
+                  <a:txBody>
+                    <a:bodyPr/>
+                    <a:lstStyle/>
+                    <a:p>
+                      <a:pPr algn="ctr"/>
+                      <a:r>
+                        <a:rPr lang="en-NL" sz="2200" dirty="0"/>
+                        <a:t>model family: wide</a:t>
+                      </a:r>
+                      <a:endParaRPr lang="en-NL" sz="2200" dirty="0">
+                        <a:latin typeface="CMU SANS SERIF" panose="02000603000000000000" pitchFamily="2" charset="0"/>
+                        <a:ea typeface="CMU SANS SERIF" panose="02000603000000000000" pitchFamily="2" charset="0"/>
+                        <a:cs typeface="CMU SANS SERIF" panose="02000603000000000000" pitchFamily="2" charset="0"/>
+                      </a:endParaRPr>
+                    </a:p>
+                  </a:txBody>
+                  <a:tcPr marL="84376" marR="84376" marT="0" marB="0" anchor="ctr"/>
+                </a:tc>
+                <a:extLst>
+                  <a:ext uri="{0D108BD9-81ED-4DB2-BD59-A6C34878D82A}">
+                    <a16:rowId xmlns:a16="http://schemas.microsoft.com/office/drawing/2014/main" val="3040126660"/>
+                  </a:ext>
+                </a:extLst>
+              </a:tr>
+              <a:tr h="1001703">
+                <a:tc>
+                  <a:txBody>
+                    <a:bodyPr/>
+                    <a:lstStyle/>
+                    <a:p>
+                      <a:pPr algn="ctr"/>
+                      <a:endParaRPr lang="en-NL" sz="2200" dirty="0">
+                        <a:latin typeface="CMU SANS SERIF" panose="02000603000000000000" pitchFamily="2" charset="0"/>
+                        <a:ea typeface="CMU SANS SERIF" panose="02000603000000000000" pitchFamily="2" charset="0"/>
+                        <a:cs typeface="CMU SANS SERIF" panose="02000603000000000000" pitchFamily="2" charset="0"/>
+                      </a:endParaRPr>
+                    </a:p>
+                  </a:txBody>
+                  <a:tcPr marL="84376" marR="84376" marT="0" marB="0" anchor="ctr"/>
+                </a:tc>
+                <a:tc>
+                  <a:txBody>
+                    <a:bodyPr/>
+                    <a:lstStyle/>
+                    <a:p>
+                      <a:pPr algn="ctr"/>
+                      <a:endParaRPr lang="en-NL" sz="2200" dirty="0">
+                        <a:latin typeface="CMU SANS SERIF" panose="02000603000000000000" pitchFamily="2" charset="0"/>
+                        <a:ea typeface="CMU SANS SERIF" panose="02000603000000000000" pitchFamily="2" charset="0"/>
+                        <a:cs typeface="CMU SANS SERIF" panose="02000603000000000000" pitchFamily="2" charset="0"/>
+                      </a:endParaRPr>
+                    </a:p>
+                  </a:txBody>
+                  <a:tcPr marL="84376" marR="84376" marT="0" marB="0" anchor="ctr"/>
+                </a:tc>
+                <a:tc>
+                  <a:txBody>
+                    <a:bodyPr/>
+                    <a:lstStyle/>
+                    <a:p>
+                      <a:pPr algn="ctr"/>
+                      <a:endParaRPr lang="en-NL" sz="2200" dirty="0">
+                        <a:latin typeface="CMU SANS SERIF" panose="02000603000000000000" pitchFamily="2" charset="0"/>
+                        <a:ea typeface="CMU SANS SERIF" panose="02000603000000000000" pitchFamily="2" charset="0"/>
+                        <a:cs typeface="CMU SANS SERIF" panose="02000603000000000000" pitchFamily="2" charset="0"/>
+                      </a:endParaRPr>
+                    </a:p>
+                  </a:txBody>
+                  <a:tcPr marL="84376" marR="84376" marT="0" marB="0" anchor="ctr"/>
+                </a:tc>
+                <a:extLst>
+                  <a:ext uri="{0D108BD9-81ED-4DB2-BD59-A6C34878D82A}">
+                    <a16:rowId xmlns:a16="http://schemas.microsoft.com/office/drawing/2014/main" val="3077328846"/>
+                  </a:ext>
+                </a:extLst>
+              </a:tr>
+              <a:tr h="580352">
+                <a:tc>
+                  <a:txBody>
+                    <a:bodyPr/>
+                    <a:lstStyle/>
+                    <a:p>
+                      <a:pPr algn="ctr"/>
+                      <a:endParaRPr lang="en-NL" sz="2200" dirty="0">
+                        <a:latin typeface="CMU SANS SERIF" panose="02000603000000000000" pitchFamily="2" charset="0"/>
+                        <a:ea typeface="CMU SANS SERIF" panose="02000603000000000000" pitchFamily="2" charset="0"/>
+                        <a:cs typeface="CMU SANS SERIF" panose="02000603000000000000" pitchFamily="2" charset="0"/>
+                      </a:endParaRPr>
+                    </a:p>
+                  </a:txBody>
+                  <a:tcPr marL="84376" marR="84376" marT="0" marB="0" anchor="ctr"/>
+                </a:tc>
+                <a:tc>
+                  <a:txBody>
+                    <a:bodyPr/>
+                    <a:lstStyle/>
+                    <a:p>
+                      <a:pPr algn="ctr"/>
+                      <a:endParaRPr lang="en-NL" sz="2200" dirty="0">
+                        <a:latin typeface="CMU SANS SERIF" panose="02000603000000000000" pitchFamily="2" charset="0"/>
+                        <a:ea typeface="CMU SANS SERIF" panose="02000603000000000000" pitchFamily="2" charset="0"/>
+                        <a:cs typeface="CMU SANS SERIF" panose="02000603000000000000" pitchFamily="2" charset="0"/>
+                      </a:endParaRPr>
+                    </a:p>
+                  </a:txBody>
+                  <a:tcPr marL="84376" marR="84376" marT="0" marB="0" anchor="ctr"/>
+                </a:tc>
+                <a:tc>
+                  <a:txBody>
+                    <a:bodyPr/>
+                    <a:lstStyle/>
+                    <a:p>
+                      <a:pPr algn="ctr"/>
+                      <a:endParaRPr lang="en-NL" sz="2200" dirty="0">
+                        <a:latin typeface="CMU SANS SERIF" panose="02000603000000000000" pitchFamily="2" charset="0"/>
+                        <a:ea typeface="CMU SANS SERIF" panose="02000603000000000000" pitchFamily="2" charset="0"/>
+                        <a:cs typeface="CMU SANS SERIF" panose="02000603000000000000" pitchFamily="2" charset="0"/>
+                      </a:endParaRPr>
+                    </a:p>
+                  </a:txBody>
+                  <a:tcPr marL="84376" marR="84376" marT="0" marB="0" anchor="ctr"/>
+                </a:tc>
+                <a:extLst>
+                  <a:ext uri="{0D108BD9-81ED-4DB2-BD59-A6C34878D82A}">
+                    <a16:rowId xmlns:a16="http://schemas.microsoft.com/office/drawing/2014/main" val="3790566298"/>
+                  </a:ext>
+                </a:extLst>
+              </a:tr>
+              <a:tr h="1001703">
+                <a:tc>
+                  <a:txBody>
+                    <a:bodyPr/>
+                    <a:lstStyle/>
+                    <a:p>
+                      <a:pPr algn="ctr"/>
+                      <a:endParaRPr lang="en-NL" sz="2200" dirty="0">
+                        <a:latin typeface="CMU SANS SERIF" panose="02000603000000000000" pitchFamily="2" charset="0"/>
+                        <a:ea typeface="CMU SANS SERIF" panose="02000603000000000000" pitchFamily="2" charset="0"/>
+                        <a:cs typeface="CMU SANS SERIF" panose="02000603000000000000" pitchFamily="2" charset="0"/>
+                      </a:endParaRPr>
+                    </a:p>
+                  </a:txBody>
+                  <a:tcPr marL="84376" marR="84376" marT="0" marB="0" anchor="ctr"/>
+                </a:tc>
+                <a:tc>
+                  <a:txBody>
+                    <a:bodyPr/>
+                    <a:lstStyle/>
+                    <a:p>
+                      <a:pPr marL="0" marR="0" lvl="0" indent="0" algn="ctr" defTabSz="914400" rtl="0" eaLnBrk="1" fontAlgn="auto" latinLnBrk="0" hangingPunct="1">
+                        <a:lnSpc>
+                          <a:spcPct val="100000"/>
+                        </a:lnSpc>
+                        <a:spcBef>
+                          <a:spcPts val="0"/>
+                        </a:spcBef>
+                        <a:spcAft>
+                          <a:spcPts val="0"/>
+                        </a:spcAft>
+                        <a:buClrTx/>
+                        <a:buSzTx/>
+                        <a:buFontTx/>
+                        <a:buNone/>
+                        <a:tabLst/>
+                        <a:defRPr/>
+                      </a:pPr>
+                      <a:endParaRPr lang="en-NL" sz="2200" dirty="0">
+                        <a:latin typeface="CMU SANS SERIF" panose="02000603000000000000" pitchFamily="2" charset="0"/>
+                        <a:ea typeface="CMU SANS SERIF" panose="02000603000000000000" pitchFamily="2" charset="0"/>
+                        <a:cs typeface="CMU SANS SERIF" panose="02000603000000000000" pitchFamily="2" charset="0"/>
+                      </a:endParaRPr>
+                    </a:p>
+                  </a:txBody>
+                  <a:tcPr marL="84376" marR="84376" marT="0" marB="0" anchor="ctr"/>
+                </a:tc>
+                <a:tc>
+                  <a:txBody>
+                    <a:bodyPr/>
+                    <a:lstStyle/>
+                    <a:p>
+                      <a:pPr algn="ctr"/>
+                      <a:endParaRPr lang="en-NL" sz="2200" dirty="0">
+                        <a:latin typeface="CMU SANS SERIF" panose="02000603000000000000" pitchFamily="2" charset="0"/>
+                        <a:ea typeface="CMU SANS SERIF" panose="02000603000000000000" pitchFamily="2" charset="0"/>
+                        <a:cs typeface="CMU SANS SERIF" panose="02000603000000000000" pitchFamily="2" charset="0"/>
+                      </a:endParaRPr>
+                    </a:p>
+                  </a:txBody>
+                  <a:tcPr marL="84376" marR="84376" marT="0" marB="0" anchor="ctr"/>
+                </a:tc>
+                <a:extLst>
+                  <a:ext uri="{0D108BD9-81ED-4DB2-BD59-A6C34878D82A}">
+                    <a16:rowId xmlns:a16="http://schemas.microsoft.com/office/drawing/2014/main" val="660911098"/>
+                  </a:ext>
+                </a:extLst>
+              </a:tr>
+              <a:tr h="1001703">
+                <a:tc>
+                  <a:txBody>
+                    <a:bodyPr/>
+                    <a:lstStyle/>
+                    <a:p>
+                      <a:pPr algn="ctr"/>
+                      <a:endParaRPr lang="en-NL" sz="2200" dirty="0">
+                        <a:latin typeface="CMU SANS SERIF" panose="02000603000000000000" pitchFamily="2" charset="0"/>
+                        <a:ea typeface="CMU SANS SERIF" panose="02000603000000000000" pitchFamily="2" charset="0"/>
+                        <a:cs typeface="CMU SANS SERIF" panose="02000603000000000000" pitchFamily="2" charset="0"/>
+                      </a:endParaRPr>
+                    </a:p>
+                  </a:txBody>
+                  <a:tcPr marL="84376" marR="84376" marT="0" marB="0" anchor="ctr"/>
+                </a:tc>
+                <a:tc>
+                  <a:txBody>
+                    <a:bodyPr/>
+                    <a:lstStyle/>
+                    <a:p>
+                      <a:pPr marL="0" marR="0" lvl="0" indent="0" algn="ctr" defTabSz="914400" rtl="0" eaLnBrk="1" fontAlgn="auto" latinLnBrk="0" hangingPunct="1">
+                        <a:lnSpc>
+                          <a:spcPct val="100000"/>
+                        </a:lnSpc>
+                        <a:spcBef>
+                          <a:spcPts val="0"/>
+                        </a:spcBef>
+                        <a:spcAft>
+                          <a:spcPts val="0"/>
+                        </a:spcAft>
+                        <a:buClrTx/>
+                        <a:buSzTx/>
+                        <a:buFontTx/>
+                        <a:buNone/>
+                        <a:tabLst/>
+                        <a:defRPr/>
+                      </a:pPr>
+                      <a:endParaRPr lang="en-NL" sz="2200" dirty="0">
+                        <a:latin typeface="CMU SANS SERIF" panose="02000603000000000000" pitchFamily="2" charset="0"/>
+                        <a:ea typeface="CMU SANS SERIF" panose="02000603000000000000" pitchFamily="2" charset="0"/>
+                        <a:cs typeface="CMU SANS SERIF" panose="02000603000000000000" pitchFamily="2" charset="0"/>
+                      </a:endParaRPr>
+                    </a:p>
+                  </a:txBody>
+                  <a:tcPr marL="84376" marR="84376" marT="0" marB="0" anchor="ctr"/>
+                </a:tc>
+                <a:tc>
+                  <a:txBody>
+                    <a:bodyPr/>
+                    <a:lstStyle/>
+                    <a:p>
+                      <a:pPr algn="ctr"/>
+                      <a:endParaRPr lang="en-NL" sz="2200" dirty="0">
+                        <a:latin typeface="CMU SANS SERIF" panose="02000603000000000000" pitchFamily="2" charset="0"/>
+                        <a:ea typeface="CMU SANS SERIF" panose="02000603000000000000" pitchFamily="2" charset="0"/>
+                        <a:cs typeface="CMU SANS SERIF" panose="02000603000000000000" pitchFamily="2" charset="0"/>
+                      </a:endParaRPr>
+                    </a:p>
+                  </a:txBody>
+                  <a:tcPr marL="84376" marR="84376" marT="0" marB="0" anchor="ctr"/>
+                </a:tc>
+                <a:extLst>
+                  <a:ext uri="{0D108BD9-81ED-4DB2-BD59-A6C34878D82A}">
+                    <a16:rowId xmlns:a16="http://schemas.microsoft.com/office/drawing/2014/main" val="3939667607"/>
+                  </a:ext>
+                </a:extLst>
+              </a:tr>
+              <a:tr h="1001703">
+                <a:tc>
+                  <a:txBody>
+                    <a:bodyPr/>
+                    <a:lstStyle/>
+                    <a:p>
+                      <a:pPr algn="ctr"/>
+                      <a:endParaRPr lang="en-NL" sz="2200" dirty="0">
+                        <a:latin typeface="CMU SANS SERIF" panose="02000603000000000000" pitchFamily="2" charset="0"/>
+                        <a:ea typeface="CMU SANS SERIF" panose="02000603000000000000" pitchFamily="2" charset="0"/>
+                        <a:cs typeface="CMU SANS SERIF" panose="02000603000000000000" pitchFamily="2" charset="0"/>
+                      </a:endParaRPr>
+                    </a:p>
+                  </a:txBody>
+                  <a:tcPr marL="84376" marR="84376" marT="0" marB="0" anchor="ctr"/>
+                </a:tc>
+                <a:tc>
+                  <a:txBody>
+                    <a:bodyPr/>
+                    <a:lstStyle/>
+                    <a:p>
+                      <a:pPr marL="0" marR="0" lvl="0" indent="0" algn="ctr" defTabSz="914400" rtl="0" eaLnBrk="1" fontAlgn="auto" latinLnBrk="0" hangingPunct="1">
+                        <a:lnSpc>
+                          <a:spcPct val="100000"/>
+                        </a:lnSpc>
+                        <a:spcBef>
+                          <a:spcPts val="0"/>
+                        </a:spcBef>
+                        <a:spcAft>
+                          <a:spcPts val="0"/>
+                        </a:spcAft>
+                        <a:buClrTx/>
+                        <a:buSzTx/>
+                        <a:buFontTx/>
+                        <a:buNone/>
+                        <a:tabLst/>
+                        <a:defRPr/>
+                      </a:pPr>
+                      <a:endParaRPr lang="en-NL" sz="2200" dirty="0">
+                        <a:latin typeface="CMU SANS SERIF" panose="02000603000000000000" pitchFamily="2" charset="0"/>
+                        <a:ea typeface="CMU SANS SERIF" panose="02000603000000000000" pitchFamily="2" charset="0"/>
+                        <a:cs typeface="CMU SANS SERIF" panose="02000603000000000000" pitchFamily="2" charset="0"/>
+                      </a:endParaRPr>
+                    </a:p>
+                  </a:txBody>
+                  <a:tcPr marL="84376" marR="84376" marT="0" marB="0" anchor="ctr"/>
+                </a:tc>
+                <a:tc>
+                  <a:txBody>
+                    <a:bodyPr/>
+                    <a:lstStyle/>
+                    <a:p>
+                      <a:pPr algn="ctr"/>
+                      <a:endParaRPr lang="en-NL" sz="2200" dirty="0">
+                        <a:latin typeface="CMU SANS SERIF" panose="02000603000000000000" pitchFamily="2" charset="0"/>
+                        <a:ea typeface="CMU SANS SERIF" panose="02000603000000000000" pitchFamily="2" charset="0"/>
+                        <a:cs typeface="CMU SANS SERIF" panose="02000603000000000000" pitchFamily="2" charset="0"/>
+                      </a:endParaRPr>
+                    </a:p>
+                  </a:txBody>
+                  <a:tcPr marL="84376" marR="84376" marT="0" marB="0" anchor="ctr"/>
+                </a:tc>
+                <a:extLst>
+                  <a:ext uri="{0D108BD9-81ED-4DB2-BD59-A6C34878D82A}">
+                    <a16:rowId xmlns:a16="http://schemas.microsoft.com/office/drawing/2014/main" val="2284925830"/>
+                  </a:ext>
+                </a:extLst>
+              </a:tr>
+              <a:tr h="1001703">
+                <a:tc>
+                  <a:txBody>
+                    <a:bodyPr/>
+                    <a:lstStyle/>
+                    <a:p>
+                      <a:pPr algn="ctr"/>
+                      <a:endParaRPr lang="en-NL" sz="2200" dirty="0">
+                        <a:latin typeface="CMU SANS SERIF" panose="02000603000000000000" pitchFamily="2" charset="0"/>
+                        <a:ea typeface="CMU SANS SERIF" panose="02000603000000000000" pitchFamily="2" charset="0"/>
+                        <a:cs typeface="CMU SANS SERIF" panose="02000603000000000000" pitchFamily="2" charset="0"/>
+                      </a:endParaRPr>
+                    </a:p>
+                  </a:txBody>
+                  <a:tcPr marL="84376" marR="84376" marT="0" marB="0" anchor="ctr"/>
+                </a:tc>
+                <a:tc>
+                  <a:txBody>
+                    <a:bodyPr/>
+                    <a:lstStyle/>
+                    <a:p>
+                      <a:pPr algn="ctr"/>
+                      <a:endParaRPr lang="en-NL" sz="2200" dirty="0">
+                        <a:latin typeface="CMU SANS SERIF" panose="02000603000000000000" pitchFamily="2" charset="0"/>
+                        <a:ea typeface="CMU SANS SERIF" panose="02000603000000000000" pitchFamily="2" charset="0"/>
+                        <a:cs typeface="CMU SANS SERIF" panose="02000603000000000000" pitchFamily="2" charset="0"/>
+                      </a:endParaRPr>
+                    </a:p>
+                  </a:txBody>
+                  <a:tcPr marL="84376" marR="84376" marT="0" marB="0" anchor="ctr"/>
+                </a:tc>
+                <a:tc>
+                  <a:txBody>
+                    <a:bodyPr/>
+                    <a:lstStyle/>
+                    <a:p>
+                      <a:pPr algn="ctr"/>
+                      <a:endParaRPr lang="en-NL" sz="2200" dirty="0">
+                        <a:latin typeface="CMU SANS SERIF" panose="02000603000000000000" pitchFamily="2" charset="0"/>
+                        <a:ea typeface="CMU SANS SERIF" panose="02000603000000000000" pitchFamily="2" charset="0"/>
+                        <a:cs typeface="CMU SANS SERIF" panose="02000603000000000000" pitchFamily="2" charset="0"/>
+                      </a:endParaRPr>
+                    </a:p>
+                  </a:txBody>
+                  <a:tcPr marL="84376" marR="84376" marT="0" marB="0" anchor="ctr"/>
+                </a:tc>
+                <a:extLst>
+                  <a:ext uri="{0D108BD9-81ED-4DB2-BD59-A6C34878D82A}">
+                    <a16:rowId xmlns:a16="http://schemas.microsoft.com/office/drawing/2014/main" val="958352866"/>
+                  </a:ext>
+                </a:extLst>
+              </a:tr>
+            </a:tbl>
+          </a:graphicData>
+        </a:graphic>
+      </p:graphicFrame>
+    </p:spTree>
+    <p:extLst>
+      <p:ext uri="{BB962C8B-B14F-4D97-AF65-F5344CB8AC3E}">
+        <p14:creationId xmlns:p14="http://schemas.microsoft.com/office/powerpoint/2010/main" val="1693244424"/>
+      </p:ext>
+    </p:extLst>
+  </p:cSld>
+  <p:clrMapOvr>
+    <a:masterClrMapping/>
+  </p:clrMapOvr>
+</p:sld>
+</file>
+
+<file path=ppt/slides/slide2.xml><?xml version="1.0" encoding="utf-8"?>
+<p:sld xmlns:a="http://schemas.openxmlformats.org/drawingml/2006/main" xmlns:r="http://schemas.openxmlformats.org/officeDocument/2006/relationships" xmlns:p="http://schemas.openxmlformats.org/presentationml/2006/main">
+  <p:cSld>
+    <p:spTree>
+      <p:nvGrpSpPr>
+        <p:cNvPr id="1" name="">
+          <a:extLst>
+            <a:ext uri="{FF2B5EF4-FFF2-40B4-BE49-F238E27FC236}">
+              <a16:creationId xmlns:a16="http://schemas.microsoft.com/office/drawing/2014/main" id="{B8C75EE9-D5C7-494D-A3C3-9C73C8ED0A43}"/>
+            </a:ext>
+          </a:extLst>
+        </p:cNvPr>
+        <p:cNvGrpSpPr/>
+        <p:nvPr/>
+      </p:nvGrpSpPr>
+      <p:grpSpPr>
+        <a:xfrm>
+          <a:off x="0" y="0"/>
+          <a:ext cx="0" cy="0"/>
+          <a:chOff x="0" y="0"/>
+          <a:chExt cx="0" cy="0"/>
+        </a:xfrm>
+      </p:grpSpPr>
+      <p:graphicFrame>
+        <p:nvGraphicFramePr>
+          <p:cNvPr id="4" name="Table 3">
+            <a:extLst>
+              <a:ext uri="{FF2B5EF4-FFF2-40B4-BE49-F238E27FC236}">
+                <a16:creationId xmlns:a16="http://schemas.microsoft.com/office/drawing/2014/main" id="{9BAF3B41-4941-D02D-B6F3-8E6148130F20}"/>
+              </a:ext>
+            </a:extLst>
+          </p:cNvPr>
+          <p:cNvGraphicFramePr>
+            <a:graphicFrameLocks noGrp="1"/>
+          </p:cNvGraphicFramePr>
+          <p:nvPr>
+            <p:extLst>
+              <p:ext uri="{D42A27DB-BD31-4B8C-83A1-F6EECF244321}">
+                <p14:modId xmlns:p14="http://schemas.microsoft.com/office/powerpoint/2010/main" val="1775371649"/>
+              </p:ext>
+            </p:extLst>
+          </p:nvPr>
+        </p:nvGraphicFramePr>
+        <p:xfrm>
+          <a:off x="470916" y="73152"/>
+          <a:ext cx="11250168" cy="6749571"/>
+        </p:xfrm>
+        <a:graphic>
+          <a:graphicData uri="http://schemas.openxmlformats.org/drawingml/2006/table">
+            <a:tbl>
+              <a:tblPr firstRow="1" bandRow="1">
+                <a:tableStyleId>{F2DE63D5-997A-4646-A377-4702673A728D}</a:tableStyleId>
+              </a:tblPr>
+              <a:tblGrid>
+                <a:gridCol w="3750056">
+                  <a:extLst>
+                    <a:ext uri="{9D8B030D-6E8A-4147-A177-3AD203B41FA5}">
+                      <a16:colId xmlns:a16="http://schemas.microsoft.com/office/drawing/2014/main" val="3371272573"/>
+                    </a:ext>
+                  </a:extLst>
+                </a:gridCol>
+                <a:gridCol w="3750056">
+                  <a:extLst>
+                    <a:ext uri="{9D8B030D-6E8A-4147-A177-3AD203B41FA5}">
+                      <a16:colId xmlns:a16="http://schemas.microsoft.com/office/drawing/2014/main" val="1162278158"/>
+                    </a:ext>
+                  </a:extLst>
+                </a:gridCol>
+                <a:gridCol w="3750056">
+                  <a:extLst>
+                    <a:ext uri="{9D8B030D-6E8A-4147-A177-3AD203B41FA5}">
+                      <a16:colId xmlns:a16="http://schemas.microsoft.com/office/drawing/2014/main" val="3169032992"/>
+                    </a:ext>
+                  </a:extLst>
+                </a:gridCol>
+              </a:tblGrid>
+              <a:tr h="580352">
+                <a:tc>
+                  <a:txBody>
+                    <a:bodyPr/>
+                    <a:lstStyle/>
+                    <a:p>
+                      <a:pPr algn="ctr"/>
+                      <a:r>
+                        <a:rPr lang="en-GB" sz="2200" dirty="0"/>
+                        <a:t>s</a:t>
+                      </a:r>
+                      <a:r>
+                        <a:rPr lang="en-NL" sz="2200" dirty="0"/>
+                        <a:t>tatistics</a:t>
+                      </a:r>
+                      <a:endParaRPr lang="en-NL" sz="2200" dirty="0">
+                        <a:latin typeface="CMU SANS SERIF" panose="02000603000000000000" pitchFamily="2" charset="0"/>
+                        <a:ea typeface="CMU SANS SERIF" panose="02000603000000000000" pitchFamily="2" charset="0"/>
+                        <a:cs typeface="CMU SANS SERIF" panose="02000603000000000000" pitchFamily="2" charset="0"/>
+                      </a:endParaRPr>
+                    </a:p>
+                  </a:txBody>
+                  <a:tcPr marL="84376" marR="84376" marT="0" marB="0" anchor="ctr"/>
+                </a:tc>
+                <a:tc>
+                  <a:txBody>
+                    <a:bodyPr/>
+                    <a:lstStyle/>
+                    <a:p>
+                      <a:pPr algn="ctr"/>
+                      <a:r>
+                        <a:rPr lang="en-GB" sz="2200" dirty="0"/>
+                        <a:t>b</a:t>
+                      </a:r>
+                      <a:r>
+                        <a:rPr lang="en-NL" sz="2200" dirty="0"/>
+                        <a:t>oth</a:t>
+                      </a:r>
+                      <a:endParaRPr lang="en-NL" sz="2200" dirty="0">
+                        <a:latin typeface="CMU SANS SERIF" panose="02000603000000000000" pitchFamily="2" charset="0"/>
+                        <a:ea typeface="CMU SANS SERIF" panose="02000603000000000000" pitchFamily="2" charset="0"/>
+                        <a:cs typeface="CMU SANS SERIF" panose="02000603000000000000" pitchFamily="2" charset="0"/>
+                      </a:endParaRPr>
+                    </a:p>
+                  </a:txBody>
+                  <a:tcPr marL="84376" marR="84376" marT="0" marB="0" anchor="ctr"/>
+                </a:tc>
+                <a:tc>
+                  <a:txBody>
+                    <a:bodyPr/>
+                    <a:lstStyle/>
+                    <a:p>
+                      <a:pPr algn="ctr"/>
+                      <a:r>
+                        <a:rPr lang="en-NL" sz="2200" dirty="0"/>
+                        <a:t>AI / Deep Learning</a:t>
+                      </a:r>
+                      <a:endParaRPr lang="en-NL" sz="2200" dirty="0">
+                        <a:latin typeface="CMU SANS SERIF" panose="02000603000000000000" pitchFamily="2" charset="0"/>
+                        <a:ea typeface="CMU SANS SERIF" panose="02000603000000000000" pitchFamily="2" charset="0"/>
+                        <a:cs typeface="CMU SANS SERIF" panose="02000603000000000000" pitchFamily="2" charset="0"/>
+                      </a:endParaRPr>
+                    </a:p>
+                  </a:txBody>
+                  <a:tcPr marL="84376" marR="84376" marT="0" marB="0" anchor="ctr"/>
+                </a:tc>
+                <a:extLst>
+                  <a:ext uri="{0D108BD9-81ED-4DB2-BD59-A6C34878D82A}">
+                    <a16:rowId xmlns:a16="http://schemas.microsoft.com/office/drawing/2014/main" val="2420362543"/>
+                  </a:ext>
+                </a:extLst>
+              </a:tr>
+              <a:tr h="580352">
+                <a:tc>
+                  <a:txBody>
+                    <a:bodyPr/>
+                    <a:lstStyle/>
+                    <a:p>
+                      <a:pPr algn="ctr"/>
+                      <a:r>
+                        <a:rPr lang="en-NL" sz="2200" dirty="0"/>
+                        <a:t>model family: restricted</a:t>
+                      </a:r>
+                      <a:endParaRPr lang="en-NL" sz="2200" dirty="0">
+                        <a:latin typeface="CMU SANS SERIF" panose="02000603000000000000" pitchFamily="2" charset="0"/>
+                        <a:ea typeface="CMU SANS SERIF" panose="02000603000000000000" pitchFamily="2" charset="0"/>
+                        <a:cs typeface="CMU SANS SERIF" panose="02000603000000000000" pitchFamily="2" charset="0"/>
+                      </a:endParaRPr>
+                    </a:p>
+                  </a:txBody>
+                  <a:tcPr marL="84376" marR="84376" marT="0" marB="0" anchor="ctr"/>
+                </a:tc>
+                <a:tc>
+                  <a:txBody>
+                    <a:bodyPr/>
+                    <a:lstStyle/>
+                    <a:p>
+                      <a:pPr algn="ctr"/>
+                      <a:endParaRPr lang="en-NL" sz="2200" dirty="0">
+                        <a:latin typeface="CMU SANS SERIF" panose="02000603000000000000" pitchFamily="2" charset="0"/>
+                        <a:ea typeface="CMU SANS SERIF" panose="02000603000000000000" pitchFamily="2" charset="0"/>
+                        <a:cs typeface="CMU SANS SERIF" panose="02000603000000000000" pitchFamily="2" charset="0"/>
+                      </a:endParaRPr>
+                    </a:p>
+                  </a:txBody>
+                  <a:tcPr marL="84376" marR="84376" marT="0" marB="0" anchor="ctr"/>
+                </a:tc>
+                <a:tc>
+                  <a:txBody>
+                    <a:bodyPr/>
+                    <a:lstStyle/>
+                    <a:p>
+                      <a:pPr algn="ctr"/>
+                      <a:r>
+                        <a:rPr lang="en-NL" sz="2200" dirty="0"/>
+                        <a:t>model family: wide</a:t>
+                      </a:r>
+                      <a:endParaRPr lang="en-NL" sz="2200" dirty="0">
+                        <a:latin typeface="CMU SANS SERIF" panose="02000603000000000000" pitchFamily="2" charset="0"/>
+                        <a:ea typeface="CMU SANS SERIF" panose="02000603000000000000" pitchFamily="2" charset="0"/>
+                        <a:cs typeface="CMU SANS SERIF" panose="02000603000000000000" pitchFamily="2" charset="0"/>
+                      </a:endParaRPr>
+                    </a:p>
+                  </a:txBody>
+                  <a:tcPr marL="84376" marR="84376" marT="0" marB="0" anchor="ctr"/>
+                </a:tc>
+                <a:extLst>
+                  <a:ext uri="{0D108BD9-81ED-4DB2-BD59-A6C34878D82A}">
+                    <a16:rowId xmlns:a16="http://schemas.microsoft.com/office/drawing/2014/main" val="3040126660"/>
+                  </a:ext>
+                </a:extLst>
+              </a:tr>
+              <a:tr h="1001703">
+                <a:tc>
+                  <a:txBody>
+                    <a:bodyPr/>
+                    <a:lstStyle/>
+                    <a:p>
+                      <a:pPr algn="ctr"/>
+                      <a:r>
+                        <a:rPr lang="en-NL" sz="2200" dirty="0"/>
+                        <a:t>logistic loss: -log likelihood</a:t>
+                      </a:r>
+                      <a:endParaRPr lang="en-NL" sz="2200" dirty="0">
+                        <a:latin typeface="CMU SANS SERIF" panose="02000603000000000000" pitchFamily="2" charset="0"/>
+                        <a:ea typeface="CMU SANS SERIF" panose="02000603000000000000" pitchFamily="2" charset="0"/>
+                        <a:cs typeface="CMU SANS SERIF" panose="02000603000000000000" pitchFamily="2" charset="0"/>
+                      </a:endParaRPr>
+                    </a:p>
+                  </a:txBody>
+                  <a:tcPr marL="84376" marR="84376" marT="0" marB="0" anchor="ctr"/>
+                </a:tc>
+                <a:tc>
+                  <a:txBody>
+                    <a:bodyPr/>
+                    <a:lstStyle/>
+                    <a:p>
+                      <a:pPr algn="ctr"/>
+                      <a:r>
+                        <a:rPr lang="en-NL" sz="2200"/>
+                        <a:t>optimize model fit to data with loss function</a:t>
+                      </a:r>
+                      <a:endParaRPr lang="en-NL" sz="2200" dirty="0">
+                        <a:latin typeface="CMU SANS SERIF" panose="02000603000000000000" pitchFamily="2" charset="0"/>
+                        <a:ea typeface="CMU SANS SERIF" panose="02000603000000000000" pitchFamily="2" charset="0"/>
+                        <a:cs typeface="CMU SANS SERIF" panose="02000603000000000000" pitchFamily="2" charset="0"/>
+                      </a:endParaRPr>
+                    </a:p>
+                  </a:txBody>
+                  <a:tcPr marL="84376" marR="84376" marT="0" marB="0" anchor="ctr"/>
+                </a:tc>
+                <a:tc>
+                  <a:txBody>
+                    <a:bodyPr/>
+                    <a:lstStyle/>
+                    <a:p>
+                      <a:pPr algn="ctr"/>
+                      <a:r>
+                        <a:rPr lang="en-NL" sz="2200"/>
+                        <a:t>logistic loss: cross-entropy</a:t>
+                      </a:r>
+                      <a:endParaRPr lang="en-NL" sz="2200" dirty="0">
+                        <a:latin typeface="CMU SANS SERIF" panose="02000603000000000000" pitchFamily="2" charset="0"/>
+                        <a:ea typeface="CMU SANS SERIF" panose="02000603000000000000" pitchFamily="2" charset="0"/>
+                        <a:cs typeface="CMU SANS SERIF" panose="02000603000000000000" pitchFamily="2" charset="0"/>
+                      </a:endParaRPr>
+                    </a:p>
+                  </a:txBody>
+                  <a:tcPr marL="84376" marR="84376" marT="0" marB="0" anchor="ctr"/>
+                </a:tc>
+                <a:extLst>
+                  <a:ext uri="{0D108BD9-81ED-4DB2-BD59-A6C34878D82A}">
+                    <a16:rowId xmlns:a16="http://schemas.microsoft.com/office/drawing/2014/main" val="3077328846"/>
+                  </a:ext>
+                </a:extLst>
+              </a:tr>
+              <a:tr h="580352">
+                <a:tc>
+                  <a:txBody>
+                    <a:bodyPr/>
+                    <a:lstStyle/>
+                    <a:p>
+                      <a:pPr algn="ctr"/>
+                      <a:endParaRPr lang="en-NL" sz="2200" dirty="0">
+                        <a:latin typeface="CMU SANS SERIF" panose="02000603000000000000" pitchFamily="2" charset="0"/>
+                        <a:ea typeface="CMU SANS SERIF" panose="02000603000000000000" pitchFamily="2" charset="0"/>
+                        <a:cs typeface="CMU SANS SERIF" panose="02000603000000000000" pitchFamily="2" charset="0"/>
+                      </a:endParaRPr>
+                    </a:p>
+                  </a:txBody>
+                  <a:tcPr marL="84376" marR="84376" marT="0" marB="0" anchor="ctr"/>
+                </a:tc>
+                <a:tc>
+                  <a:txBody>
+                    <a:bodyPr/>
+                    <a:lstStyle/>
+                    <a:p>
+                      <a:pPr algn="ctr"/>
+                      <a:endParaRPr lang="en-NL" sz="2200" dirty="0">
+                        <a:latin typeface="CMU SANS SERIF" panose="02000603000000000000" pitchFamily="2" charset="0"/>
+                        <a:ea typeface="CMU SANS SERIF" panose="02000603000000000000" pitchFamily="2" charset="0"/>
+                        <a:cs typeface="CMU SANS SERIF" panose="02000603000000000000" pitchFamily="2" charset="0"/>
+                      </a:endParaRPr>
+                    </a:p>
+                  </a:txBody>
+                  <a:tcPr marL="84376" marR="84376" marT="0" marB="0" anchor="ctr"/>
+                </a:tc>
+                <a:tc>
+                  <a:txBody>
+                    <a:bodyPr/>
+                    <a:lstStyle/>
+                    <a:p>
+                      <a:pPr algn="ctr"/>
+                      <a:endParaRPr lang="en-NL" sz="2200" dirty="0">
+                        <a:latin typeface="CMU SANS SERIF" panose="02000603000000000000" pitchFamily="2" charset="0"/>
+                        <a:ea typeface="CMU SANS SERIF" panose="02000603000000000000" pitchFamily="2" charset="0"/>
+                        <a:cs typeface="CMU SANS SERIF" panose="02000603000000000000" pitchFamily="2" charset="0"/>
+                      </a:endParaRPr>
+                    </a:p>
+                  </a:txBody>
+                  <a:tcPr marL="84376" marR="84376" marT="0" marB="0" anchor="ctr"/>
+                </a:tc>
+                <a:extLst>
+                  <a:ext uri="{0D108BD9-81ED-4DB2-BD59-A6C34878D82A}">
+                    <a16:rowId xmlns:a16="http://schemas.microsoft.com/office/drawing/2014/main" val="3790566298"/>
+                  </a:ext>
+                </a:extLst>
+              </a:tr>
+              <a:tr h="1001703">
+                <a:tc>
+                  <a:txBody>
+                    <a:bodyPr/>
+                    <a:lstStyle/>
+                    <a:p>
+                      <a:pPr algn="ctr"/>
+                      <a:endParaRPr lang="en-NL" sz="2200" dirty="0">
+                        <a:latin typeface="CMU SANS SERIF" panose="02000603000000000000" pitchFamily="2" charset="0"/>
+                        <a:ea typeface="CMU SANS SERIF" panose="02000603000000000000" pitchFamily="2" charset="0"/>
+                        <a:cs typeface="CMU SANS SERIF" panose="02000603000000000000" pitchFamily="2" charset="0"/>
+                      </a:endParaRPr>
+                    </a:p>
+                  </a:txBody>
+                  <a:tcPr marL="84376" marR="84376" marT="0" marB="0" anchor="ctr"/>
+                </a:tc>
+                <a:tc>
+                  <a:txBody>
+                    <a:bodyPr/>
+                    <a:lstStyle/>
+                    <a:p>
+                      <a:pPr marL="0" marR="0" lvl="0" indent="0" algn="ctr" defTabSz="914400" rtl="0" eaLnBrk="1" fontAlgn="auto" latinLnBrk="0" hangingPunct="1">
+                        <a:lnSpc>
+                          <a:spcPct val="100000"/>
+                        </a:lnSpc>
+                        <a:spcBef>
+                          <a:spcPts val="0"/>
+                        </a:spcBef>
+                        <a:spcAft>
+                          <a:spcPts val="0"/>
+                        </a:spcAft>
+                        <a:buClrTx/>
+                        <a:buSzTx/>
+                        <a:buFontTx/>
+                        <a:buNone/>
+                        <a:tabLst/>
+                        <a:defRPr/>
+                      </a:pPr>
+                      <a:endParaRPr lang="en-NL" sz="2200" dirty="0">
+                        <a:latin typeface="CMU SANS SERIF" panose="02000603000000000000" pitchFamily="2" charset="0"/>
+                        <a:ea typeface="CMU SANS SERIF" panose="02000603000000000000" pitchFamily="2" charset="0"/>
+                        <a:cs typeface="CMU SANS SERIF" panose="02000603000000000000" pitchFamily="2" charset="0"/>
+                      </a:endParaRPr>
+                    </a:p>
+                  </a:txBody>
+                  <a:tcPr marL="84376" marR="84376" marT="0" marB="0" anchor="ctr"/>
+                </a:tc>
+                <a:tc>
+                  <a:txBody>
+                    <a:bodyPr/>
+                    <a:lstStyle/>
+                    <a:p>
+                      <a:pPr algn="ctr"/>
+                      <a:endParaRPr lang="en-NL" sz="2200" dirty="0">
+                        <a:latin typeface="CMU SANS SERIF" panose="02000603000000000000" pitchFamily="2" charset="0"/>
+                        <a:ea typeface="CMU SANS SERIF" panose="02000603000000000000" pitchFamily="2" charset="0"/>
+                        <a:cs typeface="CMU SANS SERIF" panose="02000603000000000000" pitchFamily="2" charset="0"/>
+                      </a:endParaRPr>
+                    </a:p>
+                  </a:txBody>
+                  <a:tcPr marL="84376" marR="84376" marT="0" marB="0" anchor="ctr"/>
+                </a:tc>
+                <a:extLst>
+                  <a:ext uri="{0D108BD9-81ED-4DB2-BD59-A6C34878D82A}">
+                    <a16:rowId xmlns:a16="http://schemas.microsoft.com/office/drawing/2014/main" val="660911098"/>
+                  </a:ext>
+                </a:extLst>
+              </a:tr>
+              <a:tr h="1001703">
+                <a:tc>
+                  <a:txBody>
+                    <a:bodyPr/>
+                    <a:lstStyle/>
+                    <a:p>
+                      <a:pPr algn="ctr"/>
+                      <a:endParaRPr lang="en-NL" sz="2200" dirty="0">
+                        <a:latin typeface="CMU SANS SERIF" panose="02000603000000000000" pitchFamily="2" charset="0"/>
+                        <a:ea typeface="CMU SANS SERIF" panose="02000603000000000000" pitchFamily="2" charset="0"/>
+                        <a:cs typeface="CMU SANS SERIF" panose="02000603000000000000" pitchFamily="2" charset="0"/>
+                      </a:endParaRPr>
+                    </a:p>
+                  </a:txBody>
+                  <a:tcPr marL="84376" marR="84376" marT="0" marB="0" anchor="ctr"/>
+                </a:tc>
+                <a:tc>
+                  <a:txBody>
+                    <a:bodyPr/>
+                    <a:lstStyle/>
+                    <a:p>
+                      <a:pPr marL="0" marR="0" lvl="0" indent="0" algn="ctr" defTabSz="914400" rtl="0" eaLnBrk="1" fontAlgn="auto" latinLnBrk="0" hangingPunct="1">
+                        <a:lnSpc>
+                          <a:spcPct val="100000"/>
+                        </a:lnSpc>
+                        <a:spcBef>
+                          <a:spcPts val="0"/>
+                        </a:spcBef>
+                        <a:spcAft>
+                          <a:spcPts val="0"/>
+                        </a:spcAft>
+                        <a:buClrTx/>
+                        <a:buSzTx/>
+                        <a:buFontTx/>
+                        <a:buNone/>
+                        <a:tabLst/>
+                        <a:defRPr/>
+                      </a:pPr>
+                      <a:endParaRPr lang="en-NL" sz="2200" dirty="0">
+                        <a:latin typeface="CMU SANS SERIF" panose="02000603000000000000" pitchFamily="2" charset="0"/>
+                        <a:ea typeface="CMU SANS SERIF" panose="02000603000000000000" pitchFamily="2" charset="0"/>
+                        <a:cs typeface="CMU SANS SERIF" panose="02000603000000000000" pitchFamily="2" charset="0"/>
+                      </a:endParaRPr>
+                    </a:p>
+                  </a:txBody>
+                  <a:tcPr marL="84376" marR="84376" marT="0" marB="0" anchor="ctr"/>
+                </a:tc>
+                <a:tc>
+                  <a:txBody>
+                    <a:bodyPr/>
+                    <a:lstStyle/>
+                    <a:p>
+                      <a:pPr algn="ctr"/>
+                      <a:endParaRPr lang="en-NL" sz="2200" dirty="0">
+                        <a:latin typeface="CMU SANS SERIF" panose="02000603000000000000" pitchFamily="2" charset="0"/>
+                        <a:ea typeface="CMU SANS SERIF" panose="02000603000000000000" pitchFamily="2" charset="0"/>
+                        <a:cs typeface="CMU SANS SERIF" panose="02000603000000000000" pitchFamily="2" charset="0"/>
+                      </a:endParaRPr>
+                    </a:p>
+                  </a:txBody>
+                  <a:tcPr marL="84376" marR="84376" marT="0" marB="0" anchor="ctr"/>
+                </a:tc>
+                <a:extLst>
+                  <a:ext uri="{0D108BD9-81ED-4DB2-BD59-A6C34878D82A}">
+                    <a16:rowId xmlns:a16="http://schemas.microsoft.com/office/drawing/2014/main" val="3939667607"/>
+                  </a:ext>
+                </a:extLst>
+              </a:tr>
+              <a:tr h="1001703">
+                <a:tc>
+                  <a:txBody>
+                    <a:bodyPr/>
+                    <a:lstStyle/>
+                    <a:p>
+                      <a:pPr algn="ctr"/>
+                      <a:endParaRPr lang="en-NL" sz="2200" dirty="0">
+                        <a:latin typeface="CMU SANS SERIF" panose="02000603000000000000" pitchFamily="2" charset="0"/>
+                        <a:ea typeface="CMU SANS SERIF" panose="02000603000000000000" pitchFamily="2" charset="0"/>
+                        <a:cs typeface="CMU SANS SERIF" panose="02000603000000000000" pitchFamily="2" charset="0"/>
+                      </a:endParaRPr>
+                    </a:p>
+                  </a:txBody>
+                  <a:tcPr marL="84376" marR="84376" marT="0" marB="0" anchor="ctr"/>
+                </a:tc>
+                <a:tc>
+                  <a:txBody>
+                    <a:bodyPr/>
+                    <a:lstStyle/>
+                    <a:p>
+                      <a:pPr marL="0" marR="0" lvl="0" indent="0" algn="ctr" defTabSz="914400" rtl="0" eaLnBrk="1" fontAlgn="auto" latinLnBrk="0" hangingPunct="1">
+                        <a:lnSpc>
+                          <a:spcPct val="100000"/>
+                        </a:lnSpc>
+                        <a:spcBef>
+                          <a:spcPts val="0"/>
+                        </a:spcBef>
+                        <a:spcAft>
+                          <a:spcPts val="0"/>
+                        </a:spcAft>
+                        <a:buClrTx/>
+                        <a:buSzTx/>
+                        <a:buFontTx/>
+                        <a:buNone/>
+                        <a:tabLst/>
+                        <a:defRPr/>
+                      </a:pPr>
+                      <a:endParaRPr lang="en-NL" sz="2200" dirty="0">
+                        <a:latin typeface="CMU SANS SERIF" panose="02000603000000000000" pitchFamily="2" charset="0"/>
+                        <a:ea typeface="CMU SANS SERIF" panose="02000603000000000000" pitchFamily="2" charset="0"/>
+                        <a:cs typeface="CMU SANS SERIF" panose="02000603000000000000" pitchFamily="2" charset="0"/>
+                      </a:endParaRPr>
+                    </a:p>
+                  </a:txBody>
+                  <a:tcPr marL="84376" marR="84376" marT="0" marB="0" anchor="ctr"/>
+                </a:tc>
+                <a:tc>
+                  <a:txBody>
+                    <a:bodyPr/>
+                    <a:lstStyle/>
+                    <a:p>
+                      <a:pPr algn="ctr"/>
+                      <a:endParaRPr lang="en-NL" sz="2200" dirty="0">
+                        <a:latin typeface="CMU SANS SERIF" panose="02000603000000000000" pitchFamily="2" charset="0"/>
+                        <a:ea typeface="CMU SANS SERIF" panose="02000603000000000000" pitchFamily="2" charset="0"/>
+                        <a:cs typeface="CMU SANS SERIF" panose="02000603000000000000" pitchFamily="2" charset="0"/>
+                      </a:endParaRPr>
+                    </a:p>
+                  </a:txBody>
+                  <a:tcPr marL="84376" marR="84376" marT="0" marB="0" anchor="ctr"/>
+                </a:tc>
+                <a:extLst>
+                  <a:ext uri="{0D108BD9-81ED-4DB2-BD59-A6C34878D82A}">
+                    <a16:rowId xmlns:a16="http://schemas.microsoft.com/office/drawing/2014/main" val="2284925830"/>
+                  </a:ext>
+                </a:extLst>
+              </a:tr>
+              <a:tr h="1001703">
+                <a:tc>
+                  <a:txBody>
+                    <a:bodyPr/>
+                    <a:lstStyle/>
+                    <a:p>
+                      <a:pPr algn="ctr"/>
+                      <a:endParaRPr lang="en-NL" sz="2200" dirty="0">
+                        <a:latin typeface="CMU SANS SERIF" panose="02000603000000000000" pitchFamily="2" charset="0"/>
+                        <a:ea typeface="CMU SANS SERIF" panose="02000603000000000000" pitchFamily="2" charset="0"/>
+                        <a:cs typeface="CMU SANS SERIF" panose="02000603000000000000" pitchFamily="2" charset="0"/>
+                      </a:endParaRPr>
+                    </a:p>
+                  </a:txBody>
+                  <a:tcPr marL="84376" marR="84376" marT="0" marB="0" anchor="ctr"/>
+                </a:tc>
+                <a:tc>
+                  <a:txBody>
+                    <a:bodyPr/>
+                    <a:lstStyle/>
+                    <a:p>
+                      <a:pPr algn="ctr"/>
+                      <a:endParaRPr lang="en-NL" sz="2200" dirty="0">
+                        <a:latin typeface="CMU SANS SERIF" panose="02000603000000000000" pitchFamily="2" charset="0"/>
+                        <a:ea typeface="CMU SANS SERIF" panose="02000603000000000000" pitchFamily="2" charset="0"/>
+                        <a:cs typeface="CMU SANS SERIF" panose="02000603000000000000" pitchFamily="2" charset="0"/>
+                      </a:endParaRPr>
+                    </a:p>
+                  </a:txBody>
+                  <a:tcPr marL="84376" marR="84376" marT="0" marB="0" anchor="ctr"/>
+                </a:tc>
+                <a:tc>
+                  <a:txBody>
+                    <a:bodyPr/>
+                    <a:lstStyle/>
+                    <a:p>
+                      <a:pPr algn="ctr"/>
+                      <a:endParaRPr lang="en-NL" sz="2200" dirty="0">
+                        <a:latin typeface="CMU SANS SERIF" panose="02000603000000000000" pitchFamily="2" charset="0"/>
+                        <a:ea typeface="CMU SANS SERIF" panose="02000603000000000000" pitchFamily="2" charset="0"/>
+                        <a:cs typeface="CMU SANS SERIF" panose="02000603000000000000" pitchFamily="2" charset="0"/>
+                      </a:endParaRPr>
+                    </a:p>
+                  </a:txBody>
+                  <a:tcPr marL="84376" marR="84376" marT="0" marB="0" anchor="ctr"/>
+                </a:tc>
+                <a:extLst>
+                  <a:ext uri="{0D108BD9-81ED-4DB2-BD59-A6C34878D82A}">
+                    <a16:rowId xmlns:a16="http://schemas.microsoft.com/office/drawing/2014/main" val="958352866"/>
+                  </a:ext>
+                </a:extLst>
+              </a:tr>
+            </a:tbl>
+          </a:graphicData>
+        </a:graphic>
+      </p:graphicFrame>
+    </p:spTree>
+    <p:extLst>
+      <p:ext uri="{BB962C8B-B14F-4D97-AF65-F5344CB8AC3E}">
+        <p14:creationId xmlns:p14="http://schemas.microsoft.com/office/powerpoint/2010/main" val="3362159219"/>
+      </p:ext>
+    </p:extLst>
+  </p:cSld>
+  <p:clrMapOvr>
+    <a:masterClrMapping/>
+  </p:clrMapOvr>
+</p:sld>
+</file>
+
+<file path=ppt/slides/slide3.xml><?xml version="1.0" encoding="utf-8"?>
+<p:sld xmlns:a="http://schemas.openxmlformats.org/drawingml/2006/main" xmlns:r="http://schemas.openxmlformats.org/officeDocument/2006/relationships" xmlns:p="http://schemas.openxmlformats.org/presentationml/2006/main">
+  <p:cSld>
+    <p:spTree>
+      <p:nvGrpSpPr>
         <p:cNvPr id="1" name=""/>
         <p:cNvGrpSpPr/>
         <p:nvPr/>
@@ -3357,37 +5521,37 @@
           <p:nvPr>
             <p:extLst>
               <p:ext uri="{D42A27DB-BD31-4B8C-83A1-F6EECF244321}">
-                <p14:modId xmlns:p14="http://schemas.microsoft.com/office/powerpoint/2010/main" val="2141170281"/>
+                <p14:modId xmlns:p14="http://schemas.microsoft.com/office/powerpoint/2010/main" val="2578676794"/>
               </p:ext>
             </p:extLst>
           </p:nvPr>
         </p:nvGraphicFramePr>
         <p:xfrm>
-          <a:off x="2032000" y="719666"/>
-          <a:ext cx="8127999" cy="3032760"/>
+          <a:off x="470916" y="73152"/>
+          <a:ext cx="11250168" cy="6749571"/>
         </p:xfrm>
         <a:graphic>
           <a:graphicData uri="http://schemas.openxmlformats.org/drawingml/2006/table">
             <a:tbl>
               <a:tblPr firstRow="1" bandRow="1">
-                <a:tableStyleId>{5940675A-B579-460E-94D1-54222C63F5DA}</a:tableStyleId>
+                <a:tableStyleId>{F2DE63D5-997A-4646-A377-4702673A728D}</a:tableStyleId>
               </a:tblPr>
               <a:tblGrid>
-                <a:gridCol w="2709333">
+                <a:gridCol w="3750056">
                   <a:extLst>
                     <a:ext uri="{9D8B030D-6E8A-4147-A177-3AD203B41FA5}">
                       <a16:colId xmlns:a16="http://schemas.microsoft.com/office/drawing/2014/main" val="3371272573"/>
                     </a:ext>
                   </a:extLst>
                 </a:gridCol>
-                <a:gridCol w="2709333">
+                <a:gridCol w="3750056">
                   <a:extLst>
                     <a:ext uri="{9D8B030D-6E8A-4147-A177-3AD203B41FA5}">
                       <a16:colId xmlns:a16="http://schemas.microsoft.com/office/drawing/2014/main" val="1162278158"/>
                     </a:ext>
                   </a:extLst>
                 </a:gridCol>
-                <a:gridCol w="2709333">
+                <a:gridCol w="3750056">
                   <a:extLst>
                     <a:ext uri="{9D8B030D-6E8A-4147-A177-3AD203B41FA5}">
                       <a16:colId xmlns:a16="http://schemas.microsoft.com/office/drawing/2014/main" val="3169032992"/>
@@ -3395,7 +5559,7 @@
                   </a:extLst>
                 </a:gridCol>
               </a:tblGrid>
-              <a:tr h="370840">
+              <a:tr h="580352">
                 <a:tc>
                   <a:txBody>
                     <a:bodyPr/>
@@ -3403,24 +5567,21 @@
                     <a:p>
                       <a:pPr algn="ctr"/>
                       <a:r>
-                        <a:rPr lang="en-GB" dirty="0">
-                          <a:latin typeface="CMU SANS SERIF" panose="02000603000000000000" pitchFamily="2" charset="0"/>
-                          <a:ea typeface="CMU SANS SERIF" panose="02000603000000000000" pitchFamily="2" charset="0"/>
-                          <a:cs typeface="CMU SANS SERIF" panose="02000603000000000000" pitchFamily="2" charset="0"/>
-                        </a:rPr>
+                        <a:rPr lang="en-GB" sz="2200" dirty="0"/>
                         <a:t>s</a:t>
                       </a:r>
                       <a:r>
-                        <a:rPr lang="en-NL" dirty="0">
-                          <a:latin typeface="CMU SANS SERIF" panose="02000603000000000000" pitchFamily="2" charset="0"/>
-                          <a:ea typeface="CMU SANS SERIF" panose="02000603000000000000" pitchFamily="2" charset="0"/>
-                          <a:cs typeface="CMU SANS SERIF" panose="02000603000000000000" pitchFamily="2" charset="0"/>
-                        </a:rPr>
+                        <a:rPr lang="en-NL" sz="2200" dirty="0"/>
                         <a:t>tatistics</a:t>
                       </a:r>
-                    </a:p>
-                  </a:txBody>
-                  <a:tcPr/>
+                      <a:endParaRPr lang="en-NL" sz="2200" dirty="0">
+                        <a:latin typeface="CMU SANS SERIF" panose="02000603000000000000" pitchFamily="2" charset="0"/>
+                        <a:ea typeface="CMU SANS SERIF" panose="02000603000000000000" pitchFamily="2" charset="0"/>
+                        <a:cs typeface="CMU SANS SERIF" panose="02000603000000000000" pitchFamily="2" charset="0"/>
+                      </a:endParaRPr>
+                    </a:p>
+                  </a:txBody>
+                  <a:tcPr marL="84376" marR="84376" marT="0" marB="0" anchor="ctr"/>
                 </a:tc>
                 <a:tc>
                   <a:txBody>
@@ -3429,24 +5590,21 @@
                     <a:p>
                       <a:pPr algn="ctr"/>
                       <a:r>
-                        <a:rPr lang="en-GB" dirty="0">
-                          <a:latin typeface="CMU SANS SERIF" panose="02000603000000000000" pitchFamily="2" charset="0"/>
-                          <a:ea typeface="CMU SANS SERIF" panose="02000603000000000000" pitchFamily="2" charset="0"/>
-                          <a:cs typeface="CMU SANS SERIF" panose="02000603000000000000" pitchFamily="2" charset="0"/>
-                        </a:rPr>
+                        <a:rPr lang="en-GB" sz="2200" dirty="0"/>
                         <a:t>b</a:t>
                       </a:r>
                       <a:r>
-                        <a:rPr lang="en-NL" dirty="0">
-                          <a:latin typeface="CMU SANS SERIF" panose="02000603000000000000" pitchFamily="2" charset="0"/>
-                          <a:ea typeface="CMU SANS SERIF" panose="02000603000000000000" pitchFamily="2" charset="0"/>
-                          <a:cs typeface="CMU SANS SERIF" panose="02000603000000000000" pitchFamily="2" charset="0"/>
-                        </a:rPr>
+                        <a:rPr lang="en-NL" sz="2200" dirty="0"/>
                         <a:t>oth</a:t>
                       </a:r>
-                    </a:p>
-                  </a:txBody>
-                  <a:tcPr/>
+                      <a:endParaRPr lang="en-NL" sz="2200" dirty="0">
+                        <a:latin typeface="CMU SANS SERIF" panose="02000603000000000000" pitchFamily="2" charset="0"/>
+                        <a:ea typeface="CMU SANS SERIF" panose="02000603000000000000" pitchFamily="2" charset="0"/>
+                        <a:cs typeface="CMU SANS SERIF" panose="02000603000000000000" pitchFamily="2" charset="0"/>
+                      </a:endParaRPr>
+                    </a:p>
+                  </a:txBody>
+                  <a:tcPr marL="84376" marR="84376" marT="0" marB="0" anchor="ctr"/>
                 </a:tc>
                 <a:tc>
                   <a:txBody>
@@ -3455,16 +5613,17 @@
                     <a:p>
                       <a:pPr algn="ctr"/>
                       <a:r>
-                        <a:rPr lang="en-NL" dirty="0">
-                          <a:latin typeface="CMU SANS SERIF" panose="02000603000000000000" pitchFamily="2" charset="0"/>
-                          <a:ea typeface="CMU SANS SERIF" panose="02000603000000000000" pitchFamily="2" charset="0"/>
-                          <a:cs typeface="CMU SANS SERIF" panose="02000603000000000000" pitchFamily="2" charset="0"/>
-                        </a:rPr>
-                        <a:t>AI</a:t>
+                        <a:rPr lang="en-NL" sz="2200" dirty="0"/>
+                        <a:t>AI / Deep Learning</a:t>
                       </a:r>
-                    </a:p>
-                  </a:txBody>
-                  <a:tcPr/>
+                      <a:endParaRPr lang="en-NL" sz="2200" dirty="0">
+                        <a:latin typeface="CMU SANS SERIF" panose="02000603000000000000" pitchFamily="2" charset="0"/>
+                        <a:ea typeface="CMU SANS SERIF" panose="02000603000000000000" pitchFamily="2" charset="0"/>
+                        <a:cs typeface="CMU SANS SERIF" panose="02000603000000000000" pitchFamily="2" charset="0"/>
+                      </a:endParaRPr>
+                    </a:p>
+                  </a:txBody>
+                  <a:tcPr marL="84376" marR="84376" marT="0" marB="0" anchor="ctr"/>
                 </a:tc>
                 <a:extLst>
                   <a:ext uri="{0D108BD9-81ED-4DB2-BD59-A6C34878D82A}">
@@ -3472,22 +5631,7 @@
                   </a:ext>
                 </a:extLst>
               </a:tr>
-              <a:tr h="370840">
-                <a:tc>
-                  <a:txBody>
-                    <a:bodyPr/>
-                    <a:lstStyle/>
-                    <a:p>
-                      <a:pPr algn="ctr"/>
-                      <a:endParaRPr lang="en-NL" dirty="0">
-                        <a:latin typeface="CMU SANS SERIF" panose="02000603000000000000" pitchFamily="2" charset="0"/>
-                        <a:ea typeface="CMU SANS SERIF" panose="02000603000000000000" pitchFamily="2" charset="0"/>
-                        <a:cs typeface="CMU SANS SERIF" panose="02000603000000000000" pitchFamily="2" charset="0"/>
-                      </a:endParaRPr>
-                    </a:p>
-                  </a:txBody>
-                  <a:tcPr/>
-                </a:tc>
+              <a:tr h="580352">
                 <a:tc>
                   <a:txBody>
                     <a:bodyPr/>
@@ -3495,39 +5639,59 @@
                     <a:p>
                       <a:pPr algn="ctr"/>
                       <a:r>
-                        <a:rPr lang="en-NL" dirty="0">
-                          <a:latin typeface="CMU SANS SERIF" panose="02000603000000000000" pitchFamily="2" charset="0"/>
-                          <a:ea typeface="CMU SANS SERIF" panose="02000603000000000000" pitchFamily="2" charset="0"/>
-                          <a:cs typeface="CMU SANS SERIF" panose="02000603000000000000" pitchFamily="2" charset="0"/>
-                        </a:rPr>
-                        <a:t>optimize model fit to data with loss function</a:t>
+                        <a:rPr lang="en-NL" sz="2200" dirty="0"/>
+                        <a:t>model family: restricted</a:t>
                       </a:r>
-                    </a:p>
-                  </a:txBody>
-                  <a:tcPr/>
-                </a:tc>
-                <a:tc>
-                  <a:txBody>
-                    <a:bodyPr/>
-                    <a:lstStyle/>
-                    <a:p>
-                      <a:pPr algn="ctr"/>
-                      <a:endParaRPr lang="en-NL" dirty="0">
-                        <a:latin typeface="CMU SANS SERIF" panose="02000603000000000000" pitchFamily="2" charset="0"/>
-                        <a:ea typeface="CMU SANS SERIF" panose="02000603000000000000" pitchFamily="2" charset="0"/>
-                        <a:cs typeface="CMU SANS SERIF" panose="02000603000000000000" pitchFamily="2" charset="0"/>
-                      </a:endParaRPr>
-                    </a:p>
-                  </a:txBody>
-                  <a:tcPr/>
+                      <a:endParaRPr lang="en-NL" sz="2200" dirty="0">
+                        <a:latin typeface="CMU SANS SERIF" panose="02000603000000000000" pitchFamily="2" charset="0"/>
+                        <a:ea typeface="CMU SANS SERIF" panose="02000603000000000000" pitchFamily="2" charset="0"/>
+                        <a:cs typeface="CMU SANS SERIF" panose="02000603000000000000" pitchFamily="2" charset="0"/>
+                      </a:endParaRPr>
+                    </a:p>
+                  </a:txBody>
+                  <a:tcPr marL="84376" marR="84376" marT="0" marB="0" anchor="ctr"/>
+                </a:tc>
+                <a:tc>
+                  <a:txBody>
+                    <a:bodyPr/>
+                    <a:lstStyle/>
+                    <a:p>
+                      <a:pPr algn="ctr"/>
+                      <a:endParaRPr lang="en-NL" sz="2200" dirty="0">
+                        <a:latin typeface="CMU SANS SERIF" panose="02000603000000000000" pitchFamily="2" charset="0"/>
+                        <a:ea typeface="CMU SANS SERIF" panose="02000603000000000000" pitchFamily="2" charset="0"/>
+                        <a:cs typeface="CMU SANS SERIF" panose="02000603000000000000" pitchFamily="2" charset="0"/>
+                      </a:endParaRPr>
+                    </a:p>
+                  </a:txBody>
+                  <a:tcPr marL="84376" marR="84376" marT="0" marB="0" anchor="ctr"/>
+                </a:tc>
+                <a:tc>
+                  <a:txBody>
+                    <a:bodyPr/>
+                    <a:lstStyle/>
+                    <a:p>
+                      <a:pPr algn="ctr"/>
+                      <a:r>
+                        <a:rPr lang="en-NL" sz="2200" dirty="0"/>
+                        <a:t>model family: wide</a:t>
+                      </a:r>
+                      <a:endParaRPr lang="en-NL" sz="2200" dirty="0">
+                        <a:latin typeface="CMU SANS SERIF" panose="02000603000000000000" pitchFamily="2" charset="0"/>
+                        <a:ea typeface="CMU SANS SERIF" panose="02000603000000000000" pitchFamily="2" charset="0"/>
+                        <a:cs typeface="CMU SANS SERIF" panose="02000603000000000000" pitchFamily="2" charset="0"/>
+                      </a:endParaRPr>
+                    </a:p>
+                  </a:txBody>
+                  <a:tcPr marL="84376" marR="84376" marT="0" marB="0" anchor="ctr"/>
                 </a:tc>
                 <a:extLst>
                   <a:ext uri="{0D108BD9-81ED-4DB2-BD59-A6C34878D82A}">
-                    <a16:rowId xmlns:a16="http://schemas.microsoft.com/office/drawing/2014/main" val="1234913654"/>
+                    <a16:rowId xmlns:a16="http://schemas.microsoft.com/office/drawing/2014/main" val="3040126660"/>
                   </a:ext>
                 </a:extLst>
               </a:tr>
-              <a:tr h="370840">
+              <a:tr h="1001703">
                 <a:tc>
                   <a:txBody>
                     <a:bodyPr/>
@@ -3535,39 +5699,100 @@
                     <a:p>
                       <a:pPr algn="ctr"/>
                       <a:r>
-                        <a:rPr lang="en-GB" dirty="0">
-                          <a:latin typeface="CMU SANS SERIF" panose="02000603000000000000" pitchFamily="2" charset="0"/>
-                          <a:ea typeface="CMU SANS SERIF" panose="02000603000000000000" pitchFamily="2" charset="0"/>
-                          <a:cs typeface="CMU SANS SERIF" panose="02000603000000000000" pitchFamily="2" charset="0"/>
-                        </a:rPr>
+                        <a:rPr lang="en-NL" sz="2200" dirty="0"/>
+                        <a:t>logistic loss: -log likelihood</a:t>
+                      </a:r>
+                      <a:endParaRPr lang="en-NL" sz="2200" dirty="0">
+                        <a:latin typeface="CMU SANS SERIF" panose="02000603000000000000" pitchFamily="2" charset="0"/>
+                        <a:ea typeface="CMU SANS SERIF" panose="02000603000000000000" pitchFamily="2" charset="0"/>
+                        <a:cs typeface="CMU SANS SERIF" panose="02000603000000000000" pitchFamily="2" charset="0"/>
+                      </a:endParaRPr>
+                    </a:p>
+                  </a:txBody>
+                  <a:tcPr marL="84376" marR="84376" marT="0" marB="0" anchor="ctr"/>
+                </a:tc>
+                <a:tc>
+                  <a:txBody>
+                    <a:bodyPr/>
+                    <a:lstStyle/>
+                    <a:p>
+                      <a:pPr algn="ctr"/>
+                      <a:r>
+                        <a:rPr lang="en-NL" sz="2200"/>
+                        <a:t>optimize model fit to data with loss function</a:t>
+                      </a:r>
+                      <a:endParaRPr lang="en-NL" sz="2200" dirty="0">
+                        <a:latin typeface="CMU SANS SERIF" panose="02000603000000000000" pitchFamily="2" charset="0"/>
+                        <a:ea typeface="CMU SANS SERIF" panose="02000603000000000000" pitchFamily="2" charset="0"/>
+                        <a:cs typeface="CMU SANS SERIF" panose="02000603000000000000" pitchFamily="2" charset="0"/>
+                      </a:endParaRPr>
+                    </a:p>
+                  </a:txBody>
+                  <a:tcPr marL="84376" marR="84376" marT="0" marB="0" anchor="ctr"/>
+                </a:tc>
+                <a:tc>
+                  <a:txBody>
+                    <a:bodyPr/>
+                    <a:lstStyle/>
+                    <a:p>
+                      <a:pPr algn="ctr"/>
+                      <a:r>
+                        <a:rPr lang="en-NL" sz="2200"/>
+                        <a:t>logistic loss: cross-entropy</a:t>
+                      </a:r>
+                      <a:endParaRPr lang="en-NL" sz="2200" dirty="0">
+                        <a:latin typeface="CMU SANS SERIF" panose="02000603000000000000" pitchFamily="2" charset="0"/>
+                        <a:ea typeface="CMU SANS SERIF" panose="02000603000000000000" pitchFamily="2" charset="0"/>
+                        <a:cs typeface="CMU SANS SERIF" panose="02000603000000000000" pitchFamily="2" charset="0"/>
+                      </a:endParaRPr>
+                    </a:p>
+                  </a:txBody>
+                  <a:tcPr marL="84376" marR="84376" marT="0" marB="0" anchor="ctr"/>
+                </a:tc>
+                <a:extLst>
+                  <a:ext uri="{0D108BD9-81ED-4DB2-BD59-A6C34878D82A}">
+                    <a16:rowId xmlns:a16="http://schemas.microsoft.com/office/drawing/2014/main" val="3077328846"/>
+                  </a:ext>
+                </a:extLst>
+              </a:tr>
+              <a:tr h="580352">
+                <a:tc>
+                  <a:txBody>
+                    <a:bodyPr/>
+                    <a:lstStyle/>
+                    <a:p>
+                      <a:pPr algn="ctr"/>
+                      <a:r>
+                        <a:rPr lang="en-GB" sz="2200"/>
                         <a:t>parameter</a:t>
                       </a:r>
                       <a:r>
-                        <a:rPr lang="en-NL" dirty="0">
-                          <a:latin typeface="CMU SANS SERIF" panose="02000603000000000000" pitchFamily="2" charset="0"/>
-                          <a:ea typeface="CMU SANS SERIF" panose="02000603000000000000" pitchFamily="2" charset="0"/>
-                          <a:cs typeface="CMU SANS SERIF" panose="02000603000000000000" pitchFamily="2" charset="0"/>
-                        </a:rPr>
+                        <a:rPr lang="en-NL" sz="2200"/>
                         <a:t> = coefficient</a:t>
                       </a:r>
-                    </a:p>
-                  </a:txBody>
-                  <a:tcPr/>
-                </a:tc>
-                <a:tc>
-                  <a:txBody>
-                    <a:bodyPr/>
-                    <a:lstStyle/>
-                    <a:p>
-                      <a:pPr algn="ctr"/>
-                      <a:endParaRPr lang="en-NL" dirty="0">
-                        <a:latin typeface="CMU SANS SERIF" panose="02000603000000000000" pitchFamily="2" charset="0"/>
-                        <a:ea typeface="CMU SANS SERIF" panose="02000603000000000000" pitchFamily="2" charset="0"/>
-                        <a:cs typeface="CMU SANS SERIF" panose="02000603000000000000" pitchFamily="2" charset="0"/>
-                      </a:endParaRPr>
-                    </a:p>
-                  </a:txBody>
-                  <a:tcPr/>
+                      <a:endParaRPr lang="en-NL" sz="2200" dirty="0">
+                        <a:latin typeface="CMU SANS SERIF" panose="02000603000000000000" pitchFamily="2" charset="0"/>
+                        <a:ea typeface="CMU SANS SERIF" panose="02000603000000000000" pitchFamily="2" charset="0"/>
+                        <a:cs typeface="CMU SANS SERIF" panose="02000603000000000000" pitchFamily="2" charset="0"/>
+                      </a:endParaRPr>
+                    </a:p>
+                  </a:txBody>
+                  <a:tcPr marL="84376" marR="84376" marT="0" marB="0" anchor="ctr"/>
+                </a:tc>
+                <a:tc>
+                  <a:txBody>
+                    <a:bodyPr/>
+                    <a:lstStyle/>
+                    <a:p>
+                      <a:pPr algn="ctr"/>
+                      <a:endParaRPr lang="en-NL" sz="2200" dirty="0">
+                        <a:latin typeface="CMU SANS SERIF" panose="02000603000000000000" pitchFamily="2" charset="0"/>
+                        <a:ea typeface="CMU SANS SERIF" panose="02000603000000000000" pitchFamily="2" charset="0"/>
+                        <a:cs typeface="CMU SANS SERIF" panose="02000603000000000000" pitchFamily="2" charset="0"/>
+                      </a:endParaRPr>
+                    </a:p>
+                  </a:txBody>
+                  <a:tcPr marL="84376" marR="84376" marT="0" marB="0" anchor="ctr"/>
                 </a:tc>
                 <a:tc>
                   <a:txBody>
@@ -3576,16 +5801,17 @@
                     <a:p>
                       <a:pPr algn="ctr"/>
                       <a:r>
-                        <a:rPr lang="en-NL" dirty="0">
-                          <a:latin typeface="CMU SANS SERIF" panose="02000603000000000000" pitchFamily="2" charset="0"/>
-                          <a:ea typeface="CMU SANS SERIF" panose="02000603000000000000" pitchFamily="2" charset="0"/>
-                          <a:cs typeface="CMU SANS SERIF" panose="02000603000000000000" pitchFamily="2" charset="0"/>
-                        </a:rPr>
+                        <a:rPr lang="en-NL" sz="2200" dirty="0"/>
                         <a:t>parameter = weight</a:t>
                       </a:r>
-                    </a:p>
-                  </a:txBody>
-                  <a:tcPr/>
+                      <a:endParaRPr lang="en-NL" sz="2200" dirty="0">
+                        <a:latin typeface="CMU SANS SERIF" panose="02000603000000000000" pitchFamily="2" charset="0"/>
+                        <a:ea typeface="CMU SANS SERIF" panose="02000603000000000000" pitchFamily="2" charset="0"/>
+                        <a:cs typeface="CMU SANS SERIF" panose="02000603000000000000" pitchFamily="2" charset="0"/>
+                      </a:endParaRPr>
+                    </a:p>
+                  </a:txBody>
+                  <a:tcPr marL="84376" marR="84376" marT="0" marB="0" anchor="ctr"/>
                 </a:tc>
                 <a:extLst>
                   <a:ext uri="{0D108BD9-81ED-4DB2-BD59-A6C34878D82A}">
@@ -3593,57 +5819,203 @@
                   </a:ext>
                 </a:extLst>
               </a:tr>
-              <a:tr h="370840">
-                <a:tc>
-                  <a:txBody>
-                    <a:bodyPr/>
-                    <a:lstStyle/>
-                    <a:p>
-                      <a:pPr algn="ctr"/>
-                      <a:r>
-                        <a:rPr lang="en-NL" dirty="0">
-                          <a:latin typeface="CMU SANS SERIF" panose="02000603000000000000" pitchFamily="2" charset="0"/>
-                          <a:ea typeface="CMU SANS SERIF" panose="02000603000000000000" pitchFamily="2" charset="0"/>
-                          <a:cs typeface="CMU SANS SERIF" panose="02000603000000000000" pitchFamily="2" charset="0"/>
-                        </a:rPr>
-                        <a:t>model statistical dependencies</a:t>
-                      </a:r>
-                    </a:p>
-                  </a:txBody>
-                  <a:tcPr/>
-                </a:tc>
-                <a:tc>
-                  <a:txBody>
-                    <a:bodyPr/>
-                    <a:lstStyle/>
-                    <a:p>
-                      <a:pPr algn="ctr"/>
-                      <a:endParaRPr lang="en-NL" dirty="0">
-                        <a:latin typeface="CMU SANS SERIF" panose="02000603000000000000" pitchFamily="2" charset="0"/>
-                        <a:ea typeface="CMU SANS SERIF" panose="02000603000000000000" pitchFamily="2" charset="0"/>
-                        <a:cs typeface="CMU SANS SERIF" panose="02000603000000000000" pitchFamily="2" charset="0"/>
-                      </a:endParaRPr>
-                    </a:p>
-                  </a:txBody>
-                  <a:tcPr/>
-                </a:tc>
-                <a:tc>
-                  <a:txBody>
-                    <a:bodyPr/>
-                    <a:lstStyle/>
-                    <a:p>
-                      <a:pPr algn="ctr"/>
-                      <a:r>
-                        <a:rPr lang="en-NL" dirty="0">
-                          <a:latin typeface="CMU SANS SERIF" panose="02000603000000000000" pitchFamily="2" charset="0"/>
-                          <a:ea typeface="CMU SANS SERIF" panose="02000603000000000000" pitchFamily="2" charset="0"/>
-                          <a:cs typeface="CMU SANS SERIF" panose="02000603000000000000" pitchFamily="2" charset="0"/>
-                        </a:rPr>
-                        <a:t>learn representation of ‘unstructured’ data</a:t>
-                      </a:r>
-                    </a:p>
-                  </a:txBody>
-                  <a:tcPr/>
+              <a:tr h="1001703">
+                <a:tc>
+                  <a:txBody>
+                    <a:bodyPr/>
+                    <a:lstStyle/>
+                    <a:p>
+                      <a:pPr algn="ctr"/>
+                      <a:endParaRPr lang="en-NL" sz="2200" dirty="0">
+                        <a:latin typeface="CMU SANS SERIF" panose="02000603000000000000" pitchFamily="2" charset="0"/>
+                        <a:ea typeface="CMU SANS SERIF" panose="02000603000000000000" pitchFamily="2" charset="0"/>
+                        <a:cs typeface="CMU SANS SERIF" panose="02000603000000000000" pitchFamily="2" charset="0"/>
+                      </a:endParaRPr>
+                    </a:p>
+                  </a:txBody>
+                  <a:tcPr marL="84376" marR="84376" marT="0" marB="0" anchor="ctr"/>
+                </a:tc>
+                <a:tc>
+                  <a:txBody>
+                    <a:bodyPr/>
+                    <a:lstStyle/>
+                    <a:p>
+                      <a:pPr marL="0" marR="0" lvl="0" indent="0" algn="ctr" defTabSz="914400" rtl="0" eaLnBrk="1" fontAlgn="auto" latinLnBrk="0" hangingPunct="1">
+                        <a:lnSpc>
+                          <a:spcPct val="100000"/>
+                        </a:lnSpc>
+                        <a:spcBef>
+                          <a:spcPts val="0"/>
+                        </a:spcBef>
+                        <a:spcAft>
+                          <a:spcPts val="0"/>
+                        </a:spcAft>
+                        <a:buClrTx/>
+                        <a:buSzTx/>
+                        <a:buFontTx/>
+                        <a:buNone/>
+                        <a:tabLst/>
+                        <a:defRPr/>
+                      </a:pPr>
+                      <a:endParaRPr lang="en-NL" sz="2200" dirty="0">
+                        <a:latin typeface="CMU SANS SERIF" panose="02000603000000000000" pitchFamily="2" charset="0"/>
+                        <a:ea typeface="CMU SANS SERIF" panose="02000603000000000000" pitchFamily="2" charset="0"/>
+                        <a:cs typeface="CMU SANS SERIF" panose="02000603000000000000" pitchFamily="2" charset="0"/>
+                      </a:endParaRPr>
+                    </a:p>
+                  </a:txBody>
+                  <a:tcPr marL="84376" marR="84376" marT="0" marB="0" anchor="ctr"/>
+                </a:tc>
+                <a:tc>
+                  <a:txBody>
+                    <a:bodyPr/>
+                    <a:lstStyle/>
+                    <a:p>
+                      <a:pPr algn="ctr"/>
+                      <a:endParaRPr lang="en-NL" sz="2200" dirty="0">
+                        <a:latin typeface="CMU SANS SERIF" panose="02000603000000000000" pitchFamily="2" charset="0"/>
+                        <a:ea typeface="CMU SANS SERIF" panose="02000603000000000000" pitchFamily="2" charset="0"/>
+                        <a:cs typeface="CMU SANS SERIF" panose="02000603000000000000" pitchFamily="2" charset="0"/>
+                      </a:endParaRPr>
+                    </a:p>
+                  </a:txBody>
+                  <a:tcPr marL="84376" marR="84376" marT="0" marB="0" anchor="ctr"/>
+                </a:tc>
+                <a:extLst>
+                  <a:ext uri="{0D108BD9-81ED-4DB2-BD59-A6C34878D82A}">
+                    <a16:rowId xmlns:a16="http://schemas.microsoft.com/office/drawing/2014/main" val="660911098"/>
+                  </a:ext>
+                </a:extLst>
+              </a:tr>
+              <a:tr h="1001703">
+                <a:tc>
+                  <a:txBody>
+                    <a:bodyPr/>
+                    <a:lstStyle/>
+                    <a:p>
+                      <a:pPr algn="ctr"/>
+                      <a:endParaRPr lang="en-NL" sz="2200" dirty="0">
+                        <a:latin typeface="CMU SANS SERIF" panose="02000603000000000000" pitchFamily="2" charset="0"/>
+                        <a:ea typeface="CMU SANS SERIF" panose="02000603000000000000" pitchFamily="2" charset="0"/>
+                        <a:cs typeface="CMU SANS SERIF" panose="02000603000000000000" pitchFamily="2" charset="0"/>
+                      </a:endParaRPr>
+                    </a:p>
+                  </a:txBody>
+                  <a:tcPr marL="84376" marR="84376" marT="0" marB="0" anchor="ctr"/>
+                </a:tc>
+                <a:tc>
+                  <a:txBody>
+                    <a:bodyPr/>
+                    <a:lstStyle/>
+                    <a:p>
+                      <a:pPr marL="0" marR="0" lvl="0" indent="0" algn="ctr" defTabSz="914400" rtl="0" eaLnBrk="1" fontAlgn="auto" latinLnBrk="0" hangingPunct="1">
+                        <a:lnSpc>
+                          <a:spcPct val="100000"/>
+                        </a:lnSpc>
+                        <a:spcBef>
+                          <a:spcPts val="0"/>
+                        </a:spcBef>
+                        <a:spcAft>
+                          <a:spcPts val="0"/>
+                        </a:spcAft>
+                        <a:buClrTx/>
+                        <a:buSzTx/>
+                        <a:buFontTx/>
+                        <a:buNone/>
+                        <a:tabLst/>
+                        <a:defRPr/>
+                      </a:pPr>
+                      <a:endParaRPr lang="en-NL" sz="2200" dirty="0">
+                        <a:latin typeface="CMU SANS SERIF" panose="02000603000000000000" pitchFamily="2" charset="0"/>
+                        <a:ea typeface="CMU SANS SERIF" panose="02000603000000000000" pitchFamily="2" charset="0"/>
+                        <a:cs typeface="CMU SANS SERIF" panose="02000603000000000000" pitchFamily="2" charset="0"/>
+                      </a:endParaRPr>
+                    </a:p>
+                  </a:txBody>
+                  <a:tcPr marL="84376" marR="84376" marT="0" marB="0" anchor="ctr"/>
+                </a:tc>
+                <a:tc>
+                  <a:txBody>
+                    <a:bodyPr/>
+                    <a:lstStyle/>
+                    <a:p>
+                      <a:pPr algn="ctr"/>
+                      <a:endParaRPr lang="en-NL" sz="2200" dirty="0">
+                        <a:latin typeface="CMU SANS SERIF" panose="02000603000000000000" pitchFamily="2" charset="0"/>
+                        <a:ea typeface="CMU SANS SERIF" panose="02000603000000000000" pitchFamily="2" charset="0"/>
+                        <a:cs typeface="CMU SANS SERIF" panose="02000603000000000000" pitchFamily="2" charset="0"/>
+                      </a:endParaRPr>
+                    </a:p>
+                  </a:txBody>
+                  <a:tcPr marL="84376" marR="84376" marT="0" marB="0" anchor="ctr"/>
+                </a:tc>
+                <a:extLst>
+                  <a:ext uri="{0D108BD9-81ED-4DB2-BD59-A6C34878D82A}">
+                    <a16:rowId xmlns:a16="http://schemas.microsoft.com/office/drawing/2014/main" val="3939667607"/>
+                  </a:ext>
+                </a:extLst>
+              </a:tr>
+              <a:tr h="1001703">
+                <a:tc>
+                  <a:txBody>
+                    <a:bodyPr/>
+                    <a:lstStyle/>
+                    <a:p>
+                      <a:pPr algn="ctr"/>
+                      <a:endParaRPr lang="en-NL" sz="2200" dirty="0">
+                        <a:latin typeface="CMU SANS SERIF" panose="02000603000000000000" pitchFamily="2" charset="0"/>
+                        <a:ea typeface="CMU SANS SERIF" panose="02000603000000000000" pitchFamily="2" charset="0"/>
+                        <a:cs typeface="CMU SANS SERIF" panose="02000603000000000000" pitchFamily="2" charset="0"/>
+                      </a:endParaRPr>
+                    </a:p>
+                  </a:txBody>
+                  <a:tcPr marL="84376" marR="84376" marT="0" marB="0" anchor="ctr"/>
+                </a:tc>
+                <a:tc>
+                  <a:txBody>
+                    <a:bodyPr/>
+                    <a:lstStyle/>
+                    <a:p>
+                      <a:pPr marL="0" marR="0" lvl="0" indent="0" algn="ctr" defTabSz="914400" rtl="0" eaLnBrk="1" fontAlgn="auto" latinLnBrk="0" hangingPunct="1">
+                        <a:lnSpc>
+                          <a:spcPct val="100000"/>
+                        </a:lnSpc>
+                        <a:spcBef>
+                          <a:spcPts val="0"/>
+                        </a:spcBef>
+                        <a:spcAft>
+                          <a:spcPts val="0"/>
+                        </a:spcAft>
+                        <a:buClrTx/>
+                        <a:buSzTx/>
+                        <a:buFontTx/>
+                        <a:buNone/>
+                        <a:tabLst/>
+                        <a:defRPr/>
+                      </a:pPr>
+                      <a:endParaRPr lang="en-NL" sz="2200" dirty="0">
+                        <a:latin typeface="CMU SANS SERIF" panose="02000603000000000000" pitchFamily="2" charset="0"/>
+                        <a:ea typeface="CMU SANS SERIF" panose="02000603000000000000" pitchFamily="2" charset="0"/>
+                        <a:cs typeface="CMU SANS SERIF" panose="02000603000000000000" pitchFamily="2" charset="0"/>
+                      </a:endParaRPr>
+                    </a:p>
+                  </a:txBody>
+                  <a:tcPr marL="84376" marR="84376" marT="0" marB="0" anchor="ctr"/>
+                </a:tc>
+                <a:tc>
+                  <a:txBody>
+                    <a:bodyPr/>
+                    <a:lstStyle/>
+                    <a:p>
+                      <a:pPr algn="ctr"/>
+                      <a:endParaRPr lang="en-NL" sz="2200" dirty="0">
+                        <a:latin typeface="CMU SANS SERIF" panose="02000603000000000000" pitchFamily="2" charset="0"/>
+                        <a:ea typeface="CMU SANS SERIF" panose="02000603000000000000" pitchFamily="2" charset="0"/>
+                        <a:cs typeface="CMU SANS SERIF" panose="02000603000000000000" pitchFamily="2" charset="0"/>
+                      </a:endParaRPr>
+                    </a:p>
+                  </a:txBody>
+                  <a:tcPr marL="84376" marR="84376" marT="0" marB="0" anchor="ctr"/>
                 </a:tc>
                 <a:extLst>
                   <a:ext uri="{0D108BD9-81ED-4DB2-BD59-A6C34878D82A}">
@@ -3651,110 +6023,55 @@
                   </a:ext>
                 </a:extLst>
               </a:tr>
-              <a:tr h="370840">
-                <a:tc>
-                  <a:txBody>
-                    <a:bodyPr/>
-                    <a:lstStyle/>
-                    <a:p>
-                      <a:pPr algn="ctr"/>
-                      <a:endParaRPr lang="en-NL" dirty="0">
-                        <a:latin typeface="CMU SANS SERIF" panose="02000603000000000000" pitchFamily="2" charset="0"/>
-                        <a:ea typeface="CMU SANS SERIF" panose="02000603000000000000" pitchFamily="2" charset="0"/>
-                        <a:cs typeface="CMU SANS SERIF" panose="02000603000000000000" pitchFamily="2" charset="0"/>
-                      </a:endParaRPr>
-                    </a:p>
-                  </a:txBody>
-                  <a:tcPr/>
-                </a:tc>
-                <a:tc>
-                  <a:txBody>
-                    <a:bodyPr/>
-                    <a:lstStyle/>
-                    <a:p>
-                      <a:pPr algn="ctr"/>
-                      <a:endParaRPr lang="en-NL" dirty="0">
-                        <a:latin typeface="CMU SANS SERIF" panose="02000603000000000000" pitchFamily="2" charset="0"/>
-                        <a:ea typeface="CMU SANS SERIF" panose="02000603000000000000" pitchFamily="2" charset="0"/>
-                        <a:cs typeface="CMU SANS SERIF" panose="02000603000000000000" pitchFamily="2" charset="0"/>
-                      </a:endParaRPr>
-                    </a:p>
-                  </a:txBody>
-                  <a:tcPr/>
-                </a:tc>
-                <a:tc>
-                  <a:txBody>
-                    <a:bodyPr/>
-                    <a:lstStyle/>
-                    <a:p>
-                      <a:pPr algn="ctr"/>
-                      <a:r>
-                        <a:rPr lang="en-NL" dirty="0">
-                          <a:latin typeface="CMU SANS SERIF" panose="02000603000000000000" pitchFamily="2" charset="0"/>
-                          <a:ea typeface="CMU SANS SERIF" panose="02000603000000000000" pitchFamily="2" charset="0"/>
-                          <a:cs typeface="CMU SANS SERIF" panose="02000603000000000000" pitchFamily="2" charset="0"/>
-                        </a:rPr>
-                        <a:t>scales with data, compute, model size</a:t>
-                      </a:r>
-                    </a:p>
-                  </a:txBody>
-                  <a:tcPr/>
+              <a:tr h="1001703">
+                <a:tc>
+                  <a:txBody>
+                    <a:bodyPr/>
+                    <a:lstStyle/>
+                    <a:p>
+                      <a:pPr algn="ctr"/>
+                      <a:endParaRPr lang="en-NL" sz="2200" dirty="0">
+                        <a:latin typeface="CMU SANS SERIF" panose="02000603000000000000" pitchFamily="2" charset="0"/>
+                        <a:ea typeface="CMU SANS SERIF" panose="02000603000000000000" pitchFamily="2" charset="0"/>
+                        <a:cs typeface="CMU SANS SERIF" panose="02000603000000000000" pitchFamily="2" charset="0"/>
+                      </a:endParaRPr>
+                    </a:p>
+                  </a:txBody>
+                  <a:tcPr marL="84376" marR="84376" marT="0" marB="0" anchor="ctr"/>
+                </a:tc>
+                <a:tc>
+                  <a:txBody>
+                    <a:bodyPr/>
+                    <a:lstStyle/>
+                    <a:p>
+                      <a:pPr algn="ctr"/>
+                      <a:endParaRPr lang="en-NL" sz="2200" dirty="0">
+                        <a:latin typeface="CMU SANS SERIF" panose="02000603000000000000" pitchFamily="2" charset="0"/>
+                        <a:ea typeface="CMU SANS SERIF" panose="02000603000000000000" pitchFamily="2" charset="0"/>
+                        <a:cs typeface="CMU SANS SERIF" panose="02000603000000000000" pitchFamily="2" charset="0"/>
+                      </a:endParaRPr>
+                    </a:p>
+                  </a:txBody>
+                  <a:tcPr marL="84376" marR="84376" marT="0" marB="0" anchor="ctr"/>
+                </a:tc>
+                <a:tc>
+                  <a:txBody>
+                    <a:bodyPr/>
+                    <a:lstStyle/>
+                    <a:p>
+                      <a:pPr algn="ctr"/>
+                      <a:endParaRPr lang="en-NL" sz="2200" dirty="0">
+                        <a:latin typeface="CMU SANS SERIF" panose="02000603000000000000" pitchFamily="2" charset="0"/>
+                        <a:ea typeface="CMU SANS SERIF" panose="02000603000000000000" pitchFamily="2" charset="0"/>
+                        <a:cs typeface="CMU SANS SERIF" panose="02000603000000000000" pitchFamily="2" charset="0"/>
+                      </a:endParaRPr>
+                    </a:p>
+                  </a:txBody>
+                  <a:tcPr marL="84376" marR="84376" marT="0" marB="0" anchor="ctr"/>
                 </a:tc>
                 <a:extLst>
                   <a:ext uri="{0D108BD9-81ED-4DB2-BD59-A6C34878D82A}">
                     <a16:rowId xmlns:a16="http://schemas.microsoft.com/office/drawing/2014/main" val="958352866"/>
-                  </a:ext>
-                </a:extLst>
-              </a:tr>
-              <a:tr h="370840">
-                <a:tc>
-                  <a:txBody>
-                    <a:bodyPr/>
-                    <a:lstStyle/>
-                    <a:p>
-                      <a:pPr algn="ctr"/>
-                      <a:endParaRPr lang="en-NL" dirty="0">
-                        <a:latin typeface="CMU SANS SERIF" panose="02000603000000000000" pitchFamily="2" charset="0"/>
-                        <a:ea typeface="CMU SANS SERIF" panose="02000603000000000000" pitchFamily="2" charset="0"/>
-                        <a:cs typeface="CMU SANS SERIF" panose="02000603000000000000" pitchFamily="2" charset="0"/>
-                      </a:endParaRPr>
-                    </a:p>
-                  </a:txBody>
-                  <a:tcPr/>
-                </a:tc>
-                <a:tc>
-                  <a:txBody>
-                    <a:bodyPr/>
-                    <a:lstStyle/>
-                    <a:p>
-                      <a:pPr algn="ctr"/>
-                      <a:endParaRPr lang="en-NL" dirty="0">
-                        <a:latin typeface="CMU SANS SERIF" panose="02000603000000000000" pitchFamily="2" charset="0"/>
-                        <a:ea typeface="CMU SANS SERIF" panose="02000603000000000000" pitchFamily="2" charset="0"/>
-                        <a:cs typeface="CMU SANS SERIF" panose="02000603000000000000" pitchFamily="2" charset="0"/>
-                      </a:endParaRPr>
-                    </a:p>
-                  </a:txBody>
-                  <a:tcPr/>
-                </a:tc>
-                <a:tc>
-                  <a:txBody>
-                    <a:bodyPr/>
-                    <a:lstStyle/>
-                    <a:p>
-                      <a:pPr algn="ctr"/>
-                      <a:endParaRPr lang="en-NL" dirty="0">
-                        <a:latin typeface="CMU SANS SERIF" panose="02000603000000000000" pitchFamily="2" charset="0"/>
-                        <a:ea typeface="CMU SANS SERIF" panose="02000603000000000000" pitchFamily="2" charset="0"/>
-                        <a:cs typeface="CMU SANS SERIF" panose="02000603000000000000" pitchFamily="2" charset="0"/>
-                      </a:endParaRPr>
-                    </a:p>
-                  </a:txBody>
-                  <a:tcPr/>
-                </a:tc>
-                <a:extLst>
-                  <a:ext uri="{0D108BD9-81ED-4DB2-BD59-A6C34878D82A}">
-                    <a16:rowId xmlns:a16="http://schemas.microsoft.com/office/drawing/2014/main" val="1756504905"/>
                   </a:ext>
                 </a:extLst>
               </a:tr>
@@ -3766,6 +6083,1961 @@
     <p:extLst>
       <p:ext uri="{BB962C8B-B14F-4D97-AF65-F5344CB8AC3E}">
         <p14:creationId xmlns:p14="http://schemas.microsoft.com/office/powerpoint/2010/main" val="1154935245"/>
+      </p:ext>
+    </p:extLst>
+  </p:cSld>
+  <p:clrMapOvr>
+    <a:masterClrMapping/>
+  </p:clrMapOvr>
+</p:sld>
+</file>
+
+<file path=ppt/slides/slide4.xml><?xml version="1.0" encoding="utf-8"?>
+<p:sld xmlns:a="http://schemas.openxmlformats.org/drawingml/2006/main" xmlns:r="http://schemas.openxmlformats.org/officeDocument/2006/relationships" xmlns:p="http://schemas.openxmlformats.org/presentationml/2006/main">
+  <p:cSld>
+    <p:spTree>
+      <p:nvGrpSpPr>
+        <p:cNvPr id="1" name="">
+          <a:extLst>
+            <a:ext uri="{FF2B5EF4-FFF2-40B4-BE49-F238E27FC236}">
+              <a16:creationId xmlns:a16="http://schemas.microsoft.com/office/drawing/2014/main" id="{7E0B5246-3A6D-FC47-8AD4-0E65663FA98E}"/>
+            </a:ext>
+          </a:extLst>
+        </p:cNvPr>
+        <p:cNvGrpSpPr/>
+        <p:nvPr/>
+      </p:nvGrpSpPr>
+      <p:grpSpPr>
+        <a:xfrm>
+          <a:off x="0" y="0"/>
+          <a:ext cx="0" cy="0"/>
+          <a:chOff x="0" y="0"/>
+          <a:chExt cx="0" cy="0"/>
+        </a:xfrm>
+      </p:grpSpPr>
+      <p:graphicFrame>
+        <p:nvGraphicFramePr>
+          <p:cNvPr id="4" name="Table 3">
+            <a:extLst>
+              <a:ext uri="{FF2B5EF4-FFF2-40B4-BE49-F238E27FC236}">
+                <a16:creationId xmlns:a16="http://schemas.microsoft.com/office/drawing/2014/main" id="{75AB281E-F99F-F016-7B09-96C923A1CB0F}"/>
+              </a:ext>
+            </a:extLst>
+          </p:cNvPr>
+          <p:cNvGraphicFramePr>
+            <a:graphicFrameLocks noGrp="1"/>
+          </p:cNvGraphicFramePr>
+          <p:nvPr>
+            <p:extLst>
+              <p:ext uri="{D42A27DB-BD31-4B8C-83A1-F6EECF244321}">
+                <p14:modId xmlns:p14="http://schemas.microsoft.com/office/powerpoint/2010/main" val="3494534411"/>
+              </p:ext>
+            </p:extLst>
+          </p:nvPr>
+        </p:nvGraphicFramePr>
+        <p:xfrm>
+          <a:off x="470916" y="73152"/>
+          <a:ext cx="11250168" cy="6753708"/>
+        </p:xfrm>
+        <a:graphic>
+          <a:graphicData uri="http://schemas.openxmlformats.org/drawingml/2006/table">
+            <a:tbl>
+              <a:tblPr firstRow="1" bandRow="1">
+                <a:tableStyleId>{F2DE63D5-997A-4646-A377-4702673A728D}</a:tableStyleId>
+              </a:tblPr>
+              <a:tblGrid>
+                <a:gridCol w="3750056">
+                  <a:extLst>
+                    <a:ext uri="{9D8B030D-6E8A-4147-A177-3AD203B41FA5}">
+                      <a16:colId xmlns:a16="http://schemas.microsoft.com/office/drawing/2014/main" val="3371272573"/>
+                    </a:ext>
+                  </a:extLst>
+                </a:gridCol>
+                <a:gridCol w="3750056">
+                  <a:extLst>
+                    <a:ext uri="{9D8B030D-6E8A-4147-A177-3AD203B41FA5}">
+                      <a16:colId xmlns:a16="http://schemas.microsoft.com/office/drawing/2014/main" val="1162278158"/>
+                    </a:ext>
+                  </a:extLst>
+                </a:gridCol>
+                <a:gridCol w="3750056">
+                  <a:extLst>
+                    <a:ext uri="{9D8B030D-6E8A-4147-A177-3AD203B41FA5}">
+                      <a16:colId xmlns:a16="http://schemas.microsoft.com/office/drawing/2014/main" val="3169032992"/>
+                    </a:ext>
+                  </a:extLst>
+                </a:gridCol>
+              </a:tblGrid>
+              <a:tr h="580352">
+                <a:tc>
+                  <a:txBody>
+                    <a:bodyPr/>
+                    <a:lstStyle/>
+                    <a:p>
+                      <a:pPr algn="ctr"/>
+                      <a:r>
+                        <a:rPr lang="en-GB" sz="2200" dirty="0"/>
+                        <a:t>s</a:t>
+                      </a:r>
+                      <a:r>
+                        <a:rPr lang="en-NL" sz="2200" dirty="0"/>
+                        <a:t>tatistics</a:t>
+                      </a:r>
+                      <a:endParaRPr lang="en-NL" sz="2200" dirty="0">
+                        <a:latin typeface="CMU SANS SERIF" panose="02000603000000000000" pitchFamily="2" charset="0"/>
+                        <a:ea typeface="CMU SANS SERIF" panose="02000603000000000000" pitchFamily="2" charset="0"/>
+                        <a:cs typeface="CMU SANS SERIF" panose="02000603000000000000" pitchFamily="2" charset="0"/>
+                      </a:endParaRPr>
+                    </a:p>
+                  </a:txBody>
+                  <a:tcPr marL="84376" marR="84376" marT="0" marB="0" anchor="ctr"/>
+                </a:tc>
+                <a:tc>
+                  <a:txBody>
+                    <a:bodyPr/>
+                    <a:lstStyle/>
+                    <a:p>
+                      <a:pPr algn="ctr"/>
+                      <a:r>
+                        <a:rPr lang="en-GB" sz="2200" dirty="0"/>
+                        <a:t>b</a:t>
+                      </a:r>
+                      <a:r>
+                        <a:rPr lang="en-NL" sz="2200" dirty="0"/>
+                        <a:t>oth</a:t>
+                      </a:r>
+                      <a:endParaRPr lang="en-NL" sz="2200" dirty="0">
+                        <a:latin typeface="CMU SANS SERIF" panose="02000603000000000000" pitchFamily="2" charset="0"/>
+                        <a:ea typeface="CMU SANS SERIF" panose="02000603000000000000" pitchFamily="2" charset="0"/>
+                        <a:cs typeface="CMU SANS SERIF" panose="02000603000000000000" pitchFamily="2" charset="0"/>
+                      </a:endParaRPr>
+                    </a:p>
+                  </a:txBody>
+                  <a:tcPr marL="84376" marR="84376" marT="0" marB="0" anchor="ctr"/>
+                </a:tc>
+                <a:tc>
+                  <a:txBody>
+                    <a:bodyPr/>
+                    <a:lstStyle/>
+                    <a:p>
+                      <a:pPr algn="ctr"/>
+                      <a:r>
+                        <a:rPr lang="en-NL" sz="2200" dirty="0"/>
+                        <a:t>AI / Deep Learning</a:t>
+                      </a:r>
+                      <a:endParaRPr lang="en-NL" sz="2200" dirty="0">
+                        <a:latin typeface="CMU SANS SERIF" panose="02000603000000000000" pitchFamily="2" charset="0"/>
+                        <a:ea typeface="CMU SANS SERIF" panose="02000603000000000000" pitchFamily="2" charset="0"/>
+                        <a:cs typeface="CMU SANS SERIF" panose="02000603000000000000" pitchFamily="2" charset="0"/>
+                      </a:endParaRPr>
+                    </a:p>
+                  </a:txBody>
+                  <a:tcPr marL="84376" marR="84376" marT="0" marB="0" anchor="ctr"/>
+                </a:tc>
+                <a:extLst>
+                  <a:ext uri="{0D108BD9-81ED-4DB2-BD59-A6C34878D82A}">
+                    <a16:rowId xmlns:a16="http://schemas.microsoft.com/office/drawing/2014/main" val="2420362543"/>
+                  </a:ext>
+                </a:extLst>
+              </a:tr>
+              <a:tr h="580352">
+                <a:tc>
+                  <a:txBody>
+                    <a:bodyPr/>
+                    <a:lstStyle/>
+                    <a:p>
+                      <a:pPr algn="ctr"/>
+                      <a:r>
+                        <a:rPr lang="en-NL" sz="2200" dirty="0"/>
+                        <a:t>model family: restricted</a:t>
+                      </a:r>
+                      <a:endParaRPr lang="en-NL" sz="2200" dirty="0">
+                        <a:latin typeface="CMU SANS SERIF" panose="02000603000000000000" pitchFamily="2" charset="0"/>
+                        <a:ea typeface="CMU SANS SERIF" panose="02000603000000000000" pitchFamily="2" charset="0"/>
+                        <a:cs typeface="CMU SANS SERIF" panose="02000603000000000000" pitchFamily="2" charset="0"/>
+                      </a:endParaRPr>
+                    </a:p>
+                  </a:txBody>
+                  <a:tcPr marL="84376" marR="84376" marT="0" marB="0" anchor="ctr"/>
+                </a:tc>
+                <a:tc>
+                  <a:txBody>
+                    <a:bodyPr/>
+                    <a:lstStyle/>
+                    <a:p>
+                      <a:pPr algn="ctr"/>
+                      <a:endParaRPr lang="en-NL" sz="2200" dirty="0">
+                        <a:latin typeface="CMU SANS SERIF" panose="02000603000000000000" pitchFamily="2" charset="0"/>
+                        <a:ea typeface="CMU SANS SERIF" panose="02000603000000000000" pitchFamily="2" charset="0"/>
+                        <a:cs typeface="CMU SANS SERIF" panose="02000603000000000000" pitchFamily="2" charset="0"/>
+                      </a:endParaRPr>
+                    </a:p>
+                  </a:txBody>
+                  <a:tcPr marL="84376" marR="84376" marT="0" marB="0" anchor="ctr"/>
+                </a:tc>
+                <a:tc>
+                  <a:txBody>
+                    <a:bodyPr/>
+                    <a:lstStyle/>
+                    <a:p>
+                      <a:pPr algn="ctr"/>
+                      <a:r>
+                        <a:rPr lang="en-NL" sz="2200" dirty="0"/>
+                        <a:t>model family: wide</a:t>
+                      </a:r>
+                      <a:endParaRPr lang="en-NL" sz="2200" dirty="0">
+                        <a:latin typeface="CMU SANS SERIF" panose="02000603000000000000" pitchFamily="2" charset="0"/>
+                        <a:ea typeface="CMU SANS SERIF" panose="02000603000000000000" pitchFamily="2" charset="0"/>
+                        <a:cs typeface="CMU SANS SERIF" panose="02000603000000000000" pitchFamily="2" charset="0"/>
+                      </a:endParaRPr>
+                    </a:p>
+                  </a:txBody>
+                  <a:tcPr marL="84376" marR="84376" marT="0" marB="0" anchor="ctr"/>
+                </a:tc>
+                <a:extLst>
+                  <a:ext uri="{0D108BD9-81ED-4DB2-BD59-A6C34878D82A}">
+                    <a16:rowId xmlns:a16="http://schemas.microsoft.com/office/drawing/2014/main" val="3040126660"/>
+                  </a:ext>
+                </a:extLst>
+              </a:tr>
+              <a:tr h="1001703">
+                <a:tc>
+                  <a:txBody>
+                    <a:bodyPr/>
+                    <a:lstStyle/>
+                    <a:p>
+                      <a:pPr algn="ctr"/>
+                      <a:r>
+                        <a:rPr lang="en-NL" sz="2200" dirty="0"/>
+                        <a:t>logistic loss: -log likelihood</a:t>
+                      </a:r>
+                      <a:endParaRPr lang="en-NL" sz="2200" dirty="0">
+                        <a:latin typeface="CMU SANS SERIF" panose="02000603000000000000" pitchFamily="2" charset="0"/>
+                        <a:ea typeface="CMU SANS SERIF" panose="02000603000000000000" pitchFamily="2" charset="0"/>
+                        <a:cs typeface="CMU SANS SERIF" panose="02000603000000000000" pitchFamily="2" charset="0"/>
+                      </a:endParaRPr>
+                    </a:p>
+                  </a:txBody>
+                  <a:tcPr marL="84376" marR="84376" marT="0" marB="0" anchor="ctr"/>
+                </a:tc>
+                <a:tc>
+                  <a:txBody>
+                    <a:bodyPr/>
+                    <a:lstStyle/>
+                    <a:p>
+                      <a:pPr algn="ctr"/>
+                      <a:r>
+                        <a:rPr lang="en-NL" sz="2200" dirty="0"/>
+                        <a:t>optimize model fit to data with loss function</a:t>
+                      </a:r>
+                      <a:endParaRPr lang="en-NL" sz="2200" dirty="0">
+                        <a:latin typeface="CMU SANS SERIF" panose="02000603000000000000" pitchFamily="2" charset="0"/>
+                        <a:ea typeface="CMU SANS SERIF" panose="02000603000000000000" pitchFamily="2" charset="0"/>
+                        <a:cs typeface="CMU SANS SERIF" panose="02000603000000000000" pitchFamily="2" charset="0"/>
+                      </a:endParaRPr>
+                    </a:p>
+                  </a:txBody>
+                  <a:tcPr marL="84376" marR="84376" marT="0" marB="0" anchor="ctr"/>
+                </a:tc>
+                <a:tc>
+                  <a:txBody>
+                    <a:bodyPr/>
+                    <a:lstStyle/>
+                    <a:p>
+                      <a:pPr algn="ctr"/>
+                      <a:r>
+                        <a:rPr lang="en-NL" sz="2200" dirty="0"/>
+                        <a:t>logistic loss: cross-entropy</a:t>
+                      </a:r>
+                      <a:endParaRPr lang="en-NL" sz="2200" dirty="0">
+                        <a:latin typeface="CMU SANS SERIF" panose="02000603000000000000" pitchFamily="2" charset="0"/>
+                        <a:ea typeface="CMU SANS SERIF" panose="02000603000000000000" pitchFamily="2" charset="0"/>
+                        <a:cs typeface="CMU SANS SERIF" panose="02000603000000000000" pitchFamily="2" charset="0"/>
+                      </a:endParaRPr>
+                    </a:p>
+                  </a:txBody>
+                  <a:tcPr marL="84376" marR="84376" marT="0" marB="0" anchor="ctr"/>
+                </a:tc>
+                <a:extLst>
+                  <a:ext uri="{0D108BD9-81ED-4DB2-BD59-A6C34878D82A}">
+                    <a16:rowId xmlns:a16="http://schemas.microsoft.com/office/drawing/2014/main" val="3077328846"/>
+                  </a:ext>
+                </a:extLst>
+              </a:tr>
+              <a:tr h="580352">
+                <a:tc>
+                  <a:txBody>
+                    <a:bodyPr/>
+                    <a:lstStyle/>
+                    <a:p>
+                      <a:pPr algn="ctr"/>
+                      <a:r>
+                        <a:rPr lang="en-GB" sz="2200" dirty="0"/>
+                        <a:t>parameter</a:t>
+                      </a:r>
+                      <a:r>
+                        <a:rPr lang="en-NL" sz="2200" dirty="0"/>
+                        <a:t> = coefficient</a:t>
+                      </a:r>
+                      <a:endParaRPr lang="en-NL" sz="2200" dirty="0">
+                        <a:latin typeface="CMU SANS SERIF" panose="02000603000000000000" pitchFamily="2" charset="0"/>
+                        <a:ea typeface="CMU SANS SERIF" panose="02000603000000000000" pitchFamily="2" charset="0"/>
+                        <a:cs typeface="CMU SANS SERIF" panose="02000603000000000000" pitchFamily="2" charset="0"/>
+                      </a:endParaRPr>
+                    </a:p>
+                  </a:txBody>
+                  <a:tcPr marL="84376" marR="84376" marT="0" marB="0" anchor="ctr"/>
+                </a:tc>
+                <a:tc>
+                  <a:txBody>
+                    <a:bodyPr/>
+                    <a:lstStyle/>
+                    <a:p>
+                      <a:pPr algn="ctr"/>
+                      <a:endParaRPr lang="en-NL" sz="2200" dirty="0">
+                        <a:latin typeface="CMU SANS SERIF" panose="02000603000000000000" pitchFamily="2" charset="0"/>
+                        <a:ea typeface="CMU SANS SERIF" panose="02000603000000000000" pitchFamily="2" charset="0"/>
+                        <a:cs typeface="CMU SANS SERIF" panose="02000603000000000000" pitchFamily="2" charset="0"/>
+                      </a:endParaRPr>
+                    </a:p>
+                  </a:txBody>
+                  <a:tcPr marL="84376" marR="84376" marT="0" marB="0" anchor="ctr"/>
+                </a:tc>
+                <a:tc>
+                  <a:txBody>
+                    <a:bodyPr/>
+                    <a:lstStyle/>
+                    <a:p>
+                      <a:pPr algn="ctr"/>
+                      <a:r>
+                        <a:rPr lang="en-NL" sz="2200" dirty="0"/>
+                        <a:t>parameter = weight</a:t>
+                      </a:r>
+                      <a:endParaRPr lang="en-NL" sz="2200" dirty="0">
+                        <a:latin typeface="CMU SANS SERIF" panose="02000603000000000000" pitchFamily="2" charset="0"/>
+                        <a:ea typeface="CMU SANS SERIF" panose="02000603000000000000" pitchFamily="2" charset="0"/>
+                        <a:cs typeface="CMU SANS SERIF" panose="02000603000000000000" pitchFamily="2" charset="0"/>
+                      </a:endParaRPr>
+                    </a:p>
+                  </a:txBody>
+                  <a:tcPr marL="84376" marR="84376" marT="0" marB="0" anchor="ctr"/>
+                </a:tc>
+                <a:extLst>
+                  <a:ext uri="{0D108BD9-81ED-4DB2-BD59-A6C34878D82A}">
+                    <a16:rowId xmlns:a16="http://schemas.microsoft.com/office/drawing/2014/main" val="3790566298"/>
+                  </a:ext>
+                </a:extLst>
+              </a:tr>
+              <a:tr h="1001703">
+                <a:tc>
+                  <a:txBody>
+                    <a:bodyPr/>
+                    <a:lstStyle/>
+                    <a:p>
+                      <a:pPr algn="ctr"/>
+                      <a:r>
+                        <a:rPr lang="en-NL" sz="2200" dirty="0"/>
+                        <a:t>parameter count ∝ complexity</a:t>
+                      </a:r>
+                      <a:endParaRPr lang="en-NL" sz="2200" dirty="0">
+                        <a:latin typeface="CMU SANS SERIF" panose="02000603000000000000" pitchFamily="2" charset="0"/>
+                        <a:ea typeface="CMU SANS SERIF" panose="02000603000000000000" pitchFamily="2" charset="0"/>
+                        <a:cs typeface="CMU SANS SERIF" panose="02000603000000000000" pitchFamily="2" charset="0"/>
+                      </a:endParaRPr>
+                    </a:p>
+                  </a:txBody>
+                  <a:tcPr marL="84376" marR="84376" marT="0" marB="0" anchor="ctr"/>
+                </a:tc>
+                <a:tc>
+                  <a:txBody>
+                    <a:bodyPr/>
+                    <a:lstStyle/>
+                    <a:p>
+                      <a:pPr marL="0" marR="0" lvl="0" indent="0" algn="ctr" defTabSz="914400" rtl="0" eaLnBrk="1" fontAlgn="auto" latinLnBrk="0" hangingPunct="1">
+                        <a:lnSpc>
+                          <a:spcPct val="100000"/>
+                        </a:lnSpc>
+                        <a:spcBef>
+                          <a:spcPts val="0"/>
+                        </a:spcBef>
+                        <a:spcAft>
+                          <a:spcPts val="0"/>
+                        </a:spcAft>
+                        <a:buClrTx/>
+                        <a:buSzTx/>
+                        <a:buFontTx/>
+                        <a:buNone/>
+                        <a:tabLst/>
+                        <a:defRPr/>
+                      </a:pPr>
+                      <a:r>
+                        <a:rPr lang="en-NL" sz="2200" dirty="0"/>
+                        <a:t>L1 / L2 regularization</a:t>
+                      </a:r>
+                      <a:endParaRPr lang="en-NL" sz="2200" dirty="0">
+                        <a:latin typeface="CMU SANS SERIF" panose="02000603000000000000" pitchFamily="2" charset="0"/>
+                        <a:ea typeface="CMU SANS SERIF" panose="02000603000000000000" pitchFamily="2" charset="0"/>
+                        <a:cs typeface="CMU SANS SERIF" panose="02000603000000000000" pitchFamily="2" charset="0"/>
+                      </a:endParaRPr>
+                    </a:p>
+                  </a:txBody>
+                  <a:tcPr marL="84376" marR="84376" marT="0" marB="0" anchor="ctr"/>
+                </a:tc>
+                <a:tc>
+                  <a:txBody>
+                    <a:bodyPr/>
+                    <a:lstStyle/>
+                    <a:p>
+                      <a:pPr algn="ctr"/>
+                      <a:r>
+                        <a:rPr lang="en-NL" sz="2200" dirty="0"/>
+                        <a:t>early stopping, drop-out, stochastic gradient descent, …</a:t>
+                      </a:r>
+                      <a:endParaRPr lang="en-NL" sz="2200" dirty="0">
+                        <a:latin typeface="CMU SANS SERIF" panose="02000603000000000000" pitchFamily="2" charset="0"/>
+                        <a:ea typeface="CMU SANS SERIF" panose="02000603000000000000" pitchFamily="2" charset="0"/>
+                        <a:cs typeface="CMU SANS SERIF" panose="02000603000000000000" pitchFamily="2" charset="0"/>
+                      </a:endParaRPr>
+                    </a:p>
+                  </a:txBody>
+                  <a:tcPr marL="84376" marR="84376" marT="0" marB="0" anchor="ctr"/>
+                </a:tc>
+                <a:extLst>
+                  <a:ext uri="{0D108BD9-81ED-4DB2-BD59-A6C34878D82A}">
+                    <a16:rowId xmlns:a16="http://schemas.microsoft.com/office/drawing/2014/main" val="660911098"/>
+                  </a:ext>
+                </a:extLst>
+              </a:tr>
+              <a:tr h="1001703">
+                <a:tc>
+                  <a:txBody>
+                    <a:bodyPr/>
+                    <a:lstStyle/>
+                    <a:p>
+                      <a:pPr algn="ctr"/>
+                      <a:endParaRPr lang="en-NL" sz="2200" dirty="0">
+                        <a:latin typeface="CMU SANS SERIF" panose="02000603000000000000" pitchFamily="2" charset="0"/>
+                        <a:ea typeface="CMU SANS SERIF" panose="02000603000000000000" pitchFamily="2" charset="0"/>
+                        <a:cs typeface="CMU SANS SERIF" panose="02000603000000000000" pitchFamily="2" charset="0"/>
+                      </a:endParaRPr>
+                    </a:p>
+                  </a:txBody>
+                  <a:tcPr marL="84376" marR="84376" marT="0" marB="0" anchor="ctr"/>
+                </a:tc>
+                <a:tc>
+                  <a:txBody>
+                    <a:bodyPr/>
+                    <a:lstStyle/>
+                    <a:p>
+                      <a:pPr marL="0" marR="0" lvl="0" indent="0" algn="ctr" defTabSz="914400" rtl="0" eaLnBrk="1" fontAlgn="auto" latinLnBrk="0" hangingPunct="1">
+                        <a:lnSpc>
+                          <a:spcPct val="100000"/>
+                        </a:lnSpc>
+                        <a:spcBef>
+                          <a:spcPts val="0"/>
+                        </a:spcBef>
+                        <a:spcAft>
+                          <a:spcPts val="0"/>
+                        </a:spcAft>
+                        <a:buClrTx/>
+                        <a:buSzTx/>
+                        <a:buFontTx/>
+                        <a:buNone/>
+                        <a:tabLst/>
+                        <a:defRPr/>
+                      </a:pPr>
+                      <a:endParaRPr lang="en-NL" sz="2200" dirty="0">
+                        <a:latin typeface="CMU SANS SERIF" panose="02000603000000000000" pitchFamily="2" charset="0"/>
+                        <a:ea typeface="CMU SANS SERIF" panose="02000603000000000000" pitchFamily="2" charset="0"/>
+                        <a:cs typeface="CMU SANS SERIF" panose="02000603000000000000" pitchFamily="2" charset="0"/>
+                      </a:endParaRPr>
+                    </a:p>
+                  </a:txBody>
+                  <a:tcPr marL="84376" marR="84376" marT="0" marB="0" anchor="ctr"/>
+                </a:tc>
+                <a:tc>
+                  <a:txBody>
+                    <a:bodyPr/>
+                    <a:lstStyle/>
+                    <a:p>
+                      <a:pPr algn="ctr"/>
+                      <a:endParaRPr lang="en-NL" sz="2200" dirty="0">
+                        <a:latin typeface="CMU SANS SERIF" panose="02000603000000000000" pitchFamily="2" charset="0"/>
+                        <a:ea typeface="CMU SANS SERIF" panose="02000603000000000000" pitchFamily="2" charset="0"/>
+                        <a:cs typeface="CMU SANS SERIF" panose="02000603000000000000" pitchFamily="2" charset="0"/>
+                      </a:endParaRPr>
+                    </a:p>
+                  </a:txBody>
+                  <a:tcPr marL="84376" marR="84376" marT="0" marB="0" anchor="ctr"/>
+                </a:tc>
+                <a:extLst>
+                  <a:ext uri="{0D108BD9-81ED-4DB2-BD59-A6C34878D82A}">
+                    <a16:rowId xmlns:a16="http://schemas.microsoft.com/office/drawing/2014/main" val="3939667607"/>
+                  </a:ext>
+                </a:extLst>
+              </a:tr>
+              <a:tr h="1001703">
+                <a:tc>
+                  <a:txBody>
+                    <a:bodyPr/>
+                    <a:lstStyle/>
+                    <a:p>
+                      <a:pPr algn="ctr"/>
+                      <a:endParaRPr lang="en-NL" sz="2200" dirty="0">
+                        <a:latin typeface="CMU SANS SERIF" panose="02000603000000000000" pitchFamily="2" charset="0"/>
+                        <a:ea typeface="CMU SANS SERIF" panose="02000603000000000000" pitchFamily="2" charset="0"/>
+                        <a:cs typeface="CMU SANS SERIF" panose="02000603000000000000" pitchFamily="2" charset="0"/>
+                      </a:endParaRPr>
+                    </a:p>
+                  </a:txBody>
+                  <a:tcPr marL="84376" marR="84376" marT="0" marB="0" anchor="ctr"/>
+                </a:tc>
+                <a:tc>
+                  <a:txBody>
+                    <a:bodyPr/>
+                    <a:lstStyle/>
+                    <a:p>
+                      <a:pPr marL="0" marR="0" lvl="0" indent="0" algn="ctr" defTabSz="914400" rtl="0" eaLnBrk="1" fontAlgn="auto" latinLnBrk="0" hangingPunct="1">
+                        <a:lnSpc>
+                          <a:spcPct val="100000"/>
+                        </a:lnSpc>
+                        <a:spcBef>
+                          <a:spcPts val="0"/>
+                        </a:spcBef>
+                        <a:spcAft>
+                          <a:spcPts val="0"/>
+                        </a:spcAft>
+                        <a:buClrTx/>
+                        <a:buSzTx/>
+                        <a:buFontTx/>
+                        <a:buNone/>
+                        <a:tabLst/>
+                        <a:defRPr/>
+                      </a:pPr>
+                      <a:endParaRPr lang="en-NL" sz="2200" dirty="0">
+                        <a:latin typeface="CMU SANS SERIF" panose="02000603000000000000" pitchFamily="2" charset="0"/>
+                        <a:ea typeface="CMU SANS SERIF" panose="02000603000000000000" pitchFamily="2" charset="0"/>
+                        <a:cs typeface="CMU SANS SERIF" panose="02000603000000000000" pitchFamily="2" charset="0"/>
+                      </a:endParaRPr>
+                    </a:p>
+                  </a:txBody>
+                  <a:tcPr marL="84376" marR="84376" marT="0" marB="0" anchor="ctr"/>
+                </a:tc>
+                <a:tc>
+                  <a:txBody>
+                    <a:bodyPr/>
+                    <a:lstStyle/>
+                    <a:p>
+                      <a:pPr algn="ctr"/>
+                      <a:endParaRPr lang="en-NL" sz="2200" dirty="0">
+                        <a:latin typeface="CMU SANS SERIF" panose="02000603000000000000" pitchFamily="2" charset="0"/>
+                        <a:ea typeface="CMU SANS SERIF" panose="02000603000000000000" pitchFamily="2" charset="0"/>
+                        <a:cs typeface="CMU SANS SERIF" panose="02000603000000000000" pitchFamily="2" charset="0"/>
+                      </a:endParaRPr>
+                    </a:p>
+                  </a:txBody>
+                  <a:tcPr marL="84376" marR="84376" marT="0" marB="0" anchor="ctr"/>
+                </a:tc>
+                <a:extLst>
+                  <a:ext uri="{0D108BD9-81ED-4DB2-BD59-A6C34878D82A}">
+                    <a16:rowId xmlns:a16="http://schemas.microsoft.com/office/drawing/2014/main" val="2284925830"/>
+                  </a:ext>
+                </a:extLst>
+              </a:tr>
+              <a:tr h="1001703">
+                <a:tc>
+                  <a:txBody>
+                    <a:bodyPr/>
+                    <a:lstStyle/>
+                    <a:p>
+                      <a:pPr algn="ctr"/>
+                      <a:endParaRPr lang="en-NL" sz="2200" dirty="0">
+                        <a:latin typeface="CMU SANS SERIF" panose="02000603000000000000" pitchFamily="2" charset="0"/>
+                        <a:ea typeface="CMU SANS SERIF" panose="02000603000000000000" pitchFamily="2" charset="0"/>
+                        <a:cs typeface="CMU SANS SERIF" panose="02000603000000000000" pitchFamily="2" charset="0"/>
+                      </a:endParaRPr>
+                    </a:p>
+                  </a:txBody>
+                  <a:tcPr marL="84376" marR="84376" marT="0" marB="0" anchor="ctr"/>
+                </a:tc>
+                <a:tc>
+                  <a:txBody>
+                    <a:bodyPr/>
+                    <a:lstStyle/>
+                    <a:p>
+                      <a:pPr algn="ctr"/>
+                      <a:endParaRPr lang="en-NL" sz="2200" dirty="0">
+                        <a:latin typeface="CMU SANS SERIF" panose="02000603000000000000" pitchFamily="2" charset="0"/>
+                        <a:ea typeface="CMU SANS SERIF" panose="02000603000000000000" pitchFamily="2" charset="0"/>
+                        <a:cs typeface="CMU SANS SERIF" panose="02000603000000000000" pitchFamily="2" charset="0"/>
+                      </a:endParaRPr>
+                    </a:p>
+                  </a:txBody>
+                  <a:tcPr marL="84376" marR="84376" marT="0" marB="0" anchor="ctr"/>
+                </a:tc>
+                <a:tc>
+                  <a:txBody>
+                    <a:bodyPr/>
+                    <a:lstStyle/>
+                    <a:p>
+                      <a:pPr algn="ctr"/>
+                      <a:endParaRPr lang="en-NL" sz="2200" dirty="0">
+                        <a:latin typeface="CMU SANS SERIF" panose="02000603000000000000" pitchFamily="2" charset="0"/>
+                        <a:ea typeface="CMU SANS SERIF" panose="02000603000000000000" pitchFamily="2" charset="0"/>
+                        <a:cs typeface="CMU SANS SERIF" panose="02000603000000000000" pitchFamily="2" charset="0"/>
+                      </a:endParaRPr>
+                    </a:p>
+                  </a:txBody>
+                  <a:tcPr marL="84376" marR="84376" marT="0" marB="0" anchor="ctr"/>
+                </a:tc>
+                <a:extLst>
+                  <a:ext uri="{0D108BD9-81ED-4DB2-BD59-A6C34878D82A}">
+                    <a16:rowId xmlns:a16="http://schemas.microsoft.com/office/drawing/2014/main" val="958352866"/>
+                  </a:ext>
+                </a:extLst>
+              </a:tr>
+            </a:tbl>
+          </a:graphicData>
+        </a:graphic>
+      </p:graphicFrame>
+    </p:spTree>
+    <p:extLst>
+      <p:ext uri="{BB962C8B-B14F-4D97-AF65-F5344CB8AC3E}">
+        <p14:creationId xmlns:p14="http://schemas.microsoft.com/office/powerpoint/2010/main" val="3471830700"/>
+      </p:ext>
+    </p:extLst>
+  </p:cSld>
+  <p:clrMapOvr>
+    <a:masterClrMapping/>
+  </p:clrMapOvr>
+</p:sld>
+</file>
+
+<file path=ppt/slides/slide5.xml><?xml version="1.0" encoding="utf-8"?>
+<p:sld xmlns:a="http://schemas.openxmlformats.org/drawingml/2006/main" xmlns:r="http://schemas.openxmlformats.org/officeDocument/2006/relationships" xmlns:p="http://schemas.openxmlformats.org/presentationml/2006/main">
+  <p:cSld>
+    <p:spTree>
+      <p:nvGrpSpPr>
+        <p:cNvPr id="1" name="">
+          <a:extLst>
+            <a:ext uri="{FF2B5EF4-FFF2-40B4-BE49-F238E27FC236}">
+              <a16:creationId xmlns:a16="http://schemas.microsoft.com/office/drawing/2014/main" id="{C415AB22-C94A-59B7-1EEB-33AED872B386}"/>
+            </a:ext>
+          </a:extLst>
+        </p:cNvPr>
+        <p:cNvGrpSpPr/>
+        <p:nvPr/>
+      </p:nvGrpSpPr>
+      <p:grpSpPr>
+        <a:xfrm>
+          <a:off x="0" y="0"/>
+          <a:ext cx="0" cy="0"/>
+          <a:chOff x="0" y="0"/>
+          <a:chExt cx="0" cy="0"/>
+        </a:xfrm>
+      </p:grpSpPr>
+      <p:graphicFrame>
+        <p:nvGraphicFramePr>
+          <p:cNvPr id="4" name="Table 3">
+            <a:extLst>
+              <a:ext uri="{FF2B5EF4-FFF2-40B4-BE49-F238E27FC236}">
+                <a16:creationId xmlns:a16="http://schemas.microsoft.com/office/drawing/2014/main" id="{D4F88123-FDFA-4D73-76C8-673C3A40513F}"/>
+              </a:ext>
+            </a:extLst>
+          </p:cNvPr>
+          <p:cNvGraphicFramePr>
+            <a:graphicFrameLocks noGrp="1"/>
+          </p:cNvGraphicFramePr>
+          <p:nvPr>
+            <p:extLst>
+              <p:ext uri="{D42A27DB-BD31-4B8C-83A1-F6EECF244321}">
+                <p14:modId xmlns:p14="http://schemas.microsoft.com/office/powerpoint/2010/main" val="2591382260"/>
+              </p:ext>
+            </p:extLst>
+          </p:nvPr>
+        </p:nvGraphicFramePr>
+        <p:xfrm>
+          <a:off x="470916" y="73152"/>
+          <a:ext cx="11250168" cy="6753708"/>
+        </p:xfrm>
+        <a:graphic>
+          <a:graphicData uri="http://schemas.openxmlformats.org/drawingml/2006/table">
+            <a:tbl>
+              <a:tblPr firstRow="1" bandRow="1">
+                <a:tableStyleId>{F2DE63D5-997A-4646-A377-4702673A728D}</a:tableStyleId>
+              </a:tblPr>
+              <a:tblGrid>
+                <a:gridCol w="3750056">
+                  <a:extLst>
+                    <a:ext uri="{9D8B030D-6E8A-4147-A177-3AD203B41FA5}">
+                      <a16:colId xmlns:a16="http://schemas.microsoft.com/office/drawing/2014/main" val="3371272573"/>
+                    </a:ext>
+                  </a:extLst>
+                </a:gridCol>
+                <a:gridCol w="3750056">
+                  <a:extLst>
+                    <a:ext uri="{9D8B030D-6E8A-4147-A177-3AD203B41FA5}">
+                      <a16:colId xmlns:a16="http://schemas.microsoft.com/office/drawing/2014/main" val="1162278158"/>
+                    </a:ext>
+                  </a:extLst>
+                </a:gridCol>
+                <a:gridCol w="3750056">
+                  <a:extLst>
+                    <a:ext uri="{9D8B030D-6E8A-4147-A177-3AD203B41FA5}">
+                      <a16:colId xmlns:a16="http://schemas.microsoft.com/office/drawing/2014/main" val="3169032992"/>
+                    </a:ext>
+                  </a:extLst>
+                </a:gridCol>
+              </a:tblGrid>
+              <a:tr h="580352">
+                <a:tc>
+                  <a:txBody>
+                    <a:bodyPr/>
+                    <a:lstStyle/>
+                    <a:p>
+                      <a:pPr algn="ctr"/>
+                      <a:r>
+                        <a:rPr lang="en-GB" sz="2200" dirty="0"/>
+                        <a:t>s</a:t>
+                      </a:r>
+                      <a:r>
+                        <a:rPr lang="en-NL" sz="2200" dirty="0"/>
+                        <a:t>tatistics</a:t>
+                      </a:r>
+                      <a:endParaRPr lang="en-NL" sz="2200" dirty="0">
+                        <a:latin typeface="CMU SANS SERIF" panose="02000603000000000000" pitchFamily="2" charset="0"/>
+                        <a:ea typeface="CMU SANS SERIF" panose="02000603000000000000" pitchFamily="2" charset="0"/>
+                        <a:cs typeface="CMU SANS SERIF" panose="02000603000000000000" pitchFamily="2" charset="0"/>
+                      </a:endParaRPr>
+                    </a:p>
+                  </a:txBody>
+                  <a:tcPr marL="84376" marR="84376" marT="0" marB="0" anchor="ctr"/>
+                </a:tc>
+                <a:tc>
+                  <a:txBody>
+                    <a:bodyPr/>
+                    <a:lstStyle/>
+                    <a:p>
+                      <a:pPr algn="ctr"/>
+                      <a:r>
+                        <a:rPr lang="en-GB" sz="2200" dirty="0"/>
+                        <a:t>b</a:t>
+                      </a:r>
+                      <a:r>
+                        <a:rPr lang="en-NL" sz="2200" dirty="0"/>
+                        <a:t>oth</a:t>
+                      </a:r>
+                      <a:endParaRPr lang="en-NL" sz="2200" dirty="0">
+                        <a:latin typeface="CMU SANS SERIF" panose="02000603000000000000" pitchFamily="2" charset="0"/>
+                        <a:ea typeface="CMU SANS SERIF" panose="02000603000000000000" pitchFamily="2" charset="0"/>
+                        <a:cs typeface="CMU SANS SERIF" panose="02000603000000000000" pitchFamily="2" charset="0"/>
+                      </a:endParaRPr>
+                    </a:p>
+                  </a:txBody>
+                  <a:tcPr marL="84376" marR="84376" marT="0" marB="0" anchor="ctr"/>
+                </a:tc>
+                <a:tc>
+                  <a:txBody>
+                    <a:bodyPr/>
+                    <a:lstStyle/>
+                    <a:p>
+                      <a:pPr algn="ctr"/>
+                      <a:r>
+                        <a:rPr lang="en-NL" sz="2200" dirty="0"/>
+                        <a:t>AI / Deep Learning</a:t>
+                      </a:r>
+                      <a:endParaRPr lang="en-NL" sz="2200" dirty="0">
+                        <a:latin typeface="CMU SANS SERIF" panose="02000603000000000000" pitchFamily="2" charset="0"/>
+                        <a:ea typeface="CMU SANS SERIF" panose="02000603000000000000" pitchFamily="2" charset="0"/>
+                        <a:cs typeface="CMU SANS SERIF" panose="02000603000000000000" pitchFamily="2" charset="0"/>
+                      </a:endParaRPr>
+                    </a:p>
+                  </a:txBody>
+                  <a:tcPr marL="84376" marR="84376" marT="0" marB="0" anchor="ctr"/>
+                </a:tc>
+                <a:extLst>
+                  <a:ext uri="{0D108BD9-81ED-4DB2-BD59-A6C34878D82A}">
+                    <a16:rowId xmlns:a16="http://schemas.microsoft.com/office/drawing/2014/main" val="2420362543"/>
+                  </a:ext>
+                </a:extLst>
+              </a:tr>
+              <a:tr h="580352">
+                <a:tc>
+                  <a:txBody>
+                    <a:bodyPr/>
+                    <a:lstStyle/>
+                    <a:p>
+                      <a:pPr algn="ctr"/>
+                      <a:r>
+                        <a:rPr lang="en-NL" sz="2200" dirty="0"/>
+                        <a:t>model family: restricted</a:t>
+                      </a:r>
+                      <a:endParaRPr lang="en-NL" sz="2200" dirty="0">
+                        <a:latin typeface="CMU SANS SERIF" panose="02000603000000000000" pitchFamily="2" charset="0"/>
+                        <a:ea typeface="CMU SANS SERIF" panose="02000603000000000000" pitchFamily="2" charset="0"/>
+                        <a:cs typeface="CMU SANS SERIF" panose="02000603000000000000" pitchFamily="2" charset="0"/>
+                      </a:endParaRPr>
+                    </a:p>
+                  </a:txBody>
+                  <a:tcPr marL="84376" marR="84376" marT="0" marB="0" anchor="ctr"/>
+                </a:tc>
+                <a:tc>
+                  <a:txBody>
+                    <a:bodyPr/>
+                    <a:lstStyle/>
+                    <a:p>
+                      <a:pPr algn="ctr"/>
+                      <a:endParaRPr lang="en-NL" sz="2200" dirty="0">
+                        <a:latin typeface="CMU SANS SERIF" panose="02000603000000000000" pitchFamily="2" charset="0"/>
+                        <a:ea typeface="CMU SANS SERIF" panose="02000603000000000000" pitchFamily="2" charset="0"/>
+                        <a:cs typeface="CMU SANS SERIF" panose="02000603000000000000" pitchFamily="2" charset="0"/>
+                      </a:endParaRPr>
+                    </a:p>
+                  </a:txBody>
+                  <a:tcPr marL="84376" marR="84376" marT="0" marB="0" anchor="ctr"/>
+                </a:tc>
+                <a:tc>
+                  <a:txBody>
+                    <a:bodyPr/>
+                    <a:lstStyle/>
+                    <a:p>
+                      <a:pPr algn="ctr"/>
+                      <a:r>
+                        <a:rPr lang="en-NL" sz="2200" dirty="0"/>
+                        <a:t>model family: wide</a:t>
+                      </a:r>
+                      <a:endParaRPr lang="en-NL" sz="2200" dirty="0">
+                        <a:latin typeface="CMU SANS SERIF" panose="02000603000000000000" pitchFamily="2" charset="0"/>
+                        <a:ea typeface="CMU SANS SERIF" panose="02000603000000000000" pitchFamily="2" charset="0"/>
+                        <a:cs typeface="CMU SANS SERIF" panose="02000603000000000000" pitchFamily="2" charset="0"/>
+                      </a:endParaRPr>
+                    </a:p>
+                  </a:txBody>
+                  <a:tcPr marL="84376" marR="84376" marT="0" marB="0" anchor="ctr"/>
+                </a:tc>
+                <a:extLst>
+                  <a:ext uri="{0D108BD9-81ED-4DB2-BD59-A6C34878D82A}">
+                    <a16:rowId xmlns:a16="http://schemas.microsoft.com/office/drawing/2014/main" val="3040126660"/>
+                  </a:ext>
+                </a:extLst>
+              </a:tr>
+              <a:tr h="1001703">
+                <a:tc>
+                  <a:txBody>
+                    <a:bodyPr/>
+                    <a:lstStyle/>
+                    <a:p>
+                      <a:pPr algn="ctr"/>
+                      <a:r>
+                        <a:rPr lang="en-NL" sz="2200" dirty="0"/>
+                        <a:t>logistic loss: -log likelihood</a:t>
+                      </a:r>
+                      <a:endParaRPr lang="en-NL" sz="2200" dirty="0">
+                        <a:latin typeface="CMU SANS SERIF" panose="02000603000000000000" pitchFamily="2" charset="0"/>
+                        <a:ea typeface="CMU SANS SERIF" panose="02000603000000000000" pitchFamily="2" charset="0"/>
+                        <a:cs typeface="CMU SANS SERIF" panose="02000603000000000000" pitchFamily="2" charset="0"/>
+                      </a:endParaRPr>
+                    </a:p>
+                  </a:txBody>
+                  <a:tcPr marL="84376" marR="84376" marT="0" marB="0" anchor="ctr"/>
+                </a:tc>
+                <a:tc>
+                  <a:txBody>
+                    <a:bodyPr/>
+                    <a:lstStyle/>
+                    <a:p>
+                      <a:pPr algn="ctr"/>
+                      <a:r>
+                        <a:rPr lang="en-NL" sz="2200" dirty="0"/>
+                        <a:t>optimize model fit to data with loss function</a:t>
+                      </a:r>
+                      <a:endParaRPr lang="en-NL" sz="2200" dirty="0">
+                        <a:latin typeface="CMU SANS SERIF" panose="02000603000000000000" pitchFamily="2" charset="0"/>
+                        <a:ea typeface="CMU SANS SERIF" panose="02000603000000000000" pitchFamily="2" charset="0"/>
+                        <a:cs typeface="CMU SANS SERIF" panose="02000603000000000000" pitchFamily="2" charset="0"/>
+                      </a:endParaRPr>
+                    </a:p>
+                  </a:txBody>
+                  <a:tcPr marL="84376" marR="84376" marT="0" marB="0" anchor="ctr"/>
+                </a:tc>
+                <a:tc>
+                  <a:txBody>
+                    <a:bodyPr/>
+                    <a:lstStyle/>
+                    <a:p>
+                      <a:pPr algn="ctr"/>
+                      <a:r>
+                        <a:rPr lang="en-NL" sz="2200" dirty="0"/>
+                        <a:t>logistic loss: cross-entropy</a:t>
+                      </a:r>
+                      <a:endParaRPr lang="en-NL" sz="2200" dirty="0">
+                        <a:latin typeface="CMU SANS SERIF" panose="02000603000000000000" pitchFamily="2" charset="0"/>
+                        <a:ea typeface="CMU SANS SERIF" panose="02000603000000000000" pitchFamily="2" charset="0"/>
+                        <a:cs typeface="CMU SANS SERIF" panose="02000603000000000000" pitchFamily="2" charset="0"/>
+                      </a:endParaRPr>
+                    </a:p>
+                  </a:txBody>
+                  <a:tcPr marL="84376" marR="84376" marT="0" marB="0" anchor="ctr"/>
+                </a:tc>
+                <a:extLst>
+                  <a:ext uri="{0D108BD9-81ED-4DB2-BD59-A6C34878D82A}">
+                    <a16:rowId xmlns:a16="http://schemas.microsoft.com/office/drawing/2014/main" val="3077328846"/>
+                  </a:ext>
+                </a:extLst>
+              </a:tr>
+              <a:tr h="580352">
+                <a:tc>
+                  <a:txBody>
+                    <a:bodyPr/>
+                    <a:lstStyle/>
+                    <a:p>
+                      <a:pPr algn="ctr"/>
+                      <a:r>
+                        <a:rPr lang="en-GB" sz="2200" dirty="0"/>
+                        <a:t>parameter</a:t>
+                      </a:r>
+                      <a:r>
+                        <a:rPr lang="en-NL" sz="2200" dirty="0"/>
+                        <a:t> = coefficient</a:t>
+                      </a:r>
+                      <a:endParaRPr lang="en-NL" sz="2200" dirty="0">
+                        <a:latin typeface="CMU SANS SERIF" panose="02000603000000000000" pitchFamily="2" charset="0"/>
+                        <a:ea typeface="CMU SANS SERIF" panose="02000603000000000000" pitchFamily="2" charset="0"/>
+                        <a:cs typeface="CMU SANS SERIF" panose="02000603000000000000" pitchFamily="2" charset="0"/>
+                      </a:endParaRPr>
+                    </a:p>
+                  </a:txBody>
+                  <a:tcPr marL="84376" marR="84376" marT="0" marB="0" anchor="ctr"/>
+                </a:tc>
+                <a:tc>
+                  <a:txBody>
+                    <a:bodyPr/>
+                    <a:lstStyle/>
+                    <a:p>
+                      <a:pPr algn="ctr"/>
+                      <a:endParaRPr lang="en-NL" sz="2200" dirty="0">
+                        <a:latin typeface="CMU SANS SERIF" panose="02000603000000000000" pitchFamily="2" charset="0"/>
+                        <a:ea typeface="CMU SANS SERIF" panose="02000603000000000000" pitchFamily="2" charset="0"/>
+                        <a:cs typeface="CMU SANS SERIF" panose="02000603000000000000" pitchFamily="2" charset="0"/>
+                      </a:endParaRPr>
+                    </a:p>
+                  </a:txBody>
+                  <a:tcPr marL="84376" marR="84376" marT="0" marB="0" anchor="ctr"/>
+                </a:tc>
+                <a:tc>
+                  <a:txBody>
+                    <a:bodyPr/>
+                    <a:lstStyle/>
+                    <a:p>
+                      <a:pPr algn="ctr"/>
+                      <a:r>
+                        <a:rPr lang="en-NL" sz="2200" dirty="0"/>
+                        <a:t>parameter = weight</a:t>
+                      </a:r>
+                      <a:endParaRPr lang="en-NL" sz="2200" dirty="0">
+                        <a:latin typeface="CMU SANS SERIF" panose="02000603000000000000" pitchFamily="2" charset="0"/>
+                        <a:ea typeface="CMU SANS SERIF" panose="02000603000000000000" pitchFamily="2" charset="0"/>
+                        <a:cs typeface="CMU SANS SERIF" panose="02000603000000000000" pitchFamily="2" charset="0"/>
+                      </a:endParaRPr>
+                    </a:p>
+                  </a:txBody>
+                  <a:tcPr marL="84376" marR="84376" marT="0" marB="0" anchor="ctr"/>
+                </a:tc>
+                <a:extLst>
+                  <a:ext uri="{0D108BD9-81ED-4DB2-BD59-A6C34878D82A}">
+                    <a16:rowId xmlns:a16="http://schemas.microsoft.com/office/drawing/2014/main" val="3790566298"/>
+                  </a:ext>
+                </a:extLst>
+              </a:tr>
+              <a:tr h="1001703">
+                <a:tc>
+                  <a:txBody>
+                    <a:bodyPr/>
+                    <a:lstStyle/>
+                    <a:p>
+                      <a:pPr algn="ctr"/>
+                      <a:r>
+                        <a:rPr lang="en-NL" sz="2200" dirty="0"/>
+                        <a:t>parameter count ∝ complexity</a:t>
+                      </a:r>
+                      <a:endParaRPr lang="en-NL" sz="2200" dirty="0">
+                        <a:latin typeface="CMU SANS SERIF" panose="02000603000000000000" pitchFamily="2" charset="0"/>
+                        <a:ea typeface="CMU SANS SERIF" panose="02000603000000000000" pitchFamily="2" charset="0"/>
+                        <a:cs typeface="CMU SANS SERIF" panose="02000603000000000000" pitchFamily="2" charset="0"/>
+                      </a:endParaRPr>
+                    </a:p>
+                  </a:txBody>
+                  <a:tcPr marL="84376" marR="84376" marT="0" marB="0" anchor="ctr"/>
+                </a:tc>
+                <a:tc>
+                  <a:txBody>
+                    <a:bodyPr/>
+                    <a:lstStyle/>
+                    <a:p>
+                      <a:pPr marL="0" marR="0" lvl="0" indent="0" algn="ctr" defTabSz="914400" rtl="0" eaLnBrk="1" fontAlgn="auto" latinLnBrk="0" hangingPunct="1">
+                        <a:lnSpc>
+                          <a:spcPct val="100000"/>
+                        </a:lnSpc>
+                        <a:spcBef>
+                          <a:spcPts val="0"/>
+                        </a:spcBef>
+                        <a:spcAft>
+                          <a:spcPts val="0"/>
+                        </a:spcAft>
+                        <a:buClrTx/>
+                        <a:buSzTx/>
+                        <a:buFontTx/>
+                        <a:buNone/>
+                        <a:tabLst/>
+                        <a:defRPr/>
+                      </a:pPr>
+                      <a:r>
+                        <a:rPr lang="en-NL" sz="2200" dirty="0"/>
+                        <a:t>L1 / L2 regularization</a:t>
+                      </a:r>
+                      <a:endParaRPr lang="en-NL" sz="2200" dirty="0">
+                        <a:latin typeface="CMU SANS SERIF" panose="02000603000000000000" pitchFamily="2" charset="0"/>
+                        <a:ea typeface="CMU SANS SERIF" panose="02000603000000000000" pitchFamily="2" charset="0"/>
+                        <a:cs typeface="CMU SANS SERIF" panose="02000603000000000000" pitchFamily="2" charset="0"/>
+                      </a:endParaRPr>
+                    </a:p>
+                  </a:txBody>
+                  <a:tcPr marL="84376" marR="84376" marT="0" marB="0" anchor="ctr"/>
+                </a:tc>
+                <a:tc>
+                  <a:txBody>
+                    <a:bodyPr/>
+                    <a:lstStyle/>
+                    <a:p>
+                      <a:pPr algn="ctr"/>
+                      <a:r>
+                        <a:rPr lang="en-NL" sz="2200" dirty="0"/>
+                        <a:t>early stopping, drop-out, stochastic gradient descent, …</a:t>
+                      </a:r>
+                      <a:endParaRPr lang="en-NL" sz="2200" dirty="0">
+                        <a:latin typeface="CMU SANS SERIF" panose="02000603000000000000" pitchFamily="2" charset="0"/>
+                        <a:ea typeface="CMU SANS SERIF" panose="02000603000000000000" pitchFamily="2" charset="0"/>
+                        <a:cs typeface="CMU SANS SERIF" panose="02000603000000000000" pitchFamily="2" charset="0"/>
+                      </a:endParaRPr>
+                    </a:p>
+                  </a:txBody>
+                  <a:tcPr marL="84376" marR="84376" marT="0" marB="0" anchor="ctr"/>
+                </a:tc>
+                <a:extLst>
+                  <a:ext uri="{0D108BD9-81ED-4DB2-BD59-A6C34878D82A}">
+                    <a16:rowId xmlns:a16="http://schemas.microsoft.com/office/drawing/2014/main" val="660911098"/>
+                  </a:ext>
+                </a:extLst>
+              </a:tr>
+              <a:tr h="1001703">
+                <a:tc>
+                  <a:txBody>
+                    <a:bodyPr/>
+                    <a:lstStyle/>
+                    <a:p>
+                      <a:pPr algn="ctr"/>
+                      <a:endParaRPr lang="en-NL" sz="2200" dirty="0">
+                        <a:latin typeface="CMU SANS SERIF" panose="02000603000000000000" pitchFamily="2" charset="0"/>
+                        <a:ea typeface="CMU SANS SERIF" panose="02000603000000000000" pitchFamily="2" charset="0"/>
+                        <a:cs typeface="CMU SANS SERIF" panose="02000603000000000000" pitchFamily="2" charset="0"/>
+                      </a:endParaRPr>
+                    </a:p>
+                  </a:txBody>
+                  <a:tcPr marL="84376" marR="84376" marT="0" marB="0" anchor="ctr"/>
+                </a:tc>
+                <a:tc>
+                  <a:txBody>
+                    <a:bodyPr/>
+                    <a:lstStyle/>
+                    <a:p>
+                      <a:pPr marL="0" marR="0" lvl="0" indent="0" algn="ctr" defTabSz="914400" rtl="0" eaLnBrk="1" fontAlgn="auto" latinLnBrk="0" hangingPunct="1">
+                        <a:lnSpc>
+                          <a:spcPct val="100000"/>
+                        </a:lnSpc>
+                        <a:spcBef>
+                          <a:spcPts val="0"/>
+                        </a:spcBef>
+                        <a:spcAft>
+                          <a:spcPts val="0"/>
+                        </a:spcAft>
+                        <a:buClrTx/>
+                        <a:buSzTx/>
+                        <a:buFontTx/>
+                        <a:buNone/>
+                        <a:tabLst/>
+                        <a:defRPr/>
+                      </a:pPr>
+                      <a:r>
+                        <a:rPr lang="en-NL" sz="2200" dirty="0"/>
+                        <a:t>model statistical dependencies</a:t>
+                      </a:r>
+                      <a:endParaRPr lang="en-NL" sz="2200" dirty="0">
+                        <a:latin typeface="CMU SANS SERIF" panose="02000603000000000000" pitchFamily="2" charset="0"/>
+                        <a:ea typeface="CMU SANS SERIF" panose="02000603000000000000" pitchFamily="2" charset="0"/>
+                        <a:cs typeface="CMU SANS SERIF" panose="02000603000000000000" pitchFamily="2" charset="0"/>
+                      </a:endParaRPr>
+                    </a:p>
+                  </a:txBody>
+                  <a:tcPr marL="84376" marR="84376" marT="0" marB="0" anchor="ctr"/>
+                </a:tc>
+                <a:tc>
+                  <a:txBody>
+                    <a:bodyPr/>
+                    <a:lstStyle/>
+                    <a:p>
+                      <a:pPr marL="0" marR="0" lvl="0" indent="0" algn="ctr" defTabSz="914400" rtl="0" eaLnBrk="1" fontAlgn="auto" latinLnBrk="0" hangingPunct="1">
+                        <a:lnSpc>
+                          <a:spcPct val="100000"/>
+                        </a:lnSpc>
+                        <a:spcBef>
+                          <a:spcPts val="0"/>
+                        </a:spcBef>
+                        <a:spcAft>
+                          <a:spcPts val="0"/>
+                        </a:spcAft>
+                        <a:buClrTx/>
+                        <a:buSzTx/>
+                        <a:buFontTx/>
+                        <a:buNone/>
+                        <a:tabLst/>
+                        <a:defRPr/>
+                      </a:pPr>
+                      <a:r>
+                        <a:rPr lang="en-NL" sz="2200" dirty="0"/>
+                        <a:t>learn representation of ‘unstructured’ data</a:t>
+                      </a:r>
+                      <a:endParaRPr lang="en-NL" sz="2200" dirty="0">
+                        <a:latin typeface="CMU SANS SERIF" panose="02000603000000000000" pitchFamily="2" charset="0"/>
+                        <a:ea typeface="CMU SANS SERIF" panose="02000603000000000000" pitchFamily="2" charset="0"/>
+                        <a:cs typeface="CMU SANS SERIF" panose="02000603000000000000" pitchFamily="2" charset="0"/>
+                      </a:endParaRPr>
+                    </a:p>
+                  </a:txBody>
+                  <a:tcPr marL="84376" marR="84376" marT="0" marB="0" anchor="ctr"/>
+                </a:tc>
+                <a:extLst>
+                  <a:ext uri="{0D108BD9-81ED-4DB2-BD59-A6C34878D82A}">
+                    <a16:rowId xmlns:a16="http://schemas.microsoft.com/office/drawing/2014/main" val="3939667607"/>
+                  </a:ext>
+                </a:extLst>
+              </a:tr>
+              <a:tr h="1001703">
+                <a:tc>
+                  <a:txBody>
+                    <a:bodyPr/>
+                    <a:lstStyle/>
+                    <a:p>
+                      <a:pPr marL="0" marR="0" lvl="0" indent="0" algn="ctr" defTabSz="914400" rtl="0" eaLnBrk="1" fontAlgn="auto" latinLnBrk="0" hangingPunct="1">
+                        <a:lnSpc>
+                          <a:spcPct val="100000"/>
+                        </a:lnSpc>
+                        <a:spcBef>
+                          <a:spcPts val="0"/>
+                        </a:spcBef>
+                        <a:spcAft>
+                          <a:spcPts val="0"/>
+                        </a:spcAft>
+                        <a:buClrTx/>
+                        <a:buSzTx/>
+                        <a:buFontTx/>
+                        <a:buNone/>
+                        <a:tabLst/>
+                        <a:defRPr/>
+                      </a:pPr>
+                      <a:endParaRPr lang="en-NL" sz="2200" dirty="0">
+                        <a:latin typeface="CMU SANS SERIF" panose="02000603000000000000" pitchFamily="2" charset="0"/>
+                        <a:ea typeface="CMU SANS SERIF" panose="02000603000000000000" pitchFamily="2" charset="0"/>
+                        <a:cs typeface="CMU SANS SERIF" panose="02000603000000000000" pitchFamily="2" charset="0"/>
+                      </a:endParaRPr>
+                    </a:p>
+                  </a:txBody>
+                  <a:tcPr marL="84376" marR="84376" marT="0" marB="0" anchor="ctr"/>
+                </a:tc>
+                <a:tc>
+                  <a:txBody>
+                    <a:bodyPr/>
+                    <a:lstStyle/>
+                    <a:p>
+                      <a:pPr marL="0" marR="0" lvl="0" indent="0" algn="ctr" defTabSz="914400" rtl="0" eaLnBrk="1" fontAlgn="auto" latinLnBrk="0" hangingPunct="1">
+                        <a:lnSpc>
+                          <a:spcPct val="100000"/>
+                        </a:lnSpc>
+                        <a:spcBef>
+                          <a:spcPts val="0"/>
+                        </a:spcBef>
+                        <a:spcAft>
+                          <a:spcPts val="0"/>
+                        </a:spcAft>
+                        <a:buClrTx/>
+                        <a:buSzTx/>
+                        <a:buFontTx/>
+                        <a:buNone/>
+                        <a:tabLst/>
+                        <a:defRPr/>
+                      </a:pPr>
+                      <a:endParaRPr lang="en-NL" sz="2200" dirty="0">
+                        <a:latin typeface="CMU SANS SERIF" panose="02000603000000000000" pitchFamily="2" charset="0"/>
+                        <a:ea typeface="CMU SANS SERIF" panose="02000603000000000000" pitchFamily="2" charset="0"/>
+                        <a:cs typeface="CMU SANS SERIF" panose="02000603000000000000" pitchFamily="2" charset="0"/>
+                      </a:endParaRPr>
+                    </a:p>
+                  </a:txBody>
+                  <a:tcPr marL="84376" marR="84376" marT="0" marB="0" anchor="ctr"/>
+                </a:tc>
+                <a:tc>
+                  <a:txBody>
+                    <a:bodyPr/>
+                    <a:lstStyle/>
+                    <a:p>
+                      <a:pPr algn="ctr"/>
+                      <a:endParaRPr lang="en-NL" sz="2200" dirty="0">
+                        <a:latin typeface="CMU SANS SERIF" panose="02000603000000000000" pitchFamily="2" charset="0"/>
+                        <a:ea typeface="CMU SANS SERIF" panose="02000603000000000000" pitchFamily="2" charset="0"/>
+                        <a:cs typeface="CMU SANS SERIF" panose="02000603000000000000" pitchFamily="2" charset="0"/>
+                      </a:endParaRPr>
+                    </a:p>
+                  </a:txBody>
+                  <a:tcPr marL="84376" marR="84376" marT="0" marB="0" anchor="ctr"/>
+                </a:tc>
+                <a:extLst>
+                  <a:ext uri="{0D108BD9-81ED-4DB2-BD59-A6C34878D82A}">
+                    <a16:rowId xmlns:a16="http://schemas.microsoft.com/office/drawing/2014/main" val="2284925830"/>
+                  </a:ext>
+                </a:extLst>
+              </a:tr>
+              <a:tr h="1001703">
+                <a:tc>
+                  <a:txBody>
+                    <a:bodyPr/>
+                    <a:lstStyle/>
+                    <a:p>
+                      <a:pPr algn="ctr"/>
+                      <a:endParaRPr lang="en-NL" sz="2200" dirty="0">
+                        <a:latin typeface="CMU SANS SERIF" panose="02000603000000000000" pitchFamily="2" charset="0"/>
+                        <a:ea typeface="CMU SANS SERIF" panose="02000603000000000000" pitchFamily="2" charset="0"/>
+                        <a:cs typeface="CMU SANS SERIF" panose="02000603000000000000" pitchFamily="2" charset="0"/>
+                      </a:endParaRPr>
+                    </a:p>
+                  </a:txBody>
+                  <a:tcPr marL="84376" marR="84376" marT="0" marB="0" anchor="ctr"/>
+                </a:tc>
+                <a:tc>
+                  <a:txBody>
+                    <a:bodyPr/>
+                    <a:lstStyle/>
+                    <a:p>
+                      <a:pPr algn="ctr"/>
+                      <a:endParaRPr lang="en-NL" sz="2200" dirty="0">
+                        <a:latin typeface="CMU SANS SERIF" panose="02000603000000000000" pitchFamily="2" charset="0"/>
+                        <a:ea typeface="CMU SANS SERIF" panose="02000603000000000000" pitchFamily="2" charset="0"/>
+                        <a:cs typeface="CMU SANS SERIF" panose="02000603000000000000" pitchFamily="2" charset="0"/>
+                      </a:endParaRPr>
+                    </a:p>
+                  </a:txBody>
+                  <a:tcPr marL="84376" marR="84376" marT="0" marB="0" anchor="ctr"/>
+                </a:tc>
+                <a:tc>
+                  <a:txBody>
+                    <a:bodyPr/>
+                    <a:lstStyle/>
+                    <a:p>
+                      <a:pPr algn="ctr"/>
+                      <a:endParaRPr lang="en-NL" sz="2200" dirty="0">
+                        <a:latin typeface="CMU SANS SERIF" panose="02000603000000000000" pitchFamily="2" charset="0"/>
+                        <a:ea typeface="CMU SANS SERIF" panose="02000603000000000000" pitchFamily="2" charset="0"/>
+                        <a:cs typeface="CMU SANS SERIF" panose="02000603000000000000" pitchFamily="2" charset="0"/>
+                      </a:endParaRPr>
+                    </a:p>
+                  </a:txBody>
+                  <a:tcPr marL="84376" marR="84376" marT="0" marB="0" anchor="ctr"/>
+                </a:tc>
+                <a:extLst>
+                  <a:ext uri="{0D108BD9-81ED-4DB2-BD59-A6C34878D82A}">
+                    <a16:rowId xmlns:a16="http://schemas.microsoft.com/office/drawing/2014/main" val="958352866"/>
+                  </a:ext>
+                </a:extLst>
+              </a:tr>
+            </a:tbl>
+          </a:graphicData>
+        </a:graphic>
+      </p:graphicFrame>
+    </p:spTree>
+    <p:extLst>
+      <p:ext uri="{BB962C8B-B14F-4D97-AF65-F5344CB8AC3E}">
+        <p14:creationId xmlns:p14="http://schemas.microsoft.com/office/powerpoint/2010/main" val="2717208659"/>
+      </p:ext>
+    </p:extLst>
+  </p:cSld>
+  <p:clrMapOvr>
+    <a:masterClrMapping/>
+  </p:clrMapOvr>
+</p:sld>
+</file>
+
+<file path=ppt/slides/slide6.xml><?xml version="1.0" encoding="utf-8"?>
+<p:sld xmlns:a="http://schemas.openxmlformats.org/drawingml/2006/main" xmlns:r="http://schemas.openxmlformats.org/officeDocument/2006/relationships" xmlns:p="http://schemas.openxmlformats.org/presentationml/2006/main">
+  <p:cSld>
+    <p:spTree>
+      <p:nvGrpSpPr>
+        <p:cNvPr id="1" name="">
+          <a:extLst>
+            <a:ext uri="{FF2B5EF4-FFF2-40B4-BE49-F238E27FC236}">
+              <a16:creationId xmlns:a16="http://schemas.microsoft.com/office/drawing/2014/main" id="{C258EE43-6668-6C20-05B7-55545F306F84}"/>
+            </a:ext>
+          </a:extLst>
+        </p:cNvPr>
+        <p:cNvGrpSpPr/>
+        <p:nvPr/>
+      </p:nvGrpSpPr>
+      <p:grpSpPr>
+        <a:xfrm>
+          <a:off x="0" y="0"/>
+          <a:ext cx="0" cy="0"/>
+          <a:chOff x="0" y="0"/>
+          <a:chExt cx="0" cy="0"/>
+        </a:xfrm>
+      </p:grpSpPr>
+      <p:graphicFrame>
+        <p:nvGraphicFramePr>
+          <p:cNvPr id="4" name="Table 3">
+            <a:extLst>
+              <a:ext uri="{FF2B5EF4-FFF2-40B4-BE49-F238E27FC236}">
+                <a16:creationId xmlns:a16="http://schemas.microsoft.com/office/drawing/2014/main" id="{BC735269-3602-FD25-503C-8FE2AFD5EC80}"/>
+              </a:ext>
+            </a:extLst>
+          </p:cNvPr>
+          <p:cNvGraphicFramePr>
+            <a:graphicFrameLocks noGrp="1"/>
+          </p:cNvGraphicFramePr>
+          <p:nvPr>
+            <p:extLst>
+              <p:ext uri="{D42A27DB-BD31-4B8C-83A1-F6EECF244321}">
+                <p14:modId xmlns:p14="http://schemas.microsoft.com/office/powerpoint/2010/main" val="3569218077"/>
+              </p:ext>
+            </p:extLst>
+          </p:nvPr>
+        </p:nvGraphicFramePr>
+        <p:xfrm>
+          <a:off x="470916" y="73152"/>
+          <a:ext cx="11250168" cy="6753708"/>
+        </p:xfrm>
+        <a:graphic>
+          <a:graphicData uri="http://schemas.openxmlformats.org/drawingml/2006/table">
+            <a:tbl>
+              <a:tblPr firstRow="1" bandRow="1">
+                <a:tableStyleId>{F2DE63D5-997A-4646-A377-4702673A728D}</a:tableStyleId>
+              </a:tblPr>
+              <a:tblGrid>
+                <a:gridCol w="3750056">
+                  <a:extLst>
+                    <a:ext uri="{9D8B030D-6E8A-4147-A177-3AD203B41FA5}">
+                      <a16:colId xmlns:a16="http://schemas.microsoft.com/office/drawing/2014/main" val="3371272573"/>
+                    </a:ext>
+                  </a:extLst>
+                </a:gridCol>
+                <a:gridCol w="3750056">
+                  <a:extLst>
+                    <a:ext uri="{9D8B030D-6E8A-4147-A177-3AD203B41FA5}">
+                      <a16:colId xmlns:a16="http://schemas.microsoft.com/office/drawing/2014/main" val="1162278158"/>
+                    </a:ext>
+                  </a:extLst>
+                </a:gridCol>
+                <a:gridCol w="3750056">
+                  <a:extLst>
+                    <a:ext uri="{9D8B030D-6E8A-4147-A177-3AD203B41FA5}">
+                      <a16:colId xmlns:a16="http://schemas.microsoft.com/office/drawing/2014/main" val="3169032992"/>
+                    </a:ext>
+                  </a:extLst>
+                </a:gridCol>
+              </a:tblGrid>
+              <a:tr h="580352">
+                <a:tc>
+                  <a:txBody>
+                    <a:bodyPr/>
+                    <a:lstStyle/>
+                    <a:p>
+                      <a:pPr algn="ctr"/>
+                      <a:r>
+                        <a:rPr lang="en-GB" sz="2200" dirty="0"/>
+                        <a:t>s</a:t>
+                      </a:r>
+                      <a:r>
+                        <a:rPr lang="en-NL" sz="2200" dirty="0"/>
+                        <a:t>tatistics</a:t>
+                      </a:r>
+                      <a:endParaRPr lang="en-NL" sz="2200" dirty="0">
+                        <a:latin typeface="CMU SANS SERIF" panose="02000603000000000000" pitchFamily="2" charset="0"/>
+                        <a:ea typeface="CMU SANS SERIF" panose="02000603000000000000" pitchFamily="2" charset="0"/>
+                        <a:cs typeface="CMU SANS SERIF" panose="02000603000000000000" pitchFamily="2" charset="0"/>
+                      </a:endParaRPr>
+                    </a:p>
+                  </a:txBody>
+                  <a:tcPr marL="84376" marR="84376" marT="0" marB="0" anchor="ctr"/>
+                </a:tc>
+                <a:tc>
+                  <a:txBody>
+                    <a:bodyPr/>
+                    <a:lstStyle/>
+                    <a:p>
+                      <a:pPr algn="ctr"/>
+                      <a:r>
+                        <a:rPr lang="en-GB" sz="2200" dirty="0"/>
+                        <a:t>b</a:t>
+                      </a:r>
+                      <a:r>
+                        <a:rPr lang="en-NL" sz="2200" dirty="0"/>
+                        <a:t>oth</a:t>
+                      </a:r>
+                      <a:endParaRPr lang="en-NL" sz="2200" dirty="0">
+                        <a:latin typeface="CMU SANS SERIF" panose="02000603000000000000" pitchFamily="2" charset="0"/>
+                        <a:ea typeface="CMU SANS SERIF" panose="02000603000000000000" pitchFamily="2" charset="0"/>
+                        <a:cs typeface="CMU SANS SERIF" panose="02000603000000000000" pitchFamily="2" charset="0"/>
+                      </a:endParaRPr>
+                    </a:p>
+                  </a:txBody>
+                  <a:tcPr marL="84376" marR="84376" marT="0" marB="0" anchor="ctr"/>
+                </a:tc>
+                <a:tc>
+                  <a:txBody>
+                    <a:bodyPr/>
+                    <a:lstStyle/>
+                    <a:p>
+                      <a:pPr algn="ctr"/>
+                      <a:r>
+                        <a:rPr lang="en-NL" sz="2200" dirty="0"/>
+                        <a:t>AI / Deep Learning</a:t>
+                      </a:r>
+                      <a:endParaRPr lang="en-NL" sz="2200" dirty="0">
+                        <a:latin typeface="CMU SANS SERIF" panose="02000603000000000000" pitchFamily="2" charset="0"/>
+                        <a:ea typeface="CMU SANS SERIF" panose="02000603000000000000" pitchFamily="2" charset="0"/>
+                        <a:cs typeface="CMU SANS SERIF" panose="02000603000000000000" pitchFamily="2" charset="0"/>
+                      </a:endParaRPr>
+                    </a:p>
+                  </a:txBody>
+                  <a:tcPr marL="84376" marR="84376" marT="0" marB="0" anchor="ctr"/>
+                </a:tc>
+                <a:extLst>
+                  <a:ext uri="{0D108BD9-81ED-4DB2-BD59-A6C34878D82A}">
+                    <a16:rowId xmlns:a16="http://schemas.microsoft.com/office/drawing/2014/main" val="2420362543"/>
+                  </a:ext>
+                </a:extLst>
+              </a:tr>
+              <a:tr h="580352">
+                <a:tc>
+                  <a:txBody>
+                    <a:bodyPr/>
+                    <a:lstStyle/>
+                    <a:p>
+                      <a:pPr algn="ctr"/>
+                      <a:r>
+                        <a:rPr lang="en-NL" sz="2200" dirty="0"/>
+                        <a:t>model family: restricted</a:t>
+                      </a:r>
+                      <a:endParaRPr lang="en-NL" sz="2200" dirty="0">
+                        <a:latin typeface="CMU SANS SERIF" panose="02000603000000000000" pitchFamily="2" charset="0"/>
+                        <a:ea typeface="CMU SANS SERIF" panose="02000603000000000000" pitchFamily="2" charset="0"/>
+                        <a:cs typeface="CMU SANS SERIF" panose="02000603000000000000" pitchFamily="2" charset="0"/>
+                      </a:endParaRPr>
+                    </a:p>
+                  </a:txBody>
+                  <a:tcPr marL="84376" marR="84376" marT="0" marB="0" anchor="ctr"/>
+                </a:tc>
+                <a:tc>
+                  <a:txBody>
+                    <a:bodyPr/>
+                    <a:lstStyle/>
+                    <a:p>
+                      <a:pPr algn="ctr"/>
+                      <a:endParaRPr lang="en-NL" sz="2200" dirty="0">
+                        <a:latin typeface="CMU SANS SERIF" panose="02000603000000000000" pitchFamily="2" charset="0"/>
+                        <a:ea typeface="CMU SANS SERIF" panose="02000603000000000000" pitchFamily="2" charset="0"/>
+                        <a:cs typeface="CMU SANS SERIF" panose="02000603000000000000" pitchFamily="2" charset="0"/>
+                      </a:endParaRPr>
+                    </a:p>
+                  </a:txBody>
+                  <a:tcPr marL="84376" marR="84376" marT="0" marB="0" anchor="ctr"/>
+                </a:tc>
+                <a:tc>
+                  <a:txBody>
+                    <a:bodyPr/>
+                    <a:lstStyle/>
+                    <a:p>
+                      <a:pPr algn="ctr"/>
+                      <a:r>
+                        <a:rPr lang="en-NL" sz="2200" dirty="0"/>
+                        <a:t>model family: wide</a:t>
+                      </a:r>
+                      <a:endParaRPr lang="en-NL" sz="2200" dirty="0">
+                        <a:latin typeface="CMU SANS SERIF" panose="02000603000000000000" pitchFamily="2" charset="0"/>
+                        <a:ea typeface="CMU SANS SERIF" panose="02000603000000000000" pitchFamily="2" charset="0"/>
+                        <a:cs typeface="CMU SANS SERIF" panose="02000603000000000000" pitchFamily="2" charset="0"/>
+                      </a:endParaRPr>
+                    </a:p>
+                  </a:txBody>
+                  <a:tcPr marL="84376" marR="84376" marT="0" marB="0" anchor="ctr"/>
+                </a:tc>
+                <a:extLst>
+                  <a:ext uri="{0D108BD9-81ED-4DB2-BD59-A6C34878D82A}">
+                    <a16:rowId xmlns:a16="http://schemas.microsoft.com/office/drawing/2014/main" val="3040126660"/>
+                  </a:ext>
+                </a:extLst>
+              </a:tr>
+              <a:tr h="1001703">
+                <a:tc>
+                  <a:txBody>
+                    <a:bodyPr/>
+                    <a:lstStyle/>
+                    <a:p>
+                      <a:pPr algn="ctr"/>
+                      <a:r>
+                        <a:rPr lang="en-NL" sz="2200" dirty="0"/>
+                        <a:t>logistic loss: -log likelihood</a:t>
+                      </a:r>
+                      <a:endParaRPr lang="en-NL" sz="2200" dirty="0">
+                        <a:latin typeface="CMU SANS SERIF" panose="02000603000000000000" pitchFamily="2" charset="0"/>
+                        <a:ea typeface="CMU SANS SERIF" panose="02000603000000000000" pitchFamily="2" charset="0"/>
+                        <a:cs typeface="CMU SANS SERIF" panose="02000603000000000000" pitchFamily="2" charset="0"/>
+                      </a:endParaRPr>
+                    </a:p>
+                  </a:txBody>
+                  <a:tcPr marL="84376" marR="84376" marT="0" marB="0" anchor="ctr"/>
+                </a:tc>
+                <a:tc>
+                  <a:txBody>
+                    <a:bodyPr/>
+                    <a:lstStyle/>
+                    <a:p>
+                      <a:pPr algn="ctr"/>
+                      <a:r>
+                        <a:rPr lang="en-NL" sz="2200" dirty="0"/>
+                        <a:t>optimize model fit to data with loss function</a:t>
+                      </a:r>
+                      <a:endParaRPr lang="en-NL" sz="2200" dirty="0">
+                        <a:latin typeface="CMU SANS SERIF" panose="02000603000000000000" pitchFamily="2" charset="0"/>
+                        <a:ea typeface="CMU SANS SERIF" panose="02000603000000000000" pitchFamily="2" charset="0"/>
+                        <a:cs typeface="CMU SANS SERIF" panose="02000603000000000000" pitchFamily="2" charset="0"/>
+                      </a:endParaRPr>
+                    </a:p>
+                  </a:txBody>
+                  <a:tcPr marL="84376" marR="84376" marT="0" marB="0" anchor="ctr"/>
+                </a:tc>
+                <a:tc>
+                  <a:txBody>
+                    <a:bodyPr/>
+                    <a:lstStyle/>
+                    <a:p>
+                      <a:pPr algn="ctr"/>
+                      <a:r>
+                        <a:rPr lang="en-NL" sz="2200" dirty="0"/>
+                        <a:t>logistic loss: cross-entropy</a:t>
+                      </a:r>
+                      <a:endParaRPr lang="en-NL" sz="2200" dirty="0">
+                        <a:latin typeface="CMU SANS SERIF" panose="02000603000000000000" pitchFamily="2" charset="0"/>
+                        <a:ea typeface="CMU SANS SERIF" panose="02000603000000000000" pitchFamily="2" charset="0"/>
+                        <a:cs typeface="CMU SANS SERIF" panose="02000603000000000000" pitchFamily="2" charset="0"/>
+                      </a:endParaRPr>
+                    </a:p>
+                  </a:txBody>
+                  <a:tcPr marL="84376" marR="84376" marT="0" marB="0" anchor="ctr"/>
+                </a:tc>
+                <a:extLst>
+                  <a:ext uri="{0D108BD9-81ED-4DB2-BD59-A6C34878D82A}">
+                    <a16:rowId xmlns:a16="http://schemas.microsoft.com/office/drawing/2014/main" val="3077328846"/>
+                  </a:ext>
+                </a:extLst>
+              </a:tr>
+              <a:tr h="580352">
+                <a:tc>
+                  <a:txBody>
+                    <a:bodyPr/>
+                    <a:lstStyle/>
+                    <a:p>
+                      <a:pPr algn="ctr"/>
+                      <a:r>
+                        <a:rPr lang="en-GB" sz="2200" dirty="0"/>
+                        <a:t>parameter</a:t>
+                      </a:r>
+                      <a:r>
+                        <a:rPr lang="en-NL" sz="2200" dirty="0"/>
+                        <a:t> = coefficient</a:t>
+                      </a:r>
+                      <a:endParaRPr lang="en-NL" sz="2200" dirty="0">
+                        <a:latin typeface="CMU SANS SERIF" panose="02000603000000000000" pitchFamily="2" charset="0"/>
+                        <a:ea typeface="CMU SANS SERIF" panose="02000603000000000000" pitchFamily="2" charset="0"/>
+                        <a:cs typeface="CMU SANS SERIF" panose="02000603000000000000" pitchFamily="2" charset="0"/>
+                      </a:endParaRPr>
+                    </a:p>
+                  </a:txBody>
+                  <a:tcPr marL="84376" marR="84376" marT="0" marB="0" anchor="ctr"/>
+                </a:tc>
+                <a:tc>
+                  <a:txBody>
+                    <a:bodyPr/>
+                    <a:lstStyle/>
+                    <a:p>
+                      <a:pPr algn="ctr"/>
+                      <a:endParaRPr lang="en-NL" sz="2200" dirty="0">
+                        <a:latin typeface="CMU SANS SERIF" panose="02000603000000000000" pitchFamily="2" charset="0"/>
+                        <a:ea typeface="CMU SANS SERIF" panose="02000603000000000000" pitchFamily="2" charset="0"/>
+                        <a:cs typeface="CMU SANS SERIF" panose="02000603000000000000" pitchFamily="2" charset="0"/>
+                      </a:endParaRPr>
+                    </a:p>
+                  </a:txBody>
+                  <a:tcPr marL="84376" marR="84376" marT="0" marB="0" anchor="ctr"/>
+                </a:tc>
+                <a:tc>
+                  <a:txBody>
+                    <a:bodyPr/>
+                    <a:lstStyle/>
+                    <a:p>
+                      <a:pPr algn="ctr"/>
+                      <a:r>
+                        <a:rPr lang="en-NL" sz="2200" dirty="0"/>
+                        <a:t>parameter = weight</a:t>
+                      </a:r>
+                      <a:endParaRPr lang="en-NL" sz="2200" dirty="0">
+                        <a:latin typeface="CMU SANS SERIF" panose="02000603000000000000" pitchFamily="2" charset="0"/>
+                        <a:ea typeface="CMU SANS SERIF" panose="02000603000000000000" pitchFamily="2" charset="0"/>
+                        <a:cs typeface="CMU SANS SERIF" panose="02000603000000000000" pitchFamily="2" charset="0"/>
+                      </a:endParaRPr>
+                    </a:p>
+                  </a:txBody>
+                  <a:tcPr marL="84376" marR="84376" marT="0" marB="0" anchor="ctr"/>
+                </a:tc>
+                <a:extLst>
+                  <a:ext uri="{0D108BD9-81ED-4DB2-BD59-A6C34878D82A}">
+                    <a16:rowId xmlns:a16="http://schemas.microsoft.com/office/drawing/2014/main" val="3790566298"/>
+                  </a:ext>
+                </a:extLst>
+              </a:tr>
+              <a:tr h="1001703">
+                <a:tc>
+                  <a:txBody>
+                    <a:bodyPr/>
+                    <a:lstStyle/>
+                    <a:p>
+                      <a:pPr algn="ctr"/>
+                      <a:r>
+                        <a:rPr lang="en-NL" sz="2200" dirty="0"/>
+                        <a:t>parameter count ∝ complexity</a:t>
+                      </a:r>
+                      <a:endParaRPr lang="en-NL" sz="2200" dirty="0">
+                        <a:latin typeface="CMU SANS SERIF" panose="02000603000000000000" pitchFamily="2" charset="0"/>
+                        <a:ea typeface="CMU SANS SERIF" panose="02000603000000000000" pitchFamily="2" charset="0"/>
+                        <a:cs typeface="CMU SANS SERIF" panose="02000603000000000000" pitchFamily="2" charset="0"/>
+                      </a:endParaRPr>
+                    </a:p>
+                  </a:txBody>
+                  <a:tcPr marL="84376" marR="84376" marT="0" marB="0" anchor="ctr"/>
+                </a:tc>
+                <a:tc>
+                  <a:txBody>
+                    <a:bodyPr/>
+                    <a:lstStyle/>
+                    <a:p>
+                      <a:pPr marL="0" marR="0" lvl="0" indent="0" algn="ctr" defTabSz="914400" rtl="0" eaLnBrk="1" fontAlgn="auto" latinLnBrk="0" hangingPunct="1">
+                        <a:lnSpc>
+                          <a:spcPct val="100000"/>
+                        </a:lnSpc>
+                        <a:spcBef>
+                          <a:spcPts val="0"/>
+                        </a:spcBef>
+                        <a:spcAft>
+                          <a:spcPts val="0"/>
+                        </a:spcAft>
+                        <a:buClrTx/>
+                        <a:buSzTx/>
+                        <a:buFontTx/>
+                        <a:buNone/>
+                        <a:tabLst/>
+                        <a:defRPr/>
+                      </a:pPr>
+                      <a:r>
+                        <a:rPr lang="en-NL" sz="2200" dirty="0"/>
+                        <a:t>L1 / L2 regularization</a:t>
+                      </a:r>
+                      <a:endParaRPr lang="en-NL" sz="2200" dirty="0">
+                        <a:latin typeface="CMU SANS SERIF" panose="02000603000000000000" pitchFamily="2" charset="0"/>
+                        <a:ea typeface="CMU SANS SERIF" panose="02000603000000000000" pitchFamily="2" charset="0"/>
+                        <a:cs typeface="CMU SANS SERIF" panose="02000603000000000000" pitchFamily="2" charset="0"/>
+                      </a:endParaRPr>
+                    </a:p>
+                  </a:txBody>
+                  <a:tcPr marL="84376" marR="84376" marT="0" marB="0" anchor="ctr"/>
+                </a:tc>
+                <a:tc>
+                  <a:txBody>
+                    <a:bodyPr/>
+                    <a:lstStyle/>
+                    <a:p>
+                      <a:pPr algn="ctr"/>
+                      <a:r>
+                        <a:rPr lang="en-NL" sz="2200" dirty="0"/>
+                        <a:t>early stopping, drop-out, stochastic gradient descent, …</a:t>
+                      </a:r>
+                      <a:endParaRPr lang="en-NL" sz="2200" dirty="0">
+                        <a:latin typeface="CMU SANS SERIF" panose="02000603000000000000" pitchFamily="2" charset="0"/>
+                        <a:ea typeface="CMU SANS SERIF" panose="02000603000000000000" pitchFamily="2" charset="0"/>
+                        <a:cs typeface="CMU SANS SERIF" panose="02000603000000000000" pitchFamily="2" charset="0"/>
+                      </a:endParaRPr>
+                    </a:p>
+                  </a:txBody>
+                  <a:tcPr marL="84376" marR="84376" marT="0" marB="0" anchor="ctr"/>
+                </a:tc>
+                <a:extLst>
+                  <a:ext uri="{0D108BD9-81ED-4DB2-BD59-A6C34878D82A}">
+                    <a16:rowId xmlns:a16="http://schemas.microsoft.com/office/drawing/2014/main" val="660911098"/>
+                  </a:ext>
+                </a:extLst>
+              </a:tr>
+              <a:tr h="1001703">
+                <a:tc>
+                  <a:txBody>
+                    <a:bodyPr/>
+                    <a:lstStyle/>
+                    <a:p>
+                      <a:pPr algn="ctr"/>
+                      <a:endParaRPr lang="en-NL" sz="2200" dirty="0">
+                        <a:latin typeface="CMU SANS SERIF" panose="02000603000000000000" pitchFamily="2" charset="0"/>
+                        <a:ea typeface="CMU SANS SERIF" panose="02000603000000000000" pitchFamily="2" charset="0"/>
+                        <a:cs typeface="CMU SANS SERIF" panose="02000603000000000000" pitchFamily="2" charset="0"/>
+                      </a:endParaRPr>
+                    </a:p>
+                  </a:txBody>
+                  <a:tcPr marL="84376" marR="84376" marT="0" marB="0" anchor="ctr"/>
+                </a:tc>
+                <a:tc>
+                  <a:txBody>
+                    <a:bodyPr/>
+                    <a:lstStyle/>
+                    <a:p>
+                      <a:pPr marL="0" marR="0" lvl="0" indent="0" algn="ctr" defTabSz="914400" rtl="0" eaLnBrk="1" fontAlgn="auto" latinLnBrk="0" hangingPunct="1">
+                        <a:lnSpc>
+                          <a:spcPct val="100000"/>
+                        </a:lnSpc>
+                        <a:spcBef>
+                          <a:spcPts val="0"/>
+                        </a:spcBef>
+                        <a:spcAft>
+                          <a:spcPts val="0"/>
+                        </a:spcAft>
+                        <a:buClrTx/>
+                        <a:buSzTx/>
+                        <a:buFontTx/>
+                        <a:buNone/>
+                        <a:tabLst/>
+                        <a:defRPr/>
+                      </a:pPr>
+                      <a:r>
+                        <a:rPr lang="en-NL" sz="2200" dirty="0"/>
+                        <a:t>model statistical dependencies</a:t>
+                      </a:r>
+                      <a:endParaRPr lang="en-NL" sz="2200" dirty="0">
+                        <a:latin typeface="CMU SANS SERIF" panose="02000603000000000000" pitchFamily="2" charset="0"/>
+                        <a:ea typeface="CMU SANS SERIF" panose="02000603000000000000" pitchFamily="2" charset="0"/>
+                        <a:cs typeface="CMU SANS SERIF" panose="02000603000000000000" pitchFamily="2" charset="0"/>
+                      </a:endParaRPr>
+                    </a:p>
+                  </a:txBody>
+                  <a:tcPr marL="84376" marR="84376" marT="0" marB="0" anchor="ctr"/>
+                </a:tc>
+                <a:tc>
+                  <a:txBody>
+                    <a:bodyPr/>
+                    <a:lstStyle/>
+                    <a:p>
+                      <a:pPr marL="0" marR="0" lvl="0" indent="0" algn="ctr" defTabSz="914400" rtl="0" eaLnBrk="1" fontAlgn="auto" latinLnBrk="0" hangingPunct="1">
+                        <a:lnSpc>
+                          <a:spcPct val="100000"/>
+                        </a:lnSpc>
+                        <a:spcBef>
+                          <a:spcPts val="0"/>
+                        </a:spcBef>
+                        <a:spcAft>
+                          <a:spcPts val="0"/>
+                        </a:spcAft>
+                        <a:buClrTx/>
+                        <a:buSzTx/>
+                        <a:buFontTx/>
+                        <a:buNone/>
+                        <a:tabLst/>
+                        <a:defRPr/>
+                      </a:pPr>
+                      <a:r>
+                        <a:rPr lang="en-NL" sz="2200" dirty="0"/>
+                        <a:t>learn representation of ‘unstructured’ data</a:t>
+                      </a:r>
+                      <a:endParaRPr lang="en-NL" sz="2200" dirty="0">
+                        <a:latin typeface="CMU SANS SERIF" panose="02000603000000000000" pitchFamily="2" charset="0"/>
+                        <a:ea typeface="CMU SANS SERIF" panose="02000603000000000000" pitchFamily="2" charset="0"/>
+                        <a:cs typeface="CMU SANS SERIF" panose="02000603000000000000" pitchFamily="2" charset="0"/>
+                      </a:endParaRPr>
+                    </a:p>
+                  </a:txBody>
+                  <a:tcPr marL="84376" marR="84376" marT="0" marB="0" anchor="ctr"/>
+                </a:tc>
+                <a:extLst>
+                  <a:ext uri="{0D108BD9-81ED-4DB2-BD59-A6C34878D82A}">
+                    <a16:rowId xmlns:a16="http://schemas.microsoft.com/office/drawing/2014/main" val="3939667607"/>
+                  </a:ext>
+                </a:extLst>
+              </a:tr>
+              <a:tr h="1001703">
+                <a:tc>
+                  <a:txBody>
+                    <a:bodyPr/>
+                    <a:lstStyle/>
+                    <a:p>
+                      <a:pPr marL="0" marR="0" lvl="0" indent="0" algn="ctr" defTabSz="914400" rtl="0" eaLnBrk="1" fontAlgn="auto" latinLnBrk="0" hangingPunct="1">
+                        <a:lnSpc>
+                          <a:spcPct val="100000"/>
+                        </a:lnSpc>
+                        <a:spcBef>
+                          <a:spcPts val="0"/>
+                        </a:spcBef>
+                        <a:spcAft>
+                          <a:spcPts val="0"/>
+                        </a:spcAft>
+                        <a:buClrTx/>
+                        <a:buSzTx/>
+                        <a:buFontTx/>
+                        <a:buNone/>
+                        <a:tabLst/>
+                        <a:defRPr/>
+                      </a:pPr>
+                      <a:r>
+                        <a:rPr lang="en-NL" sz="2200" dirty="0"/>
+                        <a:t>runs on laptop</a:t>
+                      </a:r>
+                      <a:endParaRPr lang="en-NL" sz="2200" dirty="0">
+                        <a:latin typeface="CMU SANS SERIF" panose="02000603000000000000" pitchFamily="2" charset="0"/>
+                        <a:ea typeface="CMU SANS SERIF" panose="02000603000000000000" pitchFamily="2" charset="0"/>
+                        <a:cs typeface="CMU SANS SERIF" panose="02000603000000000000" pitchFamily="2" charset="0"/>
+                      </a:endParaRPr>
+                    </a:p>
+                  </a:txBody>
+                  <a:tcPr marL="84376" marR="84376" marT="0" marB="0" anchor="ctr"/>
+                </a:tc>
+                <a:tc>
+                  <a:txBody>
+                    <a:bodyPr/>
+                    <a:lstStyle/>
+                    <a:p>
+                      <a:pPr marL="0" marR="0" lvl="0" indent="0" algn="ctr" defTabSz="914400" rtl="0" eaLnBrk="1" fontAlgn="auto" latinLnBrk="0" hangingPunct="1">
+                        <a:lnSpc>
+                          <a:spcPct val="100000"/>
+                        </a:lnSpc>
+                        <a:spcBef>
+                          <a:spcPts val="0"/>
+                        </a:spcBef>
+                        <a:spcAft>
+                          <a:spcPts val="0"/>
+                        </a:spcAft>
+                        <a:buClrTx/>
+                        <a:buSzTx/>
+                        <a:buFontTx/>
+                        <a:buNone/>
+                        <a:tabLst/>
+                        <a:defRPr/>
+                      </a:pPr>
+                      <a:endParaRPr lang="en-NL" sz="2200" dirty="0">
+                        <a:latin typeface="CMU SANS SERIF" panose="02000603000000000000" pitchFamily="2" charset="0"/>
+                        <a:ea typeface="CMU SANS SERIF" panose="02000603000000000000" pitchFamily="2" charset="0"/>
+                        <a:cs typeface="CMU SANS SERIF" panose="02000603000000000000" pitchFamily="2" charset="0"/>
+                      </a:endParaRPr>
+                    </a:p>
+                  </a:txBody>
+                  <a:tcPr marL="84376" marR="84376" marT="0" marB="0" anchor="ctr"/>
+                </a:tc>
+                <a:tc>
+                  <a:txBody>
+                    <a:bodyPr/>
+                    <a:lstStyle/>
+                    <a:p>
+                      <a:pPr algn="ctr"/>
+                      <a:r>
+                        <a:rPr lang="en-NL" sz="2200" dirty="0"/>
+                        <a:t>runs on GPUs</a:t>
+                      </a:r>
+                      <a:endParaRPr lang="en-NL" sz="2200" dirty="0">
+                        <a:latin typeface="CMU SANS SERIF" panose="02000603000000000000" pitchFamily="2" charset="0"/>
+                        <a:ea typeface="CMU SANS SERIF" panose="02000603000000000000" pitchFamily="2" charset="0"/>
+                        <a:cs typeface="CMU SANS SERIF" panose="02000603000000000000" pitchFamily="2" charset="0"/>
+                      </a:endParaRPr>
+                    </a:p>
+                  </a:txBody>
+                  <a:tcPr marL="84376" marR="84376" marT="0" marB="0" anchor="ctr"/>
+                </a:tc>
+                <a:extLst>
+                  <a:ext uri="{0D108BD9-81ED-4DB2-BD59-A6C34878D82A}">
+                    <a16:rowId xmlns:a16="http://schemas.microsoft.com/office/drawing/2014/main" val="2284925830"/>
+                  </a:ext>
+                </a:extLst>
+              </a:tr>
+              <a:tr h="1001703">
+                <a:tc>
+                  <a:txBody>
+                    <a:bodyPr/>
+                    <a:lstStyle/>
+                    <a:p>
+                      <a:pPr algn="ctr"/>
+                      <a:endParaRPr lang="en-NL" sz="2200" dirty="0">
+                        <a:latin typeface="CMU SANS SERIF" panose="02000603000000000000" pitchFamily="2" charset="0"/>
+                        <a:ea typeface="CMU SANS SERIF" panose="02000603000000000000" pitchFamily="2" charset="0"/>
+                        <a:cs typeface="CMU SANS SERIF" panose="02000603000000000000" pitchFamily="2" charset="0"/>
+                      </a:endParaRPr>
+                    </a:p>
+                  </a:txBody>
+                  <a:tcPr marL="84376" marR="84376" marT="0" marB="0" anchor="ctr"/>
+                </a:tc>
+                <a:tc>
+                  <a:txBody>
+                    <a:bodyPr/>
+                    <a:lstStyle/>
+                    <a:p>
+                      <a:pPr algn="ctr"/>
+                      <a:endParaRPr lang="en-NL" sz="2200" dirty="0">
+                        <a:latin typeface="CMU SANS SERIF" panose="02000603000000000000" pitchFamily="2" charset="0"/>
+                        <a:ea typeface="CMU SANS SERIF" panose="02000603000000000000" pitchFamily="2" charset="0"/>
+                        <a:cs typeface="CMU SANS SERIF" panose="02000603000000000000" pitchFamily="2" charset="0"/>
+                      </a:endParaRPr>
+                    </a:p>
+                  </a:txBody>
+                  <a:tcPr marL="84376" marR="84376" marT="0" marB="0" anchor="ctr"/>
+                </a:tc>
+                <a:tc>
+                  <a:txBody>
+                    <a:bodyPr/>
+                    <a:lstStyle/>
+                    <a:p>
+                      <a:pPr algn="ctr"/>
+                      <a:r>
+                        <a:rPr lang="en-NL" sz="2200" dirty="0"/>
+                        <a:t>scales with data, compute, model size</a:t>
+                      </a:r>
+                      <a:endParaRPr lang="en-NL" sz="2200" dirty="0">
+                        <a:latin typeface="CMU SANS SERIF" panose="02000603000000000000" pitchFamily="2" charset="0"/>
+                        <a:ea typeface="CMU SANS SERIF" panose="02000603000000000000" pitchFamily="2" charset="0"/>
+                        <a:cs typeface="CMU SANS SERIF" panose="02000603000000000000" pitchFamily="2" charset="0"/>
+                      </a:endParaRPr>
+                    </a:p>
+                  </a:txBody>
+                  <a:tcPr marL="84376" marR="84376" marT="0" marB="0" anchor="ctr"/>
+                </a:tc>
+                <a:extLst>
+                  <a:ext uri="{0D108BD9-81ED-4DB2-BD59-A6C34878D82A}">
+                    <a16:rowId xmlns:a16="http://schemas.microsoft.com/office/drawing/2014/main" val="958352866"/>
+                  </a:ext>
+                </a:extLst>
+              </a:tr>
+            </a:tbl>
+          </a:graphicData>
+        </a:graphic>
+      </p:graphicFrame>
+    </p:spTree>
+    <p:extLst>
+      <p:ext uri="{BB962C8B-B14F-4D97-AF65-F5344CB8AC3E}">
+        <p14:creationId xmlns:p14="http://schemas.microsoft.com/office/powerpoint/2010/main" val="162390474"/>
       </p:ext>
     </p:extLst>
   </p:cSld>
@@ -4088,4 +8360,319 @@
     </a:ext>
   </a:extLst>
 </a:theme>
+</file>
+
+<file path=ppt/theme/theme2.xml><?xml version="1.0" encoding="utf-8"?>
+<a:theme xmlns:a="http://schemas.openxmlformats.org/drawingml/2006/main" name="Office Theme">
+  <a:themeElements>
+    <a:clrScheme name="Office">
+      <a:dk1>
+        <a:sysClr val="windowText" lastClr="000000"/>
+      </a:dk1>
+      <a:lt1>
+        <a:sysClr val="window" lastClr="FFFFFF"/>
+      </a:lt1>
+      <a:dk2>
+        <a:srgbClr val="0E2841"/>
+      </a:dk2>
+      <a:lt2>
+        <a:srgbClr val="E8E8E8"/>
+      </a:lt2>
+      <a:accent1>
+        <a:srgbClr val="156082"/>
+      </a:accent1>
+      <a:accent2>
+        <a:srgbClr val="E97132"/>
+      </a:accent2>
+      <a:accent3>
+        <a:srgbClr val="196B24"/>
+      </a:accent3>
+      <a:accent4>
+        <a:srgbClr val="0F9ED5"/>
+      </a:accent4>
+      <a:accent5>
+        <a:srgbClr val="A02B93"/>
+      </a:accent5>
+      <a:accent6>
+        <a:srgbClr val="4EA72E"/>
+      </a:accent6>
+      <a:hlink>
+        <a:srgbClr val="467886"/>
+      </a:hlink>
+      <a:folHlink>
+        <a:srgbClr val="96607D"/>
+      </a:folHlink>
+    </a:clrScheme>
+    <a:fontScheme name="Office">
+      <a:majorFont>
+        <a:latin typeface="Aptos Display" panose="02110004020202020204"/>
+        <a:ea typeface=""/>
+        <a:cs typeface=""/>
+        <a:font script="Jpan" typeface="游ゴシック Light"/>
+        <a:font script="Hang" typeface="맑은 고딕"/>
+        <a:font script="Hans" typeface="等线 Light"/>
+        <a:font script="Hant" typeface="新細明體"/>
+        <a:font script="Arab" typeface="Times New Roman"/>
+        <a:font script="Hebr" typeface="Times New Roman"/>
+        <a:font script="Thai" typeface="Angsana New"/>
+        <a:font script="Ethi" typeface="Nyala"/>
+        <a:font script="Beng" typeface="Vrinda"/>
+        <a:font script="Gujr" typeface="Shruti"/>
+        <a:font script="Khmr" typeface="MoolBoran"/>
+        <a:font script="Knda" typeface="Tunga"/>
+        <a:font script="Guru" typeface="Raavi"/>
+        <a:font script="Cans" typeface="Euphemia"/>
+        <a:font script="Cher" typeface="Plantagenet Cherokee"/>
+        <a:font script="Yiii" typeface="Microsoft Yi Baiti"/>
+        <a:font script="Tibt" typeface="Microsoft Himalaya"/>
+        <a:font script="Thaa" typeface="MV Boli"/>
+        <a:font script="Deva" typeface="Mangal"/>
+        <a:font script="Telu" typeface="Gautami"/>
+        <a:font script="Taml" typeface="Latha"/>
+        <a:font script="Syrc" typeface="Estrangelo Edessa"/>
+        <a:font script="Orya" typeface="Kalinga"/>
+        <a:font script="Mlym" typeface="Kartika"/>
+        <a:font script="Laoo" typeface="DokChampa"/>
+        <a:font script="Sinh" typeface="Iskoola Pota"/>
+        <a:font script="Mong" typeface="Mongolian Baiti"/>
+        <a:font script="Viet" typeface="Times New Roman"/>
+        <a:font script="Uigh" typeface="Microsoft Uighur"/>
+        <a:font script="Geor" typeface="Sylfaen"/>
+        <a:font script="Armn" typeface="Arial"/>
+        <a:font script="Bugi" typeface="Leelawadee UI"/>
+        <a:font script="Bopo" typeface="Microsoft JhengHei"/>
+        <a:font script="Java" typeface="Javanese Text"/>
+        <a:font script="Lisu" typeface="Segoe UI"/>
+        <a:font script="Mymr" typeface="Myanmar Text"/>
+        <a:font script="Nkoo" typeface="Ebrima"/>
+        <a:font script="Olck" typeface="Nirmala UI"/>
+        <a:font script="Osma" typeface="Ebrima"/>
+        <a:font script="Phag" typeface="Phagspa"/>
+        <a:font script="Syrn" typeface="Estrangelo Edessa"/>
+        <a:font script="Syrj" typeface="Estrangelo Edessa"/>
+        <a:font script="Syre" typeface="Estrangelo Edessa"/>
+        <a:font script="Sora" typeface="Nirmala UI"/>
+        <a:font script="Tale" typeface="Microsoft Tai Le"/>
+        <a:font script="Talu" typeface="Microsoft New Tai Lue"/>
+        <a:font script="Tfng" typeface="Ebrima"/>
+      </a:majorFont>
+      <a:minorFont>
+        <a:latin typeface="Aptos" panose="02110004020202020204"/>
+        <a:ea typeface=""/>
+        <a:cs typeface=""/>
+        <a:font script="Jpan" typeface="游ゴシック"/>
+        <a:font script="Hang" typeface="맑은 고딕"/>
+        <a:font script="Hans" typeface="等线"/>
+        <a:font script="Hant" typeface="新細明體"/>
+        <a:font script="Arab" typeface="Arial"/>
+        <a:font script="Hebr" typeface="Arial"/>
+        <a:font script="Thai" typeface="Cordia New"/>
+        <a:font script="Ethi" typeface="Nyala"/>
+        <a:font script="Beng" typeface="Vrinda"/>
+        <a:font script="Gujr" typeface="Shruti"/>
+        <a:font script="Khmr" typeface="DaunPenh"/>
+        <a:font script="Knda" typeface="Tunga"/>
+        <a:font script="Guru" typeface="Raavi"/>
+        <a:font script="Cans" typeface="Euphemia"/>
+        <a:font script="Cher" typeface="Plantagenet Cherokee"/>
+        <a:font script="Yiii" typeface="Microsoft Yi Baiti"/>
+        <a:font script="Tibt" typeface="Microsoft Himalaya"/>
+        <a:font script="Thaa" typeface="MV Boli"/>
+        <a:font script="Deva" typeface="Mangal"/>
+        <a:font script="Telu" typeface="Gautami"/>
+        <a:font script="Taml" typeface="Latha"/>
+        <a:font script="Syrc" typeface="Estrangelo Edessa"/>
+        <a:font script="Orya" typeface="Kalinga"/>
+        <a:font script="Mlym" typeface="Kartika"/>
+        <a:font script="Laoo" typeface="DokChampa"/>
+        <a:font script="Sinh" typeface="Iskoola Pota"/>
+        <a:font script="Mong" typeface="Mongolian Baiti"/>
+        <a:font script="Viet" typeface="Arial"/>
+        <a:font script="Uigh" typeface="Microsoft Uighur"/>
+        <a:font script="Geor" typeface="Sylfaen"/>
+        <a:font script="Armn" typeface="Arial"/>
+        <a:font script="Bugi" typeface="Leelawadee UI"/>
+        <a:font script="Bopo" typeface="Microsoft JhengHei"/>
+        <a:font script="Java" typeface="Javanese Text"/>
+        <a:font script="Lisu" typeface="Segoe UI"/>
+        <a:font script="Mymr" typeface="Myanmar Text"/>
+        <a:font script="Nkoo" typeface="Ebrima"/>
+        <a:font script="Olck" typeface="Nirmala UI"/>
+        <a:font script="Osma" typeface="Ebrima"/>
+        <a:font script="Phag" typeface="Phagspa"/>
+        <a:font script="Syrn" typeface="Estrangelo Edessa"/>
+        <a:font script="Syrj" typeface="Estrangelo Edessa"/>
+        <a:font script="Syre" typeface="Estrangelo Edessa"/>
+        <a:font script="Sora" typeface="Nirmala UI"/>
+        <a:font script="Tale" typeface="Microsoft Tai Le"/>
+        <a:font script="Talu" typeface="Microsoft New Tai Lue"/>
+        <a:font script="Tfng" typeface="Ebrima"/>
+      </a:minorFont>
+    </a:fontScheme>
+    <a:fmtScheme name="Office">
+      <a:fillStyleLst>
+        <a:solidFill>
+          <a:schemeClr val="phClr"/>
+        </a:solidFill>
+        <a:gradFill rotWithShape="1">
+          <a:gsLst>
+            <a:gs pos="0">
+              <a:schemeClr val="phClr">
+                <a:lumMod val="110000"/>
+                <a:satMod val="105000"/>
+                <a:tint val="67000"/>
+              </a:schemeClr>
+            </a:gs>
+            <a:gs pos="50000">
+              <a:schemeClr val="phClr">
+                <a:lumMod val="105000"/>
+                <a:satMod val="103000"/>
+                <a:tint val="73000"/>
+              </a:schemeClr>
+            </a:gs>
+            <a:gs pos="100000">
+              <a:schemeClr val="phClr">
+                <a:lumMod val="105000"/>
+                <a:satMod val="109000"/>
+                <a:tint val="81000"/>
+              </a:schemeClr>
+            </a:gs>
+          </a:gsLst>
+          <a:lin ang="5400000" scaled="0"/>
+        </a:gradFill>
+        <a:gradFill rotWithShape="1">
+          <a:gsLst>
+            <a:gs pos="0">
+              <a:schemeClr val="phClr">
+                <a:satMod val="103000"/>
+                <a:lumMod val="102000"/>
+                <a:tint val="94000"/>
+              </a:schemeClr>
+            </a:gs>
+            <a:gs pos="50000">
+              <a:schemeClr val="phClr">
+                <a:satMod val="110000"/>
+                <a:lumMod val="100000"/>
+                <a:shade val="100000"/>
+              </a:schemeClr>
+            </a:gs>
+            <a:gs pos="100000">
+              <a:schemeClr val="phClr">
+                <a:lumMod val="99000"/>
+                <a:satMod val="120000"/>
+                <a:shade val="78000"/>
+              </a:schemeClr>
+            </a:gs>
+          </a:gsLst>
+          <a:lin ang="5400000" scaled="0"/>
+        </a:gradFill>
+      </a:fillStyleLst>
+      <a:lnStyleLst>
+        <a:ln w="12700" cap="flat" cmpd="sng" algn="ctr">
+          <a:solidFill>
+            <a:schemeClr val="phClr"/>
+          </a:solidFill>
+          <a:prstDash val="solid"/>
+          <a:miter lim="800000"/>
+        </a:ln>
+        <a:ln w="19050" cap="flat" cmpd="sng" algn="ctr">
+          <a:solidFill>
+            <a:schemeClr val="phClr"/>
+          </a:solidFill>
+          <a:prstDash val="solid"/>
+          <a:miter lim="800000"/>
+        </a:ln>
+        <a:ln w="25400" cap="flat" cmpd="sng" algn="ctr">
+          <a:solidFill>
+            <a:schemeClr val="phClr"/>
+          </a:solidFill>
+          <a:prstDash val="solid"/>
+          <a:miter lim="800000"/>
+        </a:ln>
+      </a:lnStyleLst>
+      <a:effectStyleLst>
+        <a:effectStyle>
+          <a:effectLst/>
+        </a:effectStyle>
+        <a:effectStyle>
+          <a:effectLst/>
+        </a:effectStyle>
+        <a:effectStyle>
+          <a:effectLst>
+            <a:outerShdw blurRad="57150" dist="19050" dir="5400000" algn="ctr" rotWithShape="0">
+              <a:srgbClr val="000000">
+                <a:alpha val="63000"/>
+              </a:srgbClr>
+            </a:outerShdw>
+          </a:effectLst>
+        </a:effectStyle>
+      </a:effectStyleLst>
+      <a:bgFillStyleLst>
+        <a:solidFill>
+          <a:schemeClr val="phClr"/>
+        </a:solidFill>
+        <a:solidFill>
+          <a:schemeClr val="phClr">
+            <a:tint val="95000"/>
+            <a:satMod val="170000"/>
+          </a:schemeClr>
+        </a:solidFill>
+        <a:gradFill rotWithShape="1">
+          <a:gsLst>
+            <a:gs pos="0">
+              <a:schemeClr val="phClr">
+                <a:tint val="93000"/>
+                <a:satMod val="150000"/>
+                <a:shade val="98000"/>
+                <a:lumMod val="102000"/>
+              </a:schemeClr>
+            </a:gs>
+            <a:gs pos="50000">
+              <a:schemeClr val="phClr">
+                <a:tint val="98000"/>
+                <a:satMod val="130000"/>
+                <a:shade val="90000"/>
+                <a:lumMod val="103000"/>
+              </a:schemeClr>
+            </a:gs>
+            <a:gs pos="100000">
+              <a:schemeClr val="phClr">
+                <a:shade val="63000"/>
+                <a:satMod val="120000"/>
+              </a:schemeClr>
+            </a:gs>
+          </a:gsLst>
+          <a:lin ang="5400000" scaled="0"/>
+        </a:gradFill>
+      </a:bgFillStyleLst>
+    </a:fmtScheme>
+  </a:themeElements>
+  <a:objectDefaults>
+    <a:lnDef>
+      <a:spPr/>
+      <a:bodyPr/>
+      <a:lstStyle/>
+      <a:style>
+        <a:lnRef idx="2">
+          <a:schemeClr val="accent1"/>
+        </a:lnRef>
+        <a:fillRef idx="0">
+          <a:schemeClr val="accent1"/>
+        </a:fillRef>
+        <a:effectRef idx="1">
+          <a:schemeClr val="accent1"/>
+        </a:effectRef>
+        <a:fontRef idx="minor">
+          <a:schemeClr val="tx1"/>
+        </a:fontRef>
+      </a:style>
+    </a:lnDef>
+  </a:objectDefaults>
+  <a:extraClrSchemeLst/>
+  <a:extLst>
+    <a:ext uri="{05A4C25C-085E-4340-85A3-A5531E510DB2}">
+      <thm15:themeFamily xmlns:thm15="http://schemas.microsoft.com/office/thememl/2012/main" name="Office Theme" id="{2E142A2C-CD16-42D6-873A-C26D2A0506FA}" vid="{1BDDFF52-6CD6-40A5-AB3C-68EB2F1E4D0A}"/>
+    </a:ext>
+  </a:extLst>
+</a:theme>
 </file>